--- a/TP_02_SW_Meca3D_Assemblage_Pompe/TP_02_SW_Assemblage_Pompe_PPT.pptx
+++ b/TP_02_SW_Meca3D_Assemblage_Pompe/TP_02_SW_Assemblage_Pompe_PPT.pptx
@@ -5,7 +5,7 @@
     <p:sldMasterId id="2147483672" r:id="rId1"/>
   </p:sldMasterIdLst>
   <p:notesMasterIdLst>
-    <p:notesMasterId r:id="rId8"/>
+    <p:notesMasterId r:id="rId10"/>
   </p:notesMasterIdLst>
   <p:sldIdLst>
     <p:sldId id="256" r:id="rId2"/>
@@ -14,6 +14,8 @@
     <p:sldId id="259" r:id="rId5"/>
     <p:sldId id="260" r:id="rId6"/>
     <p:sldId id="261" r:id="rId7"/>
+    <p:sldId id="262" r:id="rId8"/>
+    <p:sldId id="263" r:id="rId9"/>
   </p:sldIdLst>
   <p:sldSz cx="9144000" cy="6858000" type="screen4x3"/>
   <p:notesSz cx="6858000" cy="9144000"/>
@@ -367,7 +369,7 @@
     </p:spTree>
     <p:extLst>
       <p:ext uri="{BB962C8B-B14F-4D97-AF65-F5344CB8AC3E}">
-        <p14:creationId xmlns:p14="http://schemas.microsoft.com/office/powerpoint/2010/main" xmlns="" val="930336394"/>
+        <p14:creationId xmlns="" xmlns:p14="http://schemas.microsoft.com/office/powerpoint/2010/main" val="930336394"/>
       </p:ext>
     </p:extLst>
   </p:cSld>
@@ -5128,7 +5130,7 @@
           <a:blip r:embed="rId13" cstate="print">
             <a:extLst>
               <a:ext uri="{28A0092B-C50C-407E-A947-70E740481C1C}">
-                <a14:useLocalDpi xmlns:a14="http://schemas.microsoft.com/office/drawing/2010/main" xmlns="" val="0"/>
+                <a14:useLocalDpi xmlns="" xmlns:a14="http://schemas.microsoft.com/office/drawing/2010/main" val="0"/>
               </a:ext>
             </a:extLst>
           </a:blip>
@@ -5148,7 +5150,7 @@
           <a:noFill/>
           <a:extLst>
             <a:ext uri="{909E8E84-426E-40DD-AFC4-6F175D3DCCD1}">
-              <a14:hiddenFill xmlns:a14="http://schemas.microsoft.com/office/drawing/2010/main" xmlns="">
+              <a14:hiddenFill xmlns="" xmlns:a14="http://schemas.microsoft.com/office/drawing/2010/main">
                 <a:solidFill>
                   <a:srgbClr val="FFFFFF"/>
                 </a:solidFill>
@@ -5570,7 +5572,7 @@
           <a:blip r:embed="rId2" cstate="print">
             <a:extLst>
               <a:ext uri="{28A0092B-C50C-407E-A947-70E740481C1C}">
-                <a14:useLocalDpi xmlns:a14="http://schemas.microsoft.com/office/drawing/2010/main" xmlns="" val="0"/>
+                <a14:useLocalDpi xmlns="" xmlns:a14="http://schemas.microsoft.com/office/drawing/2010/main" val="0"/>
               </a:ext>
             </a:extLst>
           </a:blip>
@@ -5590,7 +5592,7 @@
           <a:noFill/>
           <a:extLst>
             <a:ext uri="{909E8E84-426E-40DD-AFC4-6F175D3DCCD1}">
-              <a14:hiddenFill xmlns:a14="http://schemas.microsoft.com/office/drawing/2010/main" xmlns="">
+              <a14:hiddenFill xmlns="" xmlns:a14="http://schemas.microsoft.com/office/drawing/2010/main">
                 <a:solidFill>
                   <a:srgbClr val="FFFFFF"/>
                 </a:solidFill>
@@ -5611,7 +5613,7 @@
           <a:blip r:embed="rId3">
             <a:extLst>
               <a:ext uri="{28A0092B-C50C-407E-A947-70E740481C1C}">
-                <a14:useLocalDpi xmlns:a14="http://schemas.microsoft.com/office/drawing/2010/main" xmlns="" val="0"/>
+                <a14:useLocalDpi xmlns="" xmlns:a14="http://schemas.microsoft.com/office/drawing/2010/main" val="0"/>
               </a:ext>
             </a:extLst>
           </a:blip>
@@ -5631,7 +5633,7 @@
           <a:noFill/>
           <a:extLst>
             <a:ext uri="{909E8E84-426E-40DD-AFC4-6F175D3DCCD1}">
-              <a14:hiddenFill xmlns:a14="http://schemas.microsoft.com/office/drawing/2010/main" xmlns="">
+              <a14:hiddenFill xmlns="" xmlns:a14="http://schemas.microsoft.com/office/drawing/2010/main">
                 <a:solidFill>
                   <a:srgbClr val="FFFFFF"/>
                 </a:solidFill>
@@ -5652,7 +5654,7 @@
           <a:blip r:embed="rId3">
             <a:extLst>
               <a:ext uri="{28A0092B-C50C-407E-A947-70E740481C1C}">
-                <a14:useLocalDpi xmlns:a14="http://schemas.microsoft.com/office/drawing/2010/main" xmlns="" val="0"/>
+                <a14:useLocalDpi xmlns="" xmlns:a14="http://schemas.microsoft.com/office/drawing/2010/main" val="0"/>
               </a:ext>
             </a:extLst>
           </a:blip>
@@ -5672,7 +5674,7 @@
           <a:noFill/>
           <a:extLst>
             <a:ext uri="{909E8E84-426E-40DD-AFC4-6F175D3DCCD1}">
-              <a14:hiddenFill xmlns:a14="http://schemas.microsoft.com/office/drawing/2010/main" xmlns="">
+              <a14:hiddenFill xmlns="" xmlns:a14="http://schemas.microsoft.com/office/drawing/2010/main">
                 <a:solidFill>
                   <a:srgbClr val="FFFFFF"/>
                 </a:solidFill>
@@ -5722,7 +5724,7 @@
           <a:blip r:embed="rId5" cstate="print">
             <a:extLst>
               <a:ext uri="{28A0092B-C50C-407E-A947-70E740481C1C}">
-                <a14:useLocalDpi xmlns="" xmlns:wpc="http://schemas.microsoft.com/office/word/2010/wordprocessingCanvas" xmlns:mc="http://schemas.openxmlformats.org/markup-compatibility/2006" xmlns:o="urn:schemas-microsoft-com:office:office" xmlns:m="http://schemas.openxmlformats.org/officeDocument/2006/math" xmlns:v="urn:schemas-microsoft-com:vml" xmlns:wp14="http://schemas.microsoft.com/office/word/2010/wordprocessingDrawing" xmlns:wp="http://schemas.openxmlformats.org/drawingml/2006/wordprocessingDrawing" xmlns:w10="urn:schemas-microsoft-com:office:word" xmlns:w="http://schemas.openxmlformats.org/wordprocessingml/2006/main" xmlns:w14="http://schemas.microsoft.com/office/word/2010/wordml" xmlns:wpg="http://schemas.microsoft.com/office/word/2010/wordprocessingGroup" xmlns:wpi="http://schemas.microsoft.com/office/word/2010/wordprocessingInk" xmlns:wne="http://schemas.microsoft.com/office/word/2006/wordml" xmlns:wps="http://schemas.microsoft.com/office/word/2010/wordprocessingShape" xmlns:a14="http://schemas.microsoft.com/office/drawing/2010/main" xmlns:pic="http://schemas.openxmlformats.org/drawingml/2006/picture" xmlns:lc="http://schemas.openxmlformats.org/drawingml/2006/lockedCanvas" val="0"/>
+                <a14:useLocalDpi xmlns:lc="http://schemas.openxmlformats.org/drawingml/2006/lockedCanvas" xmlns:pic="http://schemas.openxmlformats.org/drawingml/2006/picture" xmlns:a14="http://schemas.microsoft.com/office/drawing/2010/main" xmlns:wps="http://schemas.microsoft.com/office/word/2010/wordprocessingShape" xmlns:wne="http://schemas.microsoft.com/office/word/2006/wordml" xmlns:wpi="http://schemas.microsoft.com/office/word/2010/wordprocessingInk" xmlns:wpg="http://schemas.microsoft.com/office/word/2010/wordprocessingGroup" xmlns:w14="http://schemas.microsoft.com/office/word/2010/wordml" xmlns:w="http://schemas.openxmlformats.org/wordprocessingml/2006/main" xmlns:w10="urn:schemas-microsoft-com:office:word" xmlns:wp="http://schemas.openxmlformats.org/drawingml/2006/wordprocessingDrawing" xmlns:wp14="http://schemas.microsoft.com/office/word/2010/wordprocessingDrawing" xmlns:v="urn:schemas-microsoft-com:vml" xmlns:m="http://schemas.openxmlformats.org/officeDocument/2006/math" xmlns:o="urn:schemas-microsoft-com:office:office" xmlns:mc="http://schemas.openxmlformats.org/markup-compatibility/2006" xmlns:wpc="http://schemas.microsoft.com/office/word/2010/wordprocessingCanvas" xmlns="" val="0"/>
               </a:ext>
             </a:extLst>
           </a:blip>
@@ -5769,7 +5771,7 @@
     </p:spTree>
     <p:extLst>
       <p:ext uri="{BB962C8B-B14F-4D97-AF65-F5344CB8AC3E}">
-        <p14:creationId xmlns:p14="http://schemas.microsoft.com/office/powerpoint/2010/main" xmlns="" val="4076409569"/>
+        <p14:creationId xmlns="" xmlns:p14="http://schemas.microsoft.com/office/powerpoint/2010/main" val="4076409569"/>
       </p:ext>
     </p:extLst>
   </p:cSld>
@@ -5893,7 +5895,7 @@
           <a:blip r:embed="rId3" cstate="print">
             <a:extLst>
               <a:ext uri="{28A0092B-C50C-407E-A947-70E740481C1C}">
-                <a14:useLocalDpi xmlns="" xmlns:wpc="http://schemas.microsoft.com/office/word/2010/wordprocessingCanvas" xmlns:mc="http://schemas.openxmlformats.org/markup-compatibility/2006" xmlns:o="urn:schemas-microsoft-com:office:office" xmlns:m="http://schemas.openxmlformats.org/officeDocument/2006/math" xmlns:v="urn:schemas-microsoft-com:vml" xmlns:wp14="http://schemas.microsoft.com/office/word/2010/wordprocessingDrawing" xmlns:wp="http://schemas.openxmlformats.org/drawingml/2006/wordprocessingDrawing" xmlns:w10="urn:schemas-microsoft-com:office:word" xmlns:w="http://schemas.openxmlformats.org/wordprocessingml/2006/main" xmlns:w14="http://schemas.microsoft.com/office/word/2010/wordml" xmlns:wpg="http://schemas.microsoft.com/office/word/2010/wordprocessingGroup" xmlns:wpi="http://schemas.microsoft.com/office/word/2010/wordprocessingInk" xmlns:wne="http://schemas.microsoft.com/office/word/2006/wordml" xmlns:wps="http://schemas.microsoft.com/office/word/2010/wordprocessingShape" xmlns:a14="http://schemas.microsoft.com/office/drawing/2010/main" xmlns:pic="http://schemas.openxmlformats.org/drawingml/2006/picture" xmlns:lc="http://schemas.openxmlformats.org/drawingml/2006/lockedCanvas" val="0"/>
+                <a14:useLocalDpi xmlns:lc="http://schemas.openxmlformats.org/drawingml/2006/lockedCanvas" xmlns:pic="http://schemas.openxmlformats.org/drawingml/2006/picture" xmlns:a14="http://schemas.microsoft.com/office/drawing/2010/main" xmlns:wps="http://schemas.microsoft.com/office/word/2010/wordprocessingShape" xmlns:wne="http://schemas.microsoft.com/office/word/2006/wordml" xmlns:wpi="http://schemas.microsoft.com/office/word/2010/wordprocessingInk" xmlns:wpg="http://schemas.microsoft.com/office/word/2010/wordprocessingGroup" xmlns:w14="http://schemas.microsoft.com/office/word/2010/wordml" xmlns:w="http://schemas.openxmlformats.org/wordprocessingml/2006/main" xmlns:w10="urn:schemas-microsoft-com:office:word" xmlns:wp="http://schemas.openxmlformats.org/drawingml/2006/wordprocessingDrawing" xmlns:wp14="http://schemas.microsoft.com/office/word/2010/wordprocessingDrawing" xmlns:v="urn:schemas-microsoft-com:vml" xmlns:m="http://schemas.openxmlformats.org/officeDocument/2006/math" xmlns:o="urn:schemas-microsoft-com:office:office" xmlns:mc="http://schemas.openxmlformats.org/markup-compatibility/2006" xmlns:wpc="http://schemas.microsoft.com/office/word/2010/wordprocessingCanvas" xmlns="" val="0"/>
               </a:ext>
             </a:extLst>
           </a:blip>
@@ -6014,15 +6016,7 @@
           <a:p>
             <a:r>
               <a:rPr lang="fr-FR" dirty="0" smtClean="0"/>
-              <a:t>Copier </a:t>
-            </a:r>
-            <a:r>
-              <a:rPr lang="fr-FR" dirty="0" smtClean="0"/>
-              <a:t>le dossier </a:t>
-            </a:r>
-            <a:r>
-              <a:rPr lang="fr-FR" dirty="0" smtClean="0"/>
-              <a:t>TP_02_SW_Meca3D_Assemblage_Pompe dans vos documents personnels</a:t>
+              <a:t>Copier le dossier TP_02_SW_Meca3D_Assemblage_Pompe dans vos documents personnels</a:t>
             </a:r>
             <a:endParaRPr lang="fr-FR" dirty="0"/>
           </a:p>
@@ -6126,8 +6120,13 @@
           <a:p>
             <a:r>
               <a:rPr lang="fr-FR" dirty="0" smtClean="0"/>
-              <a:t>Pour assembler la pompe on dispose de ?? Ensemble</a:t>
-            </a:r>
+              <a:t>Pour assembler la pompe on dispose de </a:t>
+            </a:r>
+            <a:r>
+              <a:rPr lang="fr-FR" dirty="0" smtClean="0"/>
+              <a:t>3 ensembles</a:t>
+            </a:r>
+            <a:endParaRPr lang="fr-FR" dirty="0" smtClean="0"/>
           </a:p>
           <a:p>
             <a:endParaRPr lang="fr-FR" dirty="0" smtClean="0"/>
@@ -6161,6 +6160,244 @@
           </a:p>
         </p:txBody>
       </p:sp>
+      <p:graphicFrame>
+        <p:nvGraphicFramePr>
+          <p:cNvPr id="5" name="Tableau 4"/>
+          <p:cNvGraphicFramePr>
+            <a:graphicFrameLocks noGrp="1"/>
+          </p:cNvGraphicFramePr>
+          <p:nvPr/>
+        </p:nvGraphicFramePr>
+        <p:xfrm>
+          <a:off x="285720" y="3214686"/>
+          <a:ext cx="8286807" cy="2341259"/>
+        </p:xfrm>
+        <a:graphic>
+          <a:graphicData uri="http://schemas.openxmlformats.org/drawingml/2006/table">
+            <a:tbl>
+              <a:tblPr firstRow="1" bandRow="1">
+                <a:tableStyleId>{21E4AEA4-8DFA-4A89-87EB-49C32662AFE0}</a:tableStyleId>
+              </a:tblPr>
+              <a:tblGrid>
+                <a:gridCol w="2762269"/>
+                <a:gridCol w="2762269"/>
+                <a:gridCol w="2762269"/>
+              </a:tblGrid>
+              <a:tr h="142876">
+                <a:tc>
+                  <a:txBody>
+                    <a:bodyPr/>
+                    <a:lstStyle/>
+                    <a:p>
+                      <a:pPr algn="ctr"/>
+                      <a:r>
+                        <a:rPr lang="fr-FR" sz="1600" dirty="0" smtClean="0">
+                          <a:latin typeface="Calibri" pitchFamily="34" charset="0"/>
+                        </a:rPr>
+                        <a:t>Ensemble </a:t>
+                      </a:r>
+                      <a:r>
+                        <a:rPr lang="fr-FR" sz="1600" dirty="0" err="1" smtClean="0">
+                          <a:latin typeface="Calibri" pitchFamily="34" charset="0"/>
+                        </a:rPr>
+                        <a:t>fixe.SLDASM</a:t>
+                      </a:r>
+                      <a:endParaRPr lang="fr-FR" sz="1600" dirty="0">
+                        <a:latin typeface="Calibri" pitchFamily="34" charset="0"/>
+                      </a:endParaRPr>
+                    </a:p>
+                  </a:txBody>
+                  <a:tcPr/>
+                </a:tc>
+                <a:tc>
+                  <a:txBody>
+                    <a:bodyPr/>
+                    <a:lstStyle/>
+                    <a:p>
+                      <a:pPr algn="ctr"/>
+                      <a:r>
+                        <a:rPr lang="fr-FR" sz="1600" dirty="0" smtClean="0">
+                          <a:latin typeface="Calibri" pitchFamily="34" charset="0"/>
+                        </a:rPr>
+                        <a:t>Barillet+</a:t>
+                      </a:r>
+                      <a:r>
+                        <a:rPr lang="fr-FR" sz="1600" dirty="0" err="1" smtClean="0">
+                          <a:latin typeface="Calibri" pitchFamily="34" charset="0"/>
+                        </a:rPr>
+                        <a:t>Entraineur.SLDASM</a:t>
+                      </a:r>
+                      <a:endParaRPr lang="fr-FR" sz="1600" dirty="0">
+                        <a:latin typeface="Calibri" pitchFamily="34" charset="0"/>
+                      </a:endParaRPr>
+                    </a:p>
+                  </a:txBody>
+                  <a:tcPr/>
+                </a:tc>
+                <a:tc>
+                  <a:txBody>
+                    <a:bodyPr/>
+                    <a:lstStyle/>
+                    <a:p>
+                      <a:pPr algn="ctr"/>
+                      <a:r>
+                        <a:rPr lang="fr-FR" sz="1600" dirty="0" err="1" smtClean="0">
+                          <a:latin typeface="Calibri" pitchFamily="34" charset="0"/>
+                        </a:rPr>
+                        <a:t>Piston.SLDPRT</a:t>
+                      </a:r>
+                      <a:endParaRPr lang="fr-FR" sz="1600" dirty="0">
+                        <a:latin typeface="Calibri" pitchFamily="34" charset="0"/>
+                      </a:endParaRPr>
+                    </a:p>
+                  </a:txBody>
+                  <a:tcPr/>
+                </a:tc>
+              </a:tr>
+              <a:tr h="2005979">
+                <a:tc>
+                  <a:txBody>
+                    <a:bodyPr/>
+                    <a:lstStyle/>
+                    <a:p>
+                      <a:pPr algn="ctr"/>
+                      <a:endParaRPr lang="fr-FR" dirty="0">
+                        <a:latin typeface="Calibri" pitchFamily="34" charset="0"/>
+                      </a:endParaRPr>
+                    </a:p>
+                  </a:txBody>
+                  <a:tcPr/>
+                </a:tc>
+                <a:tc>
+                  <a:txBody>
+                    <a:bodyPr/>
+                    <a:lstStyle/>
+                    <a:p>
+                      <a:pPr algn="ctr"/>
+                      <a:endParaRPr lang="fr-FR">
+                        <a:latin typeface="Calibri" pitchFamily="34" charset="0"/>
+                      </a:endParaRPr>
+                    </a:p>
+                  </a:txBody>
+                  <a:tcPr/>
+                </a:tc>
+                <a:tc>
+                  <a:txBody>
+                    <a:bodyPr/>
+                    <a:lstStyle/>
+                    <a:p>
+                      <a:pPr algn="ctr"/>
+                      <a:endParaRPr lang="fr-FR" dirty="0">
+                        <a:latin typeface="Calibri" pitchFamily="34" charset="0"/>
+                      </a:endParaRPr>
+                    </a:p>
+                  </a:txBody>
+                  <a:tcPr/>
+                </a:tc>
+              </a:tr>
+            </a:tbl>
+          </a:graphicData>
+        </a:graphic>
+      </p:graphicFrame>
+      <p:pic>
+        <p:nvPicPr>
+          <p:cNvPr id="2050" name="Picture 2"/>
+          <p:cNvPicPr>
+            <a:picLocks noChangeAspect="1" noChangeArrowheads="1"/>
+          </p:cNvPicPr>
+          <p:nvPr/>
+        </p:nvPicPr>
+        <p:blipFill>
+          <a:blip r:embed="rId2" cstate="print"/>
+          <a:srcRect/>
+          <a:stretch>
+            <a:fillRect/>
+          </a:stretch>
+        </p:blipFill>
+        <p:spPr bwMode="auto">
+          <a:xfrm>
+            <a:off x="642910" y="3786190"/>
+            <a:ext cx="2068046" cy="1728777"/>
+          </a:xfrm>
+          <a:prstGeom prst="rect">
+            <a:avLst/>
+          </a:prstGeom>
+          <a:noFill/>
+          <a:ln w="9525">
+            <a:noFill/>
+            <a:miter lim="800000"/>
+            <a:headEnd/>
+            <a:tailEnd/>
+          </a:ln>
+          <a:effectLst/>
+        </p:spPr>
+      </p:pic>
+      <p:pic>
+        <p:nvPicPr>
+          <p:cNvPr id="2051" name="Picture 3"/>
+          <p:cNvPicPr>
+            <a:picLocks noChangeAspect="1" noChangeArrowheads="1"/>
+          </p:cNvPicPr>
+          <p:nvPr/>
+        </p:nvPicPr>
+        <p:blipFill>
+          <a:blip r:embed="rId3"/>
+          <a:srcRect/>
+          <a:stretch>
+            <a:fillRect/>
+          </a:stretch>
+        </p:blipFill>
+        <p:spPr bwMode="auto">
+          <a:xfrm>
+            <a:off x="3143240" y="3929066"/>
+            <a:ext cx="2516182" cy="1500198"/>
+          </a:xfrm>
+          <a:prstGeom prst="rect">
+            <a:avLst/>
+          </a:prstGeom>
+          <a:noFill/>
+          <a:ln w="9525">
+            <a:noFill/>
+            <a:miter lim="800000"/>
+            <a:headEnd/>
+            <a:tailEnd/>
+          </a:ln>
+          <a:effectLst/>
+        </p:spPr>
+      </p:pic>
+      <p:pic>
+        <p:nvPicPr>
+          <p:cNvPr id="2052" name="Picture 4"/>
+          <p:cNvPicPr>
+            <a:picLocks noChangeAspect="1" noChangeArrowheads="1"/>
+          </p:cNvPicPr>
+          <p:nvPr/>
+        </p:nvPicPr>
+        <p:blipFill>
+          <a:blip r:embed="rId4"/>
+          <a:srcRect/>
+          <a:stretch>
+            <a:fillRect/>
+          </a:stretch>
+        </p:blipFill>
+        <p:spPr bwMode="auto">
+          <a:xfrm>
+            <a:off x="6215074" y="3929066"/>
+            <a:ext cx="2000264" cy="1453079"/>
+          </a:xfrm>
+          <a:prstGeom prst="rect">
+            <a:avLst/>
+          </a:prstGeom>
+          <a:noFill/>
+          <a:ln w="9525">
+            <a:noFill/>
+            <a:miter lim="800000"/>
+            <a:headEnd/>
+            <a:tailEnd/>
+          </a:ln>
+          <a:effectLst/>
+        </p:spPr>
+      </p:pic>
     </p:spTree>
   </p:cSld>
   <p:clrMapOvr>
@@ -6228,7 +6465,12 @@
             <p:ph sz="quarter" idx="1"/>
           </p:nvPr>
         </p:nvSpPr>
-        <p:spPr/>
+        <p:spPr>
+          <a:xfrm>
+            <a:off x="457200" y="1196752"/>
+            <a:ext cx="5400684" cy="5277200"/>
+          </a:xfrm>
+        </p:spPr>
         <p:txBody>
           <a:bodyPr/>
           <a:lstStyle/>
@@ -6241,7 +6483,11 @@
           <a:p>
             <a:r>
               <a:rPr lang="fr-FR" dirty="0" smtClean="0"/>
-              <a:t>Crée un nouvel </a:t>
+              <a:t>Créer </a:t>
+            </a:r>
+            <a:r>
+              <a:rPr lang="fr-FR" dirty="0" smtClean="0"/>
+              <a:t>un nouvel </a:t>
             </a:r>
             <a:r>
               <a:rPr lang="fr-FR" b="1" dirty="0" smtClean="0"/>
@@ -6251,11 +6497,15 @@
           <a:p>
             <a:r>
               <a:rPr lang="fr-FR" dirty="0" smtClean="0"/>
-              <a:t>Importer le bâti (ensemble qui est fixe dans le mouvement </a:t>
-            </a:r>
-            <a:r>
-              <a:rPr lang="fr-FR" smtClean="0"/>
-              <a:t>du mécanisme)</a:t>
+              <a:t>Importer le bâti (ensemble qui est fixe dans le mouvement du </a:t>
+            </a:r>
+            <a:r>
+              <a:rPr lang="fr-FR" dirty="0" smtClean="0"/>
+              <a:t>mécanisme</a:t>
+            </a:r>
+            <a:r>
+              <a:rPr lang="fr-FR" dirty="0" smtClean="0"/>
+              <a:t>)</a:t>
             </a:r>
             <a:endParaRPr lang="fr-FR" dirty="0"/>
           </a:p>
@@ -6282,6 +6532,330 @@
               <a:t>5</a:t>
             </a:fld>
             <a:endParaRPr lang="fr-BE"/>
+          </a:p>
+        </p:txBody>
+      </p:sp>
+      <p:pic>
+        <p:nvPicPr>
+          <p:cNvPr id="1026" name="Picture 2"/>
+          <p:cNvPicPr>
+            <a:picLocks noChangeAspect="1" noChangeArrowheads="1"/>
+          </p:cNvPicPr>
+          <p:nvPr/>
+        </p:nvPicPr>
+        <p:blipFill>
+          <a:blip r:embed="rId2"/>
+          <a:srcRect/>
+          <a:stretch>
+            <a:fillRect/>
+          </a:stretch>
+        </p:blipFill>
+        <p:spPr bwMode="auto">
+          <a:xfrm>
+            <a:off x="5786446" y="1142984"/>
+            <a:ext cx="3009127" cy="1976438"/>
+          </a:xfrm>
+          <a:prstGeom prst="rect">
+            <a:avLst/>
+          </a:prstGeom>
+          <a:noFill/>
+          <a:ln w="9525">
+            <a:noFill/>
+            <a:miter lim="800000"/>
+            <a:headEnd/>
+            <a:tailEnd/>
+          </a:ln>
+          <a:effectLst/>
+        </p:spPr>
+      </p:pic>
+      <p:sp>
+        <p:nvSpPr>
+          <p:cNvPr id="6" name="Rectangle 5"/>
+          <p:cNvSpPr/>
+          <p:nvPr/>
+        </p:nvSpPr>
+        <p:spPr>
+          <a:xfrm>
+            <a:off x="5929322" y="1785926"/>
+            <a:ext cx="428628" cy="428628"/>
+          </a:xfrm>
+          <a:prstGeom prst="rect">
+            <a:avLst/>
+          </a:prstGeom>
+          <a:noFill/>
+          <a:ln>
+            <a:solidFill>
+              <a:srgbClr val="FF0000"/>
+            </a:solidFill>
+          </a:ln>
+        </p:spPr>
+        <p:style>
+          <a:lnRef idx="2">
+            <a:schemeClr val="accent1">
+              <a:shade val="50000"/>
+            </a:schemeClr>
+          </a:lnRef>
+          <a:fillRef idx="1">
+            <a:schemeClr val="accent1"/>
+          </a:fillRef>
+          <a:effectRef idx="0">
+            <a:schemeClr val="accent1"/>
+          </a:effectRef>
+          <a:fontRef idx="minor">
+            <a:schemeClr val="lt1"/>
+          </a:fontRef>
+        </p:style>
+        <p:txBody>
+          <a:bodyPr rtlCol="0" anchor="ctr"/>
+          <a:lstStyle/>
+          <a:p>
+            <a:pPr algn="ctr"/>
+            <a:endParaRPr lang="fr-FR"/>
+          </a:p>
+        </p:txBody>
+      </p:sp>
+      <p:pic>
+        <p:nvPicPr>
+          <p:cNvPr id="1027" name="Picture 3"/>
+          <p:cNvPicPr>
+            <a:picLocks noChangeAspect="1" noChangeArrowheads="1"/>
+          </p:cNvPicPr>
+          <p:nvPr/>
+        </p:nvPicPr>
+        <p:blipFill>
+          <a:blip r:embed="rId3"/>
+          <a:srcRect r="62103" b="36619"/>
+          <a:stretch>
+            <a:fillRect/>
+          </a:stretch>
+        </p:blipFill>
+        <p:spPr bwMode="auto">
+          <a:xfrm>
+            <a:off x="285720" y="3143247"/>
+            <a:ext cx="2714644" cy="3490257"/>
+          </a:xfrm>
+          <a:prstGeom prst="rect">
+            <a:avLst/>
+          </a:prstGeom>
+          <a:noFill/>
+          <a:ln w="9525">
+            <a:noFill/>
+            <a:miter lim="800000"/>
+            <a:headEnd/>
+            <a:tailEnd/>
+          </a:ln>
+          <a:effectLst/>
+        </p:spPr>
+      </p:pic>
+      <p:sp>
+        <p:nvSpPr>
+          <p:cNvPr id="8" name="Rectangle 7"/>
+          <p:cNvSpPr/>
+          <p:nvPr/>
+        </p:nvSpPr>
+        <p:spPr>
+          <a:xfrm>
+            <a:off x="285720" y="6072206"/>
+            <a:ext cx="1071570" cy="500066"/>
+          </a:xfrm>
+          <a:prstGeom prst="rect">
+            <a:avLst/>
+          </a:prstGeom>
+          <a:noFill/>
+          <a:ln>
+            <a:solidFill>
+              <a:srgbClr val="FF0000"/>
+            </a:solidFill>
+          </a:ln>
+        </p:spPr>
+        <p:style>
+          <a:lnRef idx="2">
+            <a:schemeClr val="accent1">
+              <a:shade val="50000"/>
+            </a:schemeClr>
+          </a:lnRef>
+          <a:fillRef idx="1">
+            <a:schemeClr val="accent1"/>
+          </a:fillRef>
+          <a:effectRef idx="0">
+            <a:schemeClr val="accent1"/>
+          </a:effectRef>
+          <a:fontRef idx="minor">
+            <a:schemeClr val="lt1"/>
+          </a:fontRef>
+        </p:style>
+        <p:txBody>
+          <a:bodyPr rtlCol="0" anchor="ctr"/>
+          <a:lstStyle/>
+          <a:p>
+            <a:pPr algn="ctr"/>
+            <a:endParaRPr lang="fr-FR"/>
+          </a:p>
+        </p:txBody>
+      </p:sp>
+      <p:cxnSp>
+        <p:nvCxnSpPr>
+          <p:cNvPr id="10" name="Connecteur droit avec flèche 9"/>
+          <p:cNvCxnSpPr/>
+          <p:nvPr/>
+        </p:nvCxnSpPr>
+        <p:spPr>
+          <a:xfrm flipV="1">
+            <a:off x="1428728" y="5000636"/>
+            <a:ext cx="1857388" cy="1357322"/>
+          </a:xfrm>
+          <a:prstGeom prst="straightConnector1">
+            <a:avLst/>
+          </a:prstGeom>
+          <a:ln w="28575">
+            <a:solidFill>
+              <a:srgbClr val="FF0000"/>
+            </a:solidFill>
+            <a:tailEnd type="stealth" w="med" len="lg"/>
+          </a:ln>
+        </p:spPr>
+        <p:style>
+          <a:lnRef idx="1">
+            <a:schemeClr val="accent1"/>
+          </a:lnRef>
+          <a:fillRef idx="0">
+            <a:schemeClr val="accent1"/>
+          </a:fillRef>
+          <a:effectRef idx="0">
+            <a:schemeClr val="accent1"/>
+          </a:effectRef>
+          <a:fontRef idx="minor">
+            <a:schemeClr val="tx1"/>
+          </a:fontRef>
+        </p:style>
+      </p:cxnSp>
+      <p:pic>
+        <p:nvPicPr>
+          <p:cNvPr id="1030" name="Picture 6"/>
+          <p:cNvPicPr>
+            <a:picLocks noChangeAspect="1" noChangeArrowheads="1"/>
+          </p:cNvPicPr>
+          <p:nvPr/>
+        </p:nvPicPr>
+        <p:blipFill>
+          <a:blip r:embed="rId4"/>
+          <a:srcRect l="40599" t="74010"/>
+          <a:stretch>
+            <a:fillRect/>
+          </a:stretch>
+        </p:blipFill>
+        <p:spPr bwMode="auto">
+          <a:xfrm>
+            <a:off x="3357554" y="4786322"/>
+            <a:ext cx="2194949" cy="602075"/>
+          </a:xfrm>
+          <a:prstGeom prst="rect">
+            <a:avLst/>
+          </a:prstGeom>
+          <a:noFill/>
+          <a:ln w="9525">
+            <a:noFill/>
+            <a:miter lim="800000"/>
+            <a:headEnd/>
+            <a:tailEnd/>
+          </a:ln>
+          <a:effectLst/>
+        </p:spPr>
+      </p:pic>
+      <p:sp>
+        <p:nvSpPr>
+          <p:cNvPr id="14" name="Rectangle 13"/>
+          <p:cNvSpPr/>
+          <p:nvPr/>
+        </p:nvSpPr>
+        <p:spPr>
+          <a:xfrm>
+            <a:off x="4643438" y="5000636"/>
+            <a:ext cx="928694" cy="428628"/>
+          </a:xfrm>
+          <a:prstGeom prst="rect">
+            <a:avLst/>
+          </a:prstGeom>
+          <a:noFill/>
+          <a:ln>
+            <a:solidFill>
+              <a:srgbClr val="FF0000"/>
+            </a:solidFill>
+          </a:ln>
+        </p:spPr>
+        <p:style>
+          <a:lnRef idx="2">
+            <a:schemeClr val="accent1">
+              <a:shade val="50000"/>
+            </a:schemeClr>
+          </a:lnRef>
+          <a:fillRef idx="1">
+            <a:schemeClr val="accent1"/>
+          </a:fillRef>
+          <a:effectRef idx="0">
+            <a:schemeClr val="accent1"/>
+          </a:effectRef>
+          <a:fontRef idx="minor">
+            <a:schemeClr val="lt1"/>
+          </a:fontRef>
+        </p:style>
+        <p:txBody>
+          <a:bodyPr rtlCol="0" anchor="ctr"/>
+          <a:lstStyle/>
+          <a:p>
+            <a:pPr algn="ctr"/>
+            <a:endParaRPr lang="fr-FR"/>
+          </a:p>
+        </p:txBody>
+      </p:sp>
+      <p:sp>
+        <p:nvSpPr>
+          <p:cNvPr id="15" name="ZoneTexte 14"/>
+          <p:cNvSpPr txBox="1"/>
+          <p:nvPr/>
+        </p:nvSpPr>
+        <p:spPr>
+          <a:xfrm>
+            <a:off x="5786446" y="4714884"/>
+            <a:ext cx="2643206" cy="646331"/>
+          </a:xfrm>
+          <a:prstGeom prst="rect">
+            <a:avLst/>
+          </a:prstGeom>
+          <a:noFill/>
+        </p:spPr>
+        <p:txBody>
+          <a:bodyPr wrap="square" rtlCol="0">
+            <a:spAutoFit/>
+          </a:bodyPr>
+          <a:lstStyle/>
+          <a:p>
+            <a:r>
+              <a:rPr lang="fr-FR" dirty="0" smtClean="0">
+                <a:latin typeface="Calibri" pitchFamily="34" charset="0"/>
+              </a:rPr>
+              <a:t>Sélectionner </a:t>
+            </a:r>
+            <a:endParaRPr lang="fr-FR" dirty="0" smtClean="0">
+              <a:latin typeface="Calibri" pitchFamily="34" charset="0"/>
+            </a:endParaRPr>
+          </a:p>
+          <a:p>
+            <a:r>
+              <a:rPr lang="fr-FR" dirty="0" smtClean="0">
+                <a:latin typeface="Calibri" pitchFamily="34" charset="0"/>
+              </a:rPr>
+              <a:t>Ensemble </a:t>
+            </a:r>
+            <a:r>
+              <a:rPr lang="fr-FR" dirty="0" err="1" smtClean="0">
+                <a:latin typeface="Calibri" pitchFamily="34" charset="0"/>
+              </a:rPr>
+              <a:t>fixe.SLDASM</a:t>
+            </a:r>
+            <a:endParaRPr lang="fr-FR" dirty="0">
+              <a:latin typeface="Calibri" pitchFamily="34" charset="0"/>
+            </a:endParaRPr>
           </a:p>
         </p:txBody>
       </p:sp>
@@ -6322,29 +6896,77 @@
         </p:nvSpPr>
         <p:spPr/>
         <p:txBody>
+          <a:bodyPr>
+            <a:normAutofit fontScale="90000"/>
+          </a:bodyPr>
+          <a:lstStyle/>
+          <a:p>
+            <a:r>
+              <a:rPr lang="fr-FR" dirty="0" smtClean="0"/>
+              <a:t>Assemblage de la pompe</a:t>
+            </a:r>
+            <a:br>
+              <a:rPr lang="fr-FR" dirty="0" smtClean="0"/>
+            </a:br>
+            <a:r>
+              <a:rPr lang="fr-FR" dirty="0" smtClean="0"/>
+              <a:t>Débuter</a:t>
+            </a:r>
+            <a:endParaRPr lang="fr-FR" dirty="0"/>
+          </a:p>
+        </p:txBody>
+      </p:sp>
+      <p:sp>
+        <p:nvSpPr>
+          <p:cNvPr id="3" name="Espace réservé du contenu 2"/>
+          <p:cNvSpPr>
+            <a:spLocks noGrp="1"/>
+          </p:cNvSpPr>
+          <p:nvPr>
+            <p:ph sz="quarter" idx="1"/>
+          </p:nvPr>
+        </p:nvSpPr>
+        <p:spPr/>
+        <p:txBody>
           <a:bodyPr/>
           <a:lstStyle/>
           <a:p>
-            <a:endParaRPr lang="fr-FR"/>
-          </a:p>
-        </p:txBody>
-      </p:sp>
-      <p:sp>
-        <p:nvSpPr>
-          <p:cNvPr id="3" name="Espace réservé du contenu 2"/>
-          <p:cNvSpPr>
-            <a:spLocks noGrp="1"/>
-          </p:cNvSpPr>
-          <p:nvPr>
-            <p:ph sz="quarter" idx="1"/>
-          </p:nvPr>
-        </p:nvSpPr>
-        <p:spPr/>
-        <p:txBody>
-          <a:bodyPr/>
-          <a:lstStyle/>
-          <a:p>
-            <a:endParaRPr lang="fr-FR"/>
+            <a:r>
+              <a:rPr lang="fr-FR" dirty="0" smtClean="0"/>
+              <a:t>Importer successivement :</a:t>
+            </a:r>
+          </a:p>
+          <a:p>
+            <a:pPr lvl="1"/>
+            <a:r>
+              <a:rPr lang="fr-FR" sz="2400" dirty="0" smtClean="0"/>
+              <a:t>Barillet+</a:t>
+            </a:r>
+            <a:r>
+              <a:rPr lang="fr-FR" sz="2400" dirty="0" err="1" smtClean="0"/>
+              <a:t>Entraineur.SLDASM</a:t>
+            </a:r>
+            <a:endParaRPr lang="fr-FR" sz="2400" dirty="0" smtClean="0"/>
+          </a:p>
+          <a:p>
+            <a:pPr lvl="1"/>
+            <a:r>
+              <a:rPr lang="fr-FR" sz="2400" dirty="0" err="1" smtClean="0"/>
+              <a:t>Piston.SLDPRT</a:t>
+            </a:r>
+            <a:endParaRPr lang="fr-FR" sz="2400" dirty="0" smtClean="0"/>
+          </a:p>
+          <a:p>
+            <a:pPr lvl="1"/>
+            <a:endParaRPr lang="fr-FR" sz="2400" dirty="0" smtClean="0"/>
+          </a:p>
+          <a:p>
+            <a:pPr lvl="1"/>
+            <a:endParaRPr lang="fr-FR" dirty="0" smtClean="0"/>
+          </a:p>
+          <a:p>
+            <a:pPr lvl="1"/>
+            <a:endParaRPr lang="fr-FR" dirty="0"/>
           </a:p>
         </p:txBody>
       </p:sp>
@@ -6367,6 +6989,454 @@
               <a:rPr lang="fr-BE" smtClean="0"/>
               <a:pPr/>
               <a:t>6</a:t>
+            </a:fld>
+            <a:endParaRPr lang="fr-BE"/>
+          </a:p>
+        </p:txBody>
+      </p:sp>
+      <p:pic>
+        <p:nvPicPr>
+          <p:cNvPr id="3074" name="Picture 2"/>
+          <p:cNvPicPr>
+            <a:picLocks noChangeAspect="1" noChangeArrowheads="1"/>
+          </p:cNvPicPr>
+          <p:nvPr/>
+        </p:nvPicPr>
+        <p:blipFill>
+          <a:blip r:embed="rId2"/>
+          <a:srcRect/>
+          <a:stretch>
+            <a:fillRect/>
+          </a:stretch>
+        </p:blipFill>
+        <p:spPr bwMode="auto">
+          <a:xfrm>
+            <a:off x="2357422" y="3000371"/>
+            <a:ext cx="3714776" cy="2636293"/>
+          </a:xfrm>
+          <a:prstGeom prst="rect">
+            <a:avLst/>
+          </a:prstGeom>
+          <a:noFill/>
+          <a:ln w="9525">
+            <a:noFill/>
+            <a:miter lim="800000"/>
+            <a:headEnd/>
+            <a:tailEnd/>
+          </a:ln>
+          <a:effectLst/>
+        </p:spPr>
+      </p:pic>
+    </p:spTree>
+  </p:cSld>
+  <p:clrMapOvr>
+    <a:masterClrMapping/>
+  </p:clrMapOvr>
+</p:sld>
+</file>
+
+<file path=ppt/slides/slide7.xml><?xml version="1.0" encoding="utf-8"?>
+<p:sld xmlns:a="http://schemas.openxmlformats.org/drawingml/2006/main" xmlns:r="http://schemas.openxmlformats.org/officeDocument/2006/relationships" xmlns:p="http://schemas.openxmlformats.org/presentationml/2006/main">
+  <p:cSld>
+    <p:spTree>
+      <p:nvGrpSpPr>
+        <p:cNvPr id="1" name=""/>
+        <p:cNvGrpSpPr/>
+        <p:nvPr/>
+      </p:nvGrpSpPr>
+      <p:grpSpPr>
+        <a:xfrm>
+          <a:off x="0" y="0"/>
+          <a:ext cx="0" cy="0"/>
+          <a:chOff x="0" y="0"/>
+          <a:chExt cx="0" cy="0"/>
+        </a:xfrm>
+      </p:grpSpPr>
+      <p:sp>
+        <p:nvSpPr>
+          <p:cNvPr id="2" name="Titre 1"/>
+          <p:cNvSpPr>
+            <a:spLocks noGrp="1"/>
+          </p:cNvSpPr>
+          <p:nvPr>
+            <p:ph type="title"/>
+          </p:nvPr>
+        </p:nvSpPr>
+        <p:spPr/>
+        <p:txBody>
+          <a:bodyPr>
+            <a:normAutofit fontScale="90000"/>
+          </a:bodyPr>
+          <a:lstStyle/>
+          <a:p>
+            <a:r>
+              <a:rPr lang="fr-FR" dirty="0" smtClean="0"/>
+              <a:t>Assemblage de la pompe</a:t>
+            </a:r>
+            <a:br>
+              <a:rPr lang="fr-FR" dirty="0" smtClean="0"/>
+            </a:br>
+            <a:r>
+              <a:rPr lang="fr-FR" dirty="0" smtClean="0"/>
+              <a:t>Ajouter les contraintes</a:t>
+            </a:r>
+            <a:endParaRPr lang="fr-FR" dirty="0"/>
+          </a:p>
+        </p:txBody>
+      </p:sp>
+      <p:sp>
+        <p:nvSpPr>
+          <p:cNvPr id="3" name="Espace réservé du contenu 2"/>
+          <p:cNvSpPr>
+            <a:spLocks noGrp="1"/>
+          </p:cNvSpPr>
+          <p:nvPr>
+            <p:ph sz="quarter" idx="1"/>
+          </p:nvPr>
+        </p:nvSpPr>
+        <p:spPr/>
+        <p:txBody>
+          <a:bodyPr>
+            <a:normAutofit/>
+          </a:bodyPr>
+          <a:lstStyle/>
+          <a:p>
+            <a:r>
+              <a:rPr lang="fr-FR" sz="1800" dirty="0" smtClean="0"/>
+              <a:t>Le but est d’ajouter des contraintes pour mettre en position les pièces les unes par rapport aux autres</a:t>
+            </a:r>
+            <a:endParaRPr lang="fr-FR" sz="1800" dirty="0" smtClean="0"/>
+          </a:p>
+          <a:p>
+            <a:r>
+              <a:rPr lang="fr-FR" sz="1800" dirty="0" smtClean="0"/>
+              <a:t>Le seul mouvement possible entre le barillet et le bâti est une rotation. Ce type de liaison est appelé une liaison </a:t>
+            </a:r>
+            <a:r>
+              <a:rPr lang="fr-FR" sz="1800" b="1" dirty="0" smtClean="0"/>
+              <a:t>pivot</a:t>
+            </a:r>
+            <a:r>
+              <a:rPr lang="fr-FR" sz="1800" dirty="0" smtClean="0"/>
+              <a:t>. </a:t>
+            </a:r>
+            <a:r>
+              <a:rPr lang="fr-FR" sz="1800" dirty="0" smtClean="0"/>
+              <a:t>Géométriquement, il va donc falloir  assurer : </a:t>
+            </a:r>
+          </a:p>
+          <a:p>
+            <a:r>
+              <a:rPr lang="fr-FR" sz="1800" dirty="0" smtClean="0"/>
+              <a:t>une </a:t>
+            </a:r>
+            <a:r>
+              <a:rPr lang="fr-FR" sz="1800" dirty="0" err="1" smtClean="0"/>
+              <a:t>coaxialité</a:t>
+            </a:r>
+            <a:r>
+              <a:rPr lang="fr-FR" sz="1800" dirty="0" smtClean="0"/>
+              <a:t> entre l’axe du bâti et l’axe du barillet;</a:t>
+            </a:r>
+          </a:p>
+          <a:p>
+            <a:r>
+              <a:rPr lang="fr-FR" sz="1800" dirty="0" smtClean="0"/>
+              <a:t>Un contact entre une partie plane du barillet et une parie plane du roulement</a:t>
+            </a:r>
+          </a:p>
+          <a:p>
+            <a:endParaRPr lang="fr-FR" sz="1800" dirty="0"/>
+          </a:p>
+        </p:txBody>
+      </p:sp>
+      <p:sp>
+        <p:nvSpPr>
+          <p:cNvPr id="4" name="Espace réservé du numéro de diapositive 3"/>
+          <p:cNvSpPr>
+            <a:spLocks noGrp="1"/>
+          </p:cNvSpPr>
+          <p:nvPr>
+            <p:ph type="sldNum" sz="quarter" idx="15"/>
+          </p:nvPr>
+        </p:nvSpPr>
+        <p:spPr/>
+        <p:txBody>
+          <a:bodyPr/>
+          <a:lstStyle/>
+          <a:p>
+            <a:fld id="{CF4668DC-857F-487D-BFFA-8C0CA5037977}" type="slidenum">
+              <a:rPr lang="fr-BE" smtClean="0"/>
+              <a:pPr/>
+              <a:t>7</a:t>
+            </a:fld>
+            <a:endParaRPr lang="fr-BE"/>
+          </a:p>
+        </p:txBody>
+      </p:sp>
+      <p:pic>
+        <p:nvPicPr>
+          <p:cNvPr id="4099" name="Picture 3"/>
+          <p:cNvPicPr>
+            <a:picLocks noChangeAspect="1" noChangeArrowheads="1"/>
+          </p:cNvPicPr>
+          <p:nvPr/>
+        </p:nvPicPr>
+        <p:blipFill>
+          <a:blip r:embed="rId2"/>
+          <a:srcRect/>
+          <a:stretch>
+            <a:fillRect/>
+          </a:stretch>
+        </p:blipFill>
+        <p:spPr bwMode="auto">
+          <a:xfrm>
+            <a:off x="2214546" y="3571876"/>
+            <a:ext cx="3188404" cy="3071810"/>
+          </a:xfrm>
+          <a:prstGeom prst="rect">
+            <a:avLst/>
+          </a:prstGeom>
+          <a:noFill/>
+          <a:ln w="9525">
+            <a:noFill/>
+            <a:miter lim="800000"/>
+            <a:headEnd/>
+            <a:tailEnd/>
+          </a:ln>
+          <a:effectLst/>
+        </p:spPr>
+      </p:pic>
+      <p:cxnSp>
+        <p:nvCxnSpPr>
+          <p:cNvPr id="9" name="Connecteur droit avec flèche 8"/>
+          <p:cNvCxnSpPr/>
+          <p:nvPr/>
+        </p:nvCxnSpPr>
+        <p:spPr>
+          <a:xfrm rot="16200000" flipV="1">
+            <a:off x="3036083" y="4607727"/>
+            <a:ext cx="1357322" cy="571504"/>
+          </a:xfrm>
+          <a:prstGeom prst="straightConnector1">
+            <a:avLst/>
+          </a:prstGeom>
+          <a:ln w="28575">
+            <a:solidFill>
+              <a:srgbClr val="FF0000"/>
+            </a:solidFill>
+            <a:headEnd type="stealth" w="med" len="lg"/>
+            <a:tailEnd type="stealth" w="med" len="lg"/>
+          </a:ln>
+        </p:spPr>
+        <p:style>
+          <a:lnRef idx="1">
+            <a:schemeClr val="accent1"/>
+          </a:lnRef>
+          <a:fillRef idx="0">
+            <a:schemeClr val="accent1"/>
+          </a:fillRef>
+          <a:effectRef idx="0">
+            <a:schemeClr val="accent1"/>
+          </a:effectRef>
+          <a:fontRef idx="minor">
+            <a:schemeClr val="tx1"/>
+          </a:fontRef>
+        </p:style>
+      </p:cxnSp>
+      <p:cxnSp>
+        <p:nvCxnSpPr>
+          <p:cNvPr id="12" name="Connecteur droit avec flèche 11"/>
+          <p:cNvCxnSpPr/>
+          <p:nvPr/>
+        </p:nvCxnSpPr>
+        <p:spPr>
+          <a:xfrm rot="16200000" flipV="1">
+            <a:off x="3357554" y="4500570"/>
+            <a:ext cx="1428760" cy="571504"/>
+          </a:xfrm>
+          <a:prstGeom prst="straightConnector1">
+            <a:avLst/>
+          </a:prstGeom>
+          <a:ln w="28575">
+            <a:solidFill>
+              <a:srgbClr val="FF0000"/>
+            </a:solidFill>
+            <a:headEnd type="stealth" w="med" len="lg"/>
+            <a:tailEnd type="stealth" w="med" len="lg"/>
+          </a:ln>
+        </p:spPr>
+        <p:style>
+          <a:lnRef idx="1">
+            <a:schemeClr val="accent1"/>
+          </a:lnRef>
+          <a:fillRef idx="0">
+            <a:schemeClr val="accent1"/>
+          </a:fillRef>
+          <a:effectRef idx="0">
+            <a:schemeClr val="accent1"/>
+          </a:effectRef>
+          <a:fontRef idx="minor">
+            <a:schemeClr val="tx1"/>
+          </a:fontRef>
+        </p:style>
+      </p:cxnSp>
+      <p:sp>
+        <p:nvSpPr>
+          <p:cNvPr id="14" name="ZoneTexte 13"/>
+          <p:cNvSpPr txBox="1"/>
+          <p:nvPr/>
+        </p:nvSpPr>
+        <p:spPr>
+          <a:xfrm>
+            <a:off x="1214414" y="4286256"/>
+            <a:ext cx="3000396" cy="369332"/>
+          </a:xfrm>
+          <a:prstGeom prst="rect">
+            <a:avLst/>
+          </a:prstGeom>
+          <a:noFill/>
+        </p:spPr>
+        <p:txBody>
+          <a:bodyPr wrap="square" rtlCol="0">
+            <a:spAutoFit/>
+          </a:bodyPr>
+          <a:lstStyle/>
+          <a:p>
+            <a:r>
+              <a:rPr lang="fr-FR" dirty="0" err="1" smtClean="0">
+                <a:latin typeface="Calibri" pitchFamily="34" charset="0"/>
+              </a:rPr>
+              <a:t>Coaxialité</a:t>
+            </a:r>
+            <a:r>
+              <a:rPr lang="fr-FR" dirty="0" smtClean="0">
+                <a:latin typeface="Calibri" pitchFamily="34" charset="0"/>
+              </a:rPr>
+              <a:t> des cylindres</a:t>
+            </a:r>
+            <a:endParaRPr lang="fr-FR" dirty="0">
+              <a:latin typeface="Calibri" pitchFamily="34" charset="0"/>
+            </a:endParaRPr>
+          </a:p>
+        </p:txBody>
+      </p:sp>
+      <p:sp>
+        <p:nvSpPr>
+          <p:cNvPr id="15" name="ZoneTexte 14"/>
+          <p:cNvSpPr txBox="1"/>
+          <p:nvPr/>
+        </p:nvSpPr>
+        <p:spPr>
+          <a:xfrm>
+            <a:off x="4071934" y="4214818"/>
+            <a:ext cx="2643206" cy="369332"/>
+          </a:xfrm>
+          <a:prstGeom prst="rect">
+            <a:avLst/>
+          </a:prstGeom>
+          <a:noFill/>
+        </p:spPr>
+        <p:txBody>
+          <a:bodyPr wrap="square" rtlCol="0">
+            <a:spAutoFit/>
+          </a:bodyPr>
+          <a:lstStyle/>
+          <a:p>
+            <a:r>
+              <a:rPr lang="fr-FR" dirty="0" smtClean="0">
+                <a:latin typeface="Calibri" pitchFamily="34" charset="0"/>
+              </a:rPr>
+              <a:t>Contact plan – plan </a:t>
+            </a:r>
+            <a:endParaRPr lang="fr-FR" dirty="0">
+              <a:latin typeface="Calibri" pitchFamily="34" charset="0"/>
+            </a:endParaRPr>
+          </a:p>
+        </p:txBody>
+      </p:sp>
+    </p:spTree>
+  </p:cSld>
+  <p:clrMapOvr>
+    <a:masterClrMapping/>
+  </p:clrMapOvr>
+</p:sld>
+</file>
+
+<file path=ppt/slides/slide8.xml><?xml version="1.0" encoding="utf-8"?>
+<p:sld xmlns:a="http://schemas.openxmlformats.org/drawingml/2006/main" xmlns:r="http://schemas.openxmlformats.org/officeDocument/2006/relationships" xmlns:p="http://schemas.openxmlformats.org/presentationml/2006/main">
+  <p:cSld>
+    <p:spTree>
+      <p:nvGrpSpPr>
+        <p:cNvPr id="1" name=""/>
+        <p:cNvGrpSpPr/>
+        <p:nvPr/>
+      </p:nvGrpSpPr>
+      <p:grpSpPr>
+        <a:xfrm>
+          <a:off x="0" y="0"/>
+          <a:ext cx="0" cy="0"/>
+          <a:chOff x="0" y="0"/>
+          <a:chExt cx="0" cy="0"/>
+        </a:xfrm>
+      </p:grpSpPr>
+      <p:sp>
+        <p:nvSpPr>
+          <p:cNvPr id="2" name="Titre 1"/>
+          <p:cNvSpPr>
+            <a:spLocks noGrp="1"/>
+          </p:cNvSpPr>
+          <p:nvPr>
+            <p:ph type="title"/>
+          </p:nvPr>
+        </p:nvSpPr>
+        <p:spPr/>
+        <p:txBody>
+          <a:bodyPr/>
+          <a:lstStyle/>
+          <a:p>
+            <a:endParaRPr lang="fr-FR"/>
+          </a:p>
+        </p:txBody>
+      </p:sp>
+      <p:sp>
+        <p:nvSpPr>
+          <p:cNvPr id="3" name="Espace réservé du contenu 2"/>
+          <p:cNvSpPr>
+            <a:spLocks noGrp="1"/>
+          </p:cNvSpPr>
+          <p:nvPr>
+            <p:ph sz="quarter" idx="1"/>
+          </p:nvPr>
+        </p:nvSpPr>
+        <p:spPr/>
+        <p:txBody>
+          <a:bodyPr/>
+          <a:lstStyle/>
+          <a:p>
+            <a:endParaRPr lang="fr-FR"/>
+          </a:p>
+        </p:txBody>
+      </p:sp>
+      <p:sp>
+        <p:nvSpPr>
+          <p:cNvPr id="4" name="Espace réservé du numéro de diapositive 3"/>
+          <p:cNvSpPr>
+            <a:spLocks noGrp="1"/>
+          </p:cNvSpPr>
+          <p:nvPr>
+            <p:ph type="sldNum" sz="quarter" idx="15"/>
+          </p:nvPr>
+        </p:nvSpPr>
+        <p:spPr/>
+        <p:txBody>
+          <a:bodyPr/>
+          <a:lstStyle/>
+          <a:p>
+            <a:fld id="{CF4668DC-857F-487D-BFFA-8C0CA5037977}" type="slidenum">
+              <a:rPr lang="fr-BE" smtClean="0"/>
+              <a:pPr/>
+              <a:t>8</a:t>
             </a:fld>
             <a:endParaRPr lang="fr-BE"/>
           </a:p>

--- a/TP_02_SW_Meca3D_Assemblage_Pompe/TP_02_SW_Assemblage_Pompe_PPT.pptx
+++ b/TP_02_SW_Meca3D_Assemblage_Pompe/TP_02_SW_Assemblage_Pompe_PPT.pptx
@@ -5,17 +5,39 @@
     <p:sldMasterId id="2147483672" r:id="rId1"/>
   </p:sldMasterIdLst>
   <p:notesMasterIdLst>
-    <p:notesMasterId r:id="rId10"/>
+    <p:notesMasterId r:id="rId32"/>
   </p:notesMasterIdLst>
   <p:sldIdLst>
     <p:sldId id="256" r:id="rId2"/>
     <p:sldId id="257" r:id="rId3"/>
     <p:sldId id="258" r:id="rId4"/>
-    <p:sldId id="259" r:id="rId5"/>
-    <p:sldId id="260" r:id="rId6"/>
-    <p:sldId id="261" r:id="rId7"/>
-    <p:sldId id="262" r:id="rId8"/>
-    <p:sldId id="263" r:id="rId9"/>
+    <p:sldId id="285" r:id="rId5"/>
+    <p:sldId id="268" r:id="rId6"/>
+    <p:sldId id="259" r:id="rId7"/>
+    <p:sldId id="260" r:id="rId8"/>
+    <p:sldId id="261" r:id="rId9"/>
+    <p:sldId id="262" r:id="rId10"/>
+    <p:sldId id="263" r:id="rId11"/>
+    <p:sldId id="264" r:id="rId12"/>
+    <p:sldId id="265" r:id="rId13"/>
+    <p:sldId id="266" r:id="rId14"/>
+    <p:sldId id="267" r:id="rId15"/>
+    <p:sldId id="269" r:id="rId16"/>
+    <p:sldId id="270" r:id="rId17"/>
+    <p:sldId id="271" r:id="rId18"/>
+    <p:sldId id="272" r:id="rId19"/>
+    <p:sldId id="273" r:id="rId20"/>
+    <p:sldId id="274" r:id="rId21"/>
+    <p:sldId id="275" r:id="rId22"/>
+    <p:sldId id="276" r:id="rId23"/>
+    <p:sldId id="277" r:id="rId24"/>
+    <p:sldId id="278" r:id="rId25"/>
+    <p:sldId id="279" r:id="rId26"/>
+    <p:sldId id="280" r:id="rId27"/>
+    <p:sldId id="281" r:id="rId28"/>
+    <p:sldId id="282" r:id="rId29"/>
+    <p:sldId id="283" r:id="rId30"/>
+    <p:sldId id="284" r:id="rId31"/>
   </p:sldIdLst>
   <p:sldSz cx="9144000" cy="6858000" type="screen4x3"/>
   <p:notesSz cx="6858000" cy="9144000"/>
@@ -200,7 +222,7 @@
             <a:fld id="{408F55C5-7F94-4427-AC6E-B68A66649CA8}" type="datetimeFigureOut">
               <a:rPr lang="fr-FR" smtClean="0"/>
               <a:pPr/>
-              <a:t>10/09/2014</a:t>
+              <a:t>11/09/2014</a:t>
             </a:fld>
             <a:endParaRPr lang="fr-FR"/>
           </a:p>
@@ -369,7 +391,7 @@
     </p:spTree>
     <p:extLst>
       <p:ext uri="{BB962C8B-B14F-4D97-AF65-F5344CB8AC3E}">
-        <p14:creationId xmlns="" xmlns:p14="http://schemas.microsoft.com/office/powerpoint/2010/main" val="930336394"/>
+        <p14:creationId xmlns:p14="http://schemas.microsoft.com/office/powerpoint/2010/main" xmlns="" val="930336394"/>
       </p:ext>
     </p:extLst>
   </p:cSld>
@@ -607,7 +629,7 @@
             <a:fld id="{157AD097-CF25-400F-9C67-922D507E39E3}" type="datetime1">
               <a:rPr lang="fr-FR" smtClean="0"/>
               <a:pPr/>
-              <a:t>10/09/2014</a:t>
+              <a:t>11/09/2014</a:t>
             </a:fld>
             <a:endParaRPr lang="fr-BE"/>
           </a:p>
@@ -1478,7 +1500,7 @@
             <a:fld id="{78229857-C006-49ED-82CD-E790681050DC}" type="datetime1">
               <a:rPr lang="fr-FR" smtClean="0"/>
               <a:pPr/>
-              <a:t>10/09/2014</a:t>
+              <a:t>11/09/2014</a:t>
             </a:fld>
             <a:endParaRPr lang="fr-BE"/>
           </a:p>
@@ -1655,7 +1677,7 @@
             <a:fld id="{F2970974-19F1-449C-919E-2C8366603CD1}" type="datetime1">
               <a:rPr lang="fr-FR" smtClean="0"/>
               <a:pPr/>
-              <a:t>10/09/2014</a:t>
+              <a:t>11/09/2014</a:t>
             </a:fld>
             <a:endParaRPr lang="fr-BE"/>
           </a:p>
@@ -1827,7 +1849,7 @@
             <a:fld id="{89865026-BDA5-4DC2-B00A-0513069CA084}" type="datetime1">
               <a:rPr lang="fr-FR" smtClean="0"/>
               <a:pPr/>
-              <a:t>10/09/2014</a:t>
+              <a:t>11/09/2014</a:t>
             </a:fld>
             <a:endParaRPr lang="fr-BE"/>
           </a:p>
@@ -2046,7 +2068,7 @@
             <a:fld id="{4C789780-CD60-413A-9061-7DBABD3D6AED}" type="datetime1">
               <a:rPr lang="fr-FR" smtClean="0"/>
               <a:pPr/>
-              <a:t>10/09/2014</a:t>
+              <a:t>11/09/2014</a:t>
             </a:fld>
             <a:endParaRPr lang="fr-BE"/>
           </a:p>
@@ -2862,7 +2884,7 @@
             <a:fld id="{04739DA2-C332-458D-AEE9-D9863488067A}" type="datetime1">
               <a:rPr lang="fr-FR" smtClean="0"/>
               <a:pPr/>
-              <a:t>10/09/2014</a:t>
+              <a:t>11/09/2014</a:t>
             </a:fld>
             <a:endParaRPr lang="fr-BE"/>
           </a:p>
@@ -3100,7 +3122,7 @@
             <a:fld id="{4C37F864-99D4-45B4-AADD-04DC06778D45}" type="datetime1">
               <a:rPr lang="fr-FR" smtClean="0"/>
               <a:pPr/>
-              <a:t>10/09/2014</a:t>
+              <a:t>11/09/2014</a:t>
             </a:fld>
             <a:endParaRPr lang="fr-BE"/>
           </a:p>
@@ -3425,7 +3447,7 @@
             <a:fld id="{BD4C6D35-5A34-4B39-A1A0-412224085525}" type="datetime1">
               <a:rPr lang="fr-FR" smtClean="0"/>
               <a:pPr/>
-              <a:t>10/09/2014</a:t>
+              <a:t>11/09/2014</a:t>
             </a:fld>
             <a:endParaRPr lang="fr-BE"/>
           </a:p>
@@ -3517,7 +3539,7 @@
             <a:fld id="{89ACD590-7819-428A-83D8-2A609DA0F2C8}" type="datetime1">
               <a:rPr lang="fr-FR" smtClean="0"/>
               <a:pPr/>
-              <a:t>10/09/2014</a:t>
+              <a:t>11/09/2014</a:t>
             </a:fld>
             <a:endParaRPr lang="fr-BE"/>
           </a:p>
@@ -4036,7 +4058,7 @@
             <a:fld id="{3F623AD0-8980-4C29-A58A-6AB0E36F0D8E}" type="datetime1">
               <a:rPr lang="fr-FR" smtClean="0"/>
               <a:pPr/>
-              <a:t>10/09/2014</a:t>
+              <a:t>11/09/2014</a:t>
             </a:fld>
             <a:endParaRPr lang="fr-BE"/>
           </a:p>
@@ -4549,7 +4571,7 @@
             <a:fld id="{2CA04EA8-727F-4941-9878-F8E38D4B16C7}" type="datetime1">
               <a:rPr lang="fr-FR" smtClean="0"/>
               <a:pPr/>
-              <a:t>10/09/2014</a:t>
+              <a:t>11/09/2014</a:t>
             </a:fld>
             <a:endParaRPr lang="fr-BE"/>
           </a:p>
@@ -4796,7 +4818,7 @@
             <a:fld id="{559945B3-C1AE-4CD9-90D7-C9EAD56DB5B5}" type="datetime1">
               <a:rPr lang="fr-FR" smtClean="0"/>
               <a:pPr/>
-              <a:t>10/09/2014</a:t>
+              <a:t>11/09/2014</a:t>
             </a:fld>
             <a:endParaRPr lang="fr-BE"/>
           </a:p>
@@ -5130,7 +5152,7 @@
           <a:blip r:embed="rId13" cstate="print">
             <a:extLst>
               <a:ext uri="{28A0092B-C50C-407E-A947-70E740481C1C}">
-                <a14:useLocalDpi xmlns="" xmlns:a14="http://schemas.microsoft.com/office/drawing/2010/main" val="0"/>
+                <a14:useLocalDpi xmlns:a14="http://schemas.microsoft.com/office/drawing/2010/main" xmlns="" val="0"/>
               </a:ext>
             </a:extLst>
           </a:blip>
@@ -5150,7 +5172,7 @@
           <a:noFill/>
           <a:extLst>
             <a:ext uri="{909E8E84-426E-40DD-AFC4-6F175D3DCCD1}">
-              <a14:hiddenFill xmlns="" xmlns:a14="http://schemas.microsoft.com/office/drawing/2010/main">
+              <a14:hiddenFill xmlns:a14="http://schemas.microsoft.com/office/drawing/2010/main" xmlns="">
                 <a:solidFill>
                   <a:srgbClr val="FFFFFF"/>
                 </a:solidFill>
@@ -5572,7 +5594,7 @@
           <a:blip r:embed="rId2" cstate="print">
             <a:extLst>
               <a:ext uri="{28A0092B-C50C-407E-A947-70E740481C1C}">
-                <a14:useLocalDpi xmlns="" xmlns:a14="http://schemas.microsoft.com/office/drawing/2010/main" val="0"/>
+                <a14:useLocalDpi xmlns:a14="http://schemas.microsoft.com/office/drawing/2010/main" xmlns="" val="0"/>
               </a:ext>
             </a:extLst>
           </a:blip>
@@ -5592,7 +5614,7 @@
           <a:noFill/>
           <a:extLst>
             <a:ext uri="{909E8E84-426E-40DD-AFC4-6F175D3DCCD1}">
-              <a14:hiddenFill xmlns="" xmlns:a14="http://schemas.microsoft.com/office/drawing/2010/main">
+              <a14:hiddenFill xmlns:a14="http://schemas.microsoft.com/office/drawing/2010/main" xmlns="">
                 <a:solidFill>
                   <a:srgbClr val="FFFFFF"/>
                 </a:solidFill>
@@ -5613,7 +5635,7 @@
           <a:blip r:embed="rId3">
             <a:extLst>
               <a:ext uri="{28A0092B-C50C-407E-A947-70E740481C1C}">
-                <a14:useLocalDpi xmlns="" xmlns:a14="http://schemas.microsoft.com/office/drawing/2010/main" val="0"/>
+                <a14:useLocalDpi xmlns:a14="http://schemas.microsoft.com/office/drawing/2010/main" xmlns="" val="0"/>
               </a:ext>
             </a:extLst>
           </a:blip>
@@ -5633,7 +5655,7 @@
           <a:noFill/>
           <a:extLst>
             <a:ext uri="{909E8E84-426E-40DD-AFC4-6F175D3DCCD1}">
-              <a14:hiddenFill xmlns="" xmlns:a14="http://schemas.microsoft.com/office/drawing/2010/main">
+              <a14:hiddenFill xmlns:a14="http://schemas.microsoft.com/office/drawing/2010/main" xmlns="">
                 <a:solidFill>
                   <a:srgbClr val="FFFFFF"/>
                 </a:solidFill>
@@ -5654,7 +5676,7 @@
           <a:blip r:embed="rId3">
             <a:extLst>
               <a:ext uri="{28A0092B-C50C-407E-A947-70E740481C1C}">
-                <a14:useLocalDpi xmlns="" xmlns:a14="http://schemas.microsoft.com/office/drawing/2010/main" val="0"/>
+                <a14:useLocalDpi xmlns:a14="http://schemas.microsoft.com/office/drawing/2010/main" xmlns="" val="0"/>
               </a:ext>
             </a:extLst>
           </a:blip>
@@ -5674,7 +5696,7 @@
           <a:noFill/>
           <a:extLst>
             <a:ext uri="{909E8E84-426E-40DD-AFC4-6F175D3DCCD1}">
-              <a14:hiddenFill xmlns="" xmlns:a14="http://schemas.microsoft.com/office/drawing/2010/main">
+              <a14:hiddenFill xmlns:a14="http://schemas.microsoft.com/office/drawing/2010/main" xmlns="">
                 <a:solidFill>
                   <a:srgbClr val="FFFFFF"/>
                 </a:solidFill>
@@ -5724,7 +5746,7 @@
           <a:blip r:embed="rId5" cstate="print">
             <a:extLst>
               <a:ext uri="{28A0092B-C50C-407E-A947-70E740481C1C}">
-                <a14:useLocalDpi xmlns:lc="http://schemas.openxmlformats.org/drawingml/2006/lockedCanvas" xmlns:pic="http://schemas.openxmlformats.org/drawingml/2006/picture" xmlns:a14="http://schemas.microsoft.com/office/drawing/2010/main" xmlns:wps="http://schemas.microsoft.com/office/word/2010/wordprocessingShape" xmlns:wne="http://schemas.microsoft.com/office/word/2006/wordml" xmlns:wpi="http://schemas.microsoft.com/office/word/2010/wordprocessingInk" xmlns:wpg="http://schemas.microsoft.com/office/word/2010/wordprocessingGroup" xmlns:w14="http://schemas.microsoft.com/office/word/2010/wordml" xmlns:w="http://schemas.openxmlformats.org/wordprocessingml/2006/main" xmlns:w10="urn:schemas-microsoft-com:office:word" xmlns:wp="http://schemas.openxmlformats.org/drawingml/2006/wordprocessingDrawing" xmlns:wp14="http://schemas.microsoft.com/office/word/2010/wordprocessingDrawing" xmlns:v="urn:schemas-microsoft-com:vml" xmlns:m="http://schemas.openxmlformats.org/officeDocument/2006/math" xmlns:o="urn:schemas-microsoft-com:office:office" xmlns:mc="http://schemas.openxmlformats.org/markup-compatibility/2006" xmlns:wpc="http://schemas.microsoft.com/office/word/2010/wordprocessingCanvas" xmlns="" val="0"/>
+                <a14:useLocalDpi xmlns="" xmlns:wpc="http://schemas.microsoft.com/office/word/2010/wordprocessingCanvas" xmlns:mc="http://schemas.openxmlformats.org/markup-compatibility/2006" xmlns:o="urn:schemas-microsoft-com:office:office" xmlns:m="http://schemas.openxmlformats.org/officeDocument/2006/math" xmlns:v="urn:schemas-microsoft-com:vml" xmlns:wp14="http://schemas.microsoft.com/office/word/2010/wordprocessingDrawing" xmlns:wp="http://schemas.openxmlformats.org/drawingml/2006/wordprocessingDrawing" xmlns:w10="urn:schemas-microsoft-com:office:word" xmlns:w="http://schemas.openxmlformats.org/wordprocessingml/2006/main" xmlns:w14="http://schemas.microsoft.com/office/word/2010/wordml" xmlns:wpg="http://schemas.microsoft.com/office/word/2010/wordprocessingGroup" xmlns:wpi="http://schemas.microsoft.com/office/word/2010/wordprocessingInk" xmlns:wne="http://schemas.microsoft.com/office/word/2006/wordml" xmlns:wps="http://schemas.microsoft.com/office/word/2010/wordprocessingShape" xmlns:a14="http://schemas.microsoft.com/office/drawing/2010/main" xmlns:pic="http://schemas.openxmlformats.org/drawingml/2006/picture" xmlns:lc="http://schemas.openxmlformats.org/drawingml/2006/lockedCanvas" val="0"/>
               </a:ext>
             </a:extLst>
           </a:blip>
@@ -5771,7 +5793,7 @@
     </p:spTree>
     <p:extLst>
       <p:ext uri="{BB962C8B-B14F-4D97-AF65-F5344CB8AC3E}">
-        <p14:creationId xmlns="" xmlns:p14="http://schemas.microsoft.com/office/powerpoint/2010/main" val="4076409569"/>
+        <p14:creationId xmlns:p14="http://schemas.microsoft.com/office/powerpoint/2010/main" xmlns="" val="4076409569"/>
       </p:ext>
     </p:extLst>
   </p:cSld>
@@ -5785,6 +5807,2725 @@
       </p:par>
     </p:tnLst>
   </p:timing>
+</p:sld>
+</file>
+
+<file path=ppt/slides/slide10.xml><?xml version="1.0" encoding="utf-8"?>
+<p:sld xmlns:a="http://schemas.openxmlformats.org/drawingml/2006/main" xmlns:r="http://schemas.openxmlformats.org/officeDocument/2006/relationships" xmlns:p="http://schemas.openxmlformats.org/presentationml/2006/main">
+  <p:cSld>
+    <p:spTree>
+      <p:nvGrpSpPr>
+        <p:cNvPr id="1" name=""/>
+        <p:cNvGrpSpPr/>
+        <p:nvPr/>
+      </p:nvGrpSpPr>
+      <p:grpSpPr>
+        <a:xfrm>
+          <a:off x="0" y="0"/>
+          <a:ext cx="0" cy="0"/>
+          <a:chOff x="0" y="0"/>
+          <a:chExt cx="0" cy="0"/>
+        </a:xfrm>
+      </p:grpSpPr>
+      <p:sp>
+        <p:nvSpPr>
+          <p:cNvPr id="2" name="Titre 1"/>
+          <p:cNvSpPr>
+            <a:spLocks noGrp="1"/>
+          </p:cNvSpPr>
+          <p:nvPr>
+            <p:ph type="title"/>
+          </p:nvPr>
+        </p:nvSpPr>
+        <p:spPr/>
+        <p:txBody>
+          <a:bodyPr>
+            <a:normAutofit fontScale="90000"/>
+          </a:bodyPr>
+          <a:lstStyle/>
+          <a:p>
+            <a:r>
+              <a:rPr lang="fr-FR" dirty="0" smtClean="0"/>
+              <a:t>Assemblage de la pompe</a:t>
+            </a:r>
+            <a:br>
+              <a:rPr lang="fr-FR" dirty="0" smtClean="0"/>
+            </a:br>
+            <a:r>
+              <a:rPr lang="fr-FR" dirty="0" smtClean="0"/>
+              <a:t>Ajouter les contraintes</a:t>
+            </a:r>
+            <a:endParaRPr lang="fr-FR" dirty="0"/>
+          </a:p>
+        </p:txBody>
+      </p:sp>
+      <p:sp>
+        <p:nvSpPr>
+          <p:cNvPr id="3" name="Espace réservé du contenu 2"/>
+          <p:cNvSpPr>
+            <a:spLocks noGrp="1"/>
+          </p:cNvSpPr>
+          <p:nvPr>
+            <p:ph sz="quarter" idx="1"/>
+          </p:nvPr>
+        </p:nvSpPr>
+        <p:spPr>
+          <a:xfrm>
+            <a:off x="457200" y="1196752"/>
+            <a:ext cx="6758006" cy="5232644"/>
+          </a:xfrm>
+        </p:spPr>
+        <p:txBody>
+          <a:bodyPr>
+            <a:normAutofit fontScale="92500" lnSpcReduction="20000"/>
+          </a:bodyPr>
+          <a:lstStyle/>
+          <a:p>
+            <a:r>
+              <a:rPr lang="fr-FR" dirty="0" smtClean="0"/>
+              <a:t>Sélectionner le bouton Contrainte</a:t>
+            </a:r>
+          </a:p>
+          <a:p>
+            <a:r>
+              <a:rPr lang="fr-FR" dirty="0" smtClean="0"/>
+              <a:t>Sélectionner les deux faces cylindriques à mettre en contact</a:t>
+            </a:r>
+          </a:p>
+          <a:p>
+            <a:endParaRPr lang="fr-FR" dirty="0" smtClean="0"/>
+          </a:p>
+          <a:p>
+            <a:endParaRPr lang="fr-FR" dirty="0" smtClean="0"/>
+          </a:p>
+          <a:p>
+            <a:endParaRPr lang="fr-FR" dirty="0" smtClean="0"/>
+          </a:p>
+          <a:p>
+            <a:endParaRPr lang="fr-FR" dirty="0" smtClean="0"/>
+          </a:p>
+          <a:p>
+            <a:endParaRPr lang="fr-FR" dirty="0" smtClean="0"/>
+          </a:p>
+          <a:p>
+            <a:endParaRPr lang="fr-FR" dirty="0" smtClean="0"/>
+          </a:p>
+          <a:p>
+            <a:endParaRPr lang="fr-FR" dirty="0" smtClean="0"/>
+          </a:p>
+          <a:p>
+            <a:r>
+              <a:rPr lang="fr-FR" dirty="0" smtClean="0"/>
+              <a:t>La partie du barillet ayant le diamètre le plus faible doit être vers la droite. </a:t>
+            </a:r>
+          </a:p>
+          <a:p>
+            <a:r>
+              <a:rPr lang="fr-FR" dirty="0" smtClean="0"/>
+              <a:t>Si ce n’est pas le cas, inverser les pièces à l’aide de l’icône ci contre.</a:t>
+            </a:r>
+          </a:p>
+          <a:p>
+            <a:r>
+              <a:rPr lang="fr-FR" dirty="0" smtClean="0"/>
+              <a:t>Valider la contrainte</a:t>
+            </a:r>
+            <a:endParaRPr lang="fr-FR" dirty="0"/>
+          </a:p>
+        </p:txBody>
+      </p:sp>
+      <p:sp>
+        <p:nvSpPr>
+          <p:cNvPr id="4" name="Espace réservé du numéro de diapositive 3"/>
+          <p:cNvSpPr>
+            <a:spLocks noGrp="1"/>
+          </p:cNvSpPr>
+          <p:nvPr>
+            <p:ph type="sldNum" sz="quarter" idx="15"/>
+          </p:nvPr>
+        </p:nvSpPr>
+        <p:spPr/>
+        <p:txBody>
+          <a:bodyPr/>
+          <a:lstStyle/>
+          <a:p>
+            <a:fld id="{CF4668DC-857F-487D-BFFA-8C0CA5037977}" type="slidenum">
+              <a:rPr lang="fr-BE" smtClean="0"/>
+              <a:pPr/>
+              <a:t>10</a:t>
+            </a:fld>
+            <a:endParaRPr lang="fr-BE"/>
+          </a:p>
+        </p:txBody>
+      </p:sp>
+      <p:pic>
+        <p:nvPicPr>
+          <p:cNvPr id="1026" name="Picture 2"/>
+          <p:cNvPicPr>
+            <a:picLocks noChangeAspect="1" noChangeArrowheads="1"/>
+          </p:cNvPicPr>
+          <p:nvPr/>
+        </p:nvPicPr>
+        <p:blipFill>
+          <a:blip r:embed="rId2"/>
+          <a:srcRect/>
+          <a:stretch>
+            <a:fillRect/>
+          </a:stretch>
+        </p:blipFill>
+        <p:spPr bwMode="auto">
+          <a:xfrm>
+            <a:off x="8001024" y="1142984"/>
+            <a:ext cx="600075" cy="695325"/>
+          </a:xfrm>
+          <a:prstGeom prst="rect">
+            <a:avLst/>
+          </a:prstGeom>
+          <a:noFill/>
+          <a:ln w="9525">
+            <a:noFill/>
+            <a:miter lim="800000"/>
+            <a:headEnd/>
+            <a:tailEnd/>
+          </a:ln>
+          <a:effectLst/>
+        </p:spPr>
+      </p:pic>
+      <p:grpSp>
+        <p:nvGrpSpPr>
+          <p:cNvPr id="21" name="Groupe 20"/>
+          <p:cNvGrpSpPr/>
+          <p:nvPr/>
+        </p:nvGrpSpPr>
+        <p:grpSpPr>
+          <a:xfrm>
+            <a:off x="1142976" y="2000240"/>
+            <a:ext cx="3286148" cy="2480112"/>
+            <a:chOff x="2214546" y="2214554"/>
+            <a:chExt cx="3714776" cy="2803605"/>
+          </a:xfrm>
+        </p:grpSpPr>
+        <p:pic>
+          <p:nvPicPr>
+            <p:cNvPr id="1029" name="Picture 5"/>
+            <p:cNvPicPr>
+              <a:picLocks noChangeAspect="1" noChangeArrowheads="1"/>
+            </p:cNvPicPr>
+            <p:nvPr/>
+          </p:nvPicPr>
+          <p:blipFill>
+            <a:blip r:embed="rId3"/>
+            <a:srcRect/>
+            <a:stretch>
+              <a:fillRect/>
+            </a:stretch>
+          </p:blipFill>
+          <p:spPr bwMode="auto">
+            <a:xfrm>
+              <a:off x="2214546" y="2214554"/>
+              <a:ext cx="3714776" cy="2803605"/>
+            </a:xfrm>
+            <a:prstGeom prst="rect">
+              <a:avLst/>
+            </a:prstGeom>
+            <a:noFill/>
+            <a:ln w="9525">
+              <a:noFill/>
+              <a:miter lim="800000"/>
+              <a:headEnd/>
+              <a:tailEnd/>
+            </a:ln>
+            <a:effectLst/>
+          </p:spPr>
+        </p:pic>
+        <p:cxnSp>
+          <p:nvCxnSpPr>
+            <p:cNvPr id="7" name="Connecteur droit avec flèche 6"/>
+            <p:cNvCxnSpPr/>
+            <p:nvPr/>
+          </p:nvCxnSpPr>
+          <p:spPr>
+            <a:xfrm>
+              <a:off x="3500430" y="2714620"/>
+              <a:ext cx="1357322" cy="1143008"/>
+            </a:xfrm>
+            <a:prstGeom prst="straightConnector1">
+              <a:avLst/>
+            </a:prstGeom>
+            <a:ln w="28575">
+              <a:solidFill>
+                <a:srgbClr val="FF0000"/>
+              </a:solidFill>
+              <a:headEnd type="stealth" w="med" len="lg"/>
+              <a:tailEnd type="stealth" w="med" len="lg"/>
+            </a:ln>
+          </p:spPr>
+          <p:style>
+            <a:lnRef idx="1">
+              <a:schemeClr val="accent1"/>
+            </a:lnRef>
+            <a:fillRef idx="0">
+              <a:schemeClr val="accent1"/>
+            </a:fillRef>
+            <a:effectRef idx="0">
+              <a:schemeClr val="accent1"/>
+            </a:effectRef>
+            <a:fontRef idx="minor">
+              <a:schemeClr val="tx1"/>
+            </a:fontRef>
+          </p:style>
+        </p:cxnSp>
+      </p:grpSp>
+      <p:pic>
+        <p:nvPicPr>
+          <p:cNvPr id="1030" name="Picture 6"/>
+          <p:cNvPicPr>
+            <a:picLocks noChangeAspect="1" noChangeArrowheads="1"/>
+          </p:cNvPicPr>
+          <p:nvPr/>
+        </p:nvPicPr>
+        <p:blipFill>
+          <a:blip r:embed="rId4"/>
+          <a:srcRect/>
+          <a:stretch>
+            <a:fillRect/>
+          </a:stretch>
+        </p:blipFill>
+        <p:spPr bwMode="auto">
+          <a:xfrm>
+            <a:off x="7391397" y="3286124"/>
+            <a:ext cx="1752603" cy="3038686"/>
+          </a:xfrm>
+          <a:prstGeom prst="rect">
+            <a:avLst/>
+          </a:prstGeom>
+          <a:noFill/>
+          <a:ln w="9525">
+            <a:noFill/>
+            <a:miter lim="800000"/>
+            <a:headEnd/>
+            <a:tailEnd/>
+          </a:ln>
+          <a:effectLst/>
+        </p:spPr>
+      </p:pic>
+      <p:sp>
+        <p:nvSpPr>
+          <p:cNvPr id="20" name="Rectangle 19"/>
+          <p:cNvSpPr/>
+          <p:nvPr/>
+        </p:nvSpPr>
+        <p:spPr>
+          <a:xfrm>
+            <a:off x="7605711" y="6072206"/>
+            <a:ext cx="500066" cy="285752"/>
+          </a:xfrm>
+          <a:prstGeom prst="rect">
+            <a:avLst/>
+          </a:prstGeom>
+          <a:noFill/>
+          <a:ln>
+            <a:solidFill>
+              <a:srgbClr val="FF0000"/>
+            </a:solidFill>
+          </a:ln>
+        </p:spPr>
+        <p:style>
+          <a:lnRef idx="2">
+            <a:schemeClr val="accent1">
+              <a:shade val="50000"/>
+            </a:schemeClr>
+          </a:lnRef>
+          <a:fillRef idx="1">
+            <a:schemeClr val="accent1"/>
+          </a:fillRef>
+          <a:effectRef idx="0">
+            <a:schemeClr val="accent1"/>
+          </a:effectRef>
+          <a:fontRef idx="minor">
+            <a:schemeClr val="lt1"/>
+          </a:fontRef>
+        </p:style>
+        <p:txBody>
+          <a:bodyPr rtlCol="0" anchor="ctr"/>
+          <a:lstStyle/>
+          <a:p>
+            <a:pPr algn="ctr"/>
+            <a:endParaRPr lang="fr-FR"/>
+          </a:p>
+        </p:txBody>
+      </p:sp>
+      <p:sp>
+        <p:nvSpPr>
+          <p:cNvPr id="22" name="Rectangle 21"/>
+          <p:cNvSpPr/>
+          <p:nvPr/>
+        </p:nvSpPr>
+        <p:spPr>
+          <a:xfrm>
+            <a:off x="7358082" y="3429000"/>
+            <a:ext cx="214314" cy="214314"/>
+          </a:xfrm>
+          <a:prstGeom prst="rect">
+            <a:avLst/>
+          </a:prstGeom>
+          <a:noFill/>
+          <a:ln>
+            <a:solidFill>
+              <a:srgbClr val="FF0000"/>
+            </a:solidFill>
+          </a:ln>
+        </p:spPr>
+        <p:style>
+          <a:lnRef idx="2">
+            <a:schemeClr val="accent1">
+              <a:shade val="50000"/>
+            </a:schemeClr>
+          </a:lnRef>
+          <a:fillRef idx="1">
+            <a:schemeClr val="accent1"/>
+          </a:fillRef>
+          <a:effectRef idx="0">
+            <a:schemeClr val="accent1"/>
+          </a:effectRef>
+          <a:fontRef idx="minor">
+            <a:schemeClr val="lt1"/>
+          </a:fontRef>
+        </p:style>
+        <p:txBody>
+          <a:bodyPr rtlCol="0" anchor="ctr"/>
+          <a:lstStyle/>
+          <a:p>
+            <a:pPr algn="ctr"/>
+            <a:endParaRPr lang="fr-FR"/>
+          </a:p>
+        </p:txBody>
+      </p:sp>
+    </p:spTree>
+  </p:cSld>
+  <p:clrMapOvr>
+    <a:masterClrMapping/>
+  </p:clrMapOvr>
+</p:sld>
+</file>
+
+<file path=ppt/slides/slide11.xml><?xml version="1.0" encoding="utf-8"?>
+<p:sld xmlns:a="http://schemas.openxmlformats.org/drawingml/2006/main" xmlns:r="http://schemas.openxmlformats.org/officeDocument/2006/relationships" xmlns:p="http://schemas.openxmlformats.org/presentationml/2006/main">
+  <p:cSld>
+    <p:spTree>
+      <p:nvGrpSpPr>
+        <p:cNvPr id="1" name=""/>
+        <p:cNvGrpSpPr/>
+        <p:nvPr/>
+      </p:nvGrpSpPr>
+      <p:grpSpPr>
+        <a:xfrm>
+          <a:off x="0" y="0"/>
+          <a:ext cx="0" cy="0"/>
+          <a:chOff x="0" y="0"/>
+          <a:chExt cx="0" cy="0"/>
+        </a:xfrm>
+      </p:grpSpPr>
+      <p:sp>
+        <p:nvSpPr>
+          <p:cNvPr id="2" name="Titre 1"/>
+          <p:cNvSpPr>
+            <a:spLocks noGrp="1"/>
+          </p:cNvSpPr>
+          <p:nvPr>
+            <p:ph type="title"/>
+          </p:nvPr>
+        </p:nvSpPr>
+        <p:spPr/>
+        <p:txBody>
+          <a:bodyPr>
+            <a:normAutofit fontScale="90000"/>
+          </a:bodyPr>
+          <a:lstStyle/>
+          <a:p>
+            <a:r>
+              <a:rPr lang="fr-FR" dirty="0" smtClean="0"/>
+              <a:t>Assemblage de la pompe</a:t>
+            </a:r>
+            <a:br>
+              <a:rPr lang="fr-FR" dirty="0" smtClean="0"/>
+            </a:br>
+            <a:r>
+              <a:rPr lang="fr-FR" dirty="0" smtClean="0"/>
+              <a:t>Ajouter les contraintes</a:t>
+            </a:r>
+            <a:endParaRPr lang="fr-FR" dirty="0"/>
+          </a:p>
+        </p:txBody>
+      </p:sp>
+      <p:sp>
+        <p:nvSpPr>
+          <p:cNvPr id="3" name="Espace réservé du contenu 2"/>
+          <p:cNvSpPr>
+            <a:spLocks noGrp="1"/>
+          </p:cNvSpPr>
+          <p:nvPr>
+            <p:ph sz="quarter" idx="1"/>
+          </p:nvPr>
+        </p:nvSpPr>
+        <p:spPr/>
+        <p:txBody>
+          <a:bodyPr/>
+          <a:lstStyle/>
+          <a:p>
+            <a:r>
+              <a:rPr lang="fr-FR" dirty="0" smtClean="0"/>
+              <a:t>Faire de même pour assurer le contact entre les plans</a:t>
+            </a:r>
+            <a:endParaRPr lang="fr-FR" dirty="0"/>
+          </a:p>
+        </p:txBody>
+      </p:sp>
+      <p:sp>
+        <p:nvSpPr>
+          <p:cNvPr id="4" name="Espace réservé du numéro de diapositive 3"/>
+          <p:cNvSpPr>
+            <a:spLocks noGrp="1"/>
+          </p:cNvSpPr>
+          <p:nvPr>
+            <p:ph type="sldNum" sz="quarter" idx="15"/>
+          </p:nvPr>
+        </p:nvSpPr>
+        <p:spPr/>
+        <p:txBody>
+          <a:bodyPr/>
+          <a:lstStyle/>
+          <a:p>
+            <a:fld id="{CF4668DC-857F-487D-BFFA-8C0CA5037977}" type="slidenum">
+              <a:rPr lang="fr-BE" smtClean="0"/>
+              <a:pPr/>
+              <a:t>11</a:t>
+            </a:fld>
+            <a:endParaRPr lang="fr-BE"/>
+          </a:p>
+        </p:txBody>
+      </p:sp>
+      <p:pic>
+        <p:nvPicPr>
+          <p:cNvPr id="2051" name="Picture 3"/>
+          <p:cNvPicPr>
+            <a:picLocks noChangeAspect="1" noChangeArrowheads="1"/>
+          </p:cNvPicPr>
+          <p:nvPr/>
+        </p:nvPicPr>
+        <p:blipFill>
+          <a:blip r:embed="rId2"/>
+          <a:srcRect/>
+          <a:stretch>
+            <a:fillRect/>
+          </a:stretch>
+        </p:blipFill>
+        <p:spPr bwMode="auto">
+          <a:xfrm>
+            <a:off x="1000100" y="2000240"/>
+            <a:ext cx="5929354" cy="3746570"/>
+          </a:xfrm>
+          <a:prstGeom prst="rect">
+            <a:avLst/>
+          </a:prstGeom>
+          <a:noFill/>
+          <a:ln w="9525">
+            <a:noFill/>
+            <a:miter lim="800000"/>
+            <a:headEnd/>
+            <a:tailEnd/>
+          </a:ln>
+          <a:effectLst/>
+        </p:spPr>
+      </p:pic>
+      <p:sp>
+        <p:nvSpPr>
+          <p:cNvPr id="7" name="Rectangle 6"/>
+          <p:cNvSpPr/>
+          <p:nvPr/>
+        </p:nvSpPr>
+        <p:spPr>
+          <a:xfrm>
+            <a:off x="5357818" y="3357562"/>
+            <a:ext cx="285752" cy="1143008"/>
+          </a:xfrm>
+          <a:prstGeom prst="rect">
+            <a:avLst/>
+          </a:prstGeom>
+          <a:noFill/>
+          <a:ln>
+            <a:solidFill>
+              <a:srgbClr val="FF0000"/>
+            </a:solidFill>
+          </a:ln>
+        </p:spPr>
+        <p:style>
+          <a:lnRef idx="2">
+            <a:schemeClr val="accent1">
+              <a:shade val="50000"/>
+            </a:schemeClr>
+          </a:lnRef>
+          <a:fillRef idx="1">
+            <a:schemeClr val="accent1"/>
+          </a:fillRef>
+          <a:effectRef idx="0">
+            <a:schemeClr val="accent1"/>
+          </a:effectRef>
+          <a:fontRef idx="minor">
+            <a:schemeClr val="lt1"/>
+          </a:fontRef>
+        </p:style>
+        <p:txBody>
+          <a:bodyPr rtlCol="0" anchor="ctr"/>
+          <a:lstStyle/>
+          <a:p>
+            <a:pPr algn="ctr"/>
+            <a:endParaRPr lang="fr-FR"/>
+          </a:p>
+        </p:txBody>
+      </p:sp>
+    </p:spTree>
+  </p:cSld>
+  <p:clrMapOvr>
+    <a:masterClrMapping/>
+  </p:clrMapOvr>
+</p:sld>
+</file>
+
+<file path=ppt/slides/slide12.xml><?xml version="1.0" encoding="utf-8"?>
+<p:sld xmlns:a="http://schemas.openxmlformats.org/drawingml/2006/main" xmlns:r="http://schemas.openxmlformats.org/officeDocument/2006/relationships" xmlns:p="http://schemas.openxmlformats.org/presentationml/2006/main">
+  <p:cSld>
+    <p:spTree>
+      <p:nvGrpSpPr>
+        <p:cNvPr id="1" name=""/>
+        <p:cNvGrpSpPr/>
+        <p:nvPr/>
+      </p:nvGrpSpPr>
+      <p:grpSpPr>
+        <a:xfrm>
+          <a:off x="0" y="0"/>
+          <a:ext cx="0" cy="0"/>
+          <a:chOff x="0" y="0"/>
+          <a:chExt cx="0" cy="0"/>
+        </a:xfrm>
+      </p:grpSpPr>
+      <p:sp>
+        <p:nvSpPr>
+          <p:cNvPr id="2" name="Titre 1"/>
+          <p:cNvSpPr>
+            <a:spLocks noGrp="1"/>
+          </p:cNvSpPr>
+          <p:nvPr>
+            <p:ph type="title"/>
+          </p:nvPr>
+        </p:nvSpPr>
+        <p:spPr/>
+        <p:txBody>
+          <a:bodyPr>
+            <a:normAutofit fontScale="90000"/>
+          </a:bodyPr>
+          <a:lstStyle/>
+          <a:p>
+            <a:r>
+              <a:rPr lang="fr-FR" dirty="0" smtClean="0"/>
+              <a:t>Assemblage de la pompe</a:t>
+            </a:r>
+            <a:br>
+              <a:rPr lang="fr-FR" dirty="0" smtClean="0"/>
+            </a:br>
+            <a:r>
+              <a:rPr lang="fr-FR" dirty="0" smtClean="0"/>
+              <a:t>Ajouter les contraintes</a:t>
+            </a:r>
+            <a:endParaRPr lang="fr-FR" dirty="0"/>
+          </a:p>
+        </p:txBody>
+      </p:sp>
+      <p:sp>
+        <p:nvSpPr>
+          <p:cNvPr id="3" name="Espace réservé du contenu 2"/>
+          <p:cNvSpPr>
+            <a:spLocks noGrp="1"/>
+          </p:cNvSpPr>
+          <p:nvPr>
+            <p:ph sz="quarter" idx="1"/>
+          </p:nvPr>
+        </p:nvSpPr>
+        <p:spPr/>
+        <p:txBody>
+          <a:bodyPr/>
+          <a:lstStyle/>
+          <a:p>
+            <a:r>
+              <a:rPr lang="fr-FR" dirty="0" smtClean="0"/>
+              <a:t>Ajouter le piston et ajouter : </a:t>
+            </a:r>
+          </a:p>
+          <a:p>
+            <a:pPr lvl="1"/>
+            <a:r>
+              <a:rPr lang="fr-FR" dirty="0" smtClean="0"/>
+              <a:t>Une contrainte de </a:t>
+            </a:r>
+            <a:r>
+              <a:rPr lang="fr-FR" dirty="0" err="1" smtClean="0"/>
+              <a:t>coaxialité</a:t>
+            </a:r>
+            <a:r>
+              <a:rPr lang="fr-FR" dirty="0" smtClean="0"/>
+              <a:t> entre les cylindres</a:t>
+            </a:r>
+          </a:p>
+          <a:p>
+            <a:pPr lvl="1"/>
+            <a:r>
+              <a:rPr lang="fr-FR" dirty="0" smtClean="0"/>
+              <a:t>Une contrainte de contact entre l’extrémité du piston et la bague tournante du roulement</a:t>
+            </a:r>
+          </a:p>
+          <a:p>
+            <a:pPr lvl="1"/>
+            <a:endParaRPr lang="fr-FR" dirty="0"/>
+          </a:p>
+        </p:txBody>
+      </p:sp>
+      <p:sp>
+        <p:nvSpPr>
+          <p:cNvPr id="4" name="Espace réservé du numéro de diapositive 3"/>
+          <p:cNvSpPr>
+            <a:spLocks noGrp="1"/>
+          </p:cNvSpPr>
+          <p:nvPr>
+            <p:ph type="sldNum" sz="quarter" idx="15"/>
+          </p:nvPr>
+        </p:nvSpPr>
+        <p:spPr/>
+        <p:txBody>
+          <a:bodyPr/>
+          <a:lstStyle/>
+          <a:p>
+            <a:fld id="{CF4668DC-857F-487D-BFFA-8C0CA5037977}" type="slidenum">
+              <a:rPr lang="fr-BE" smtClean="0"/>
+              <a:pPr/>
+              <a:t>12</a:t>
+            </a:fld>
+            <a:endParaRPr lang="fr-BE"/>
+          </a:p>
+        </p:txBody>
+      </p:sp>
+      <p:pic>
+        <p:nvPicPr>
+          <p:cNvPr id="3074" name="Picture 2"/>
+          <p:cNvPicPr>
+            <a:picLocks noChangeAspect="1" noChangeArrowheads="1"/>
+          </p:cNvPicPr>
+          <p:nvPr/>
+        </p:nvPicPr>
+        <p:blipFill>
+          <a:blip r:embed="rId2"/>
+          <a:srcRect/>
+          <a:stretch>
+            <a:fillRect/>
+          </a:stretch>
+        </p:blipFill>
+        <p:spPr bwMode="auto">
+          <a:xfrm>
+            <a:off x="714348" y="3286124"/>
+            <a:ext cx="3000396" cy="2376937"/>
+          </a:xfrm>
+          <a:prstGeom prst="rect">
+            <a:avLst/>
+          </a:prstGeom>
+          <a:noFill/>
+          <a:ln w="9525">
+            <a:noFill/>
+            <a:miter lim="800000"/>
+            <a:headEnd/>
+            <a:tailEnd/>
+          </a:ln>
+          <a:effectLst/>
+        </p:spPr>
+      </p:pic>
+      <p:pic>
+        <p:nvPicPr>
+          <p:cNvPr id="3075" name="Picture 3"/>
+          <p:cNvPicPr>
+            <a:picLocks noChangeAspect="1" noChangeArrowheads="1"/>
+          </p:cNvPicPr>
+          <p:nvPr/>
+        </p:nvPicPr>
+        <p:blipFill>
+          <a:blip r:embed="rId3"/>
+          <a:srcRect/>
+          <a:stretch>
+            <a:fillRect/>
+          </a:stretch>
+        </p:blipFill>
+        <p:spPr bwMode="auto">
+          <a:xfrm>
+            <a:off x="5072066" y="3286124"/>
+            <a:ext cx="2703150" cy="2357454"/>
+          </a:xfrm>
+          <a:prstGeom prst="rect">
+            <a:avLst/>
+          </a:prstGeom>
+          <a:noFill/>
+          <a:ln w="9525">
+            <a:noFill/>
+            <a:miter lim="800000"/>
+            <a:headEnd/>
+            <a:tailEnd/>
+          </a:ln>
+          <a:effectLst/>
+        </p:spPr>
+      </p:pic>
+      <p:cxnSp>
+        <p:nvCxnSpPr>
+          <p:cNvPr id="7" name="Connecteur droit avec flèche 6"/>
+          <p:cNvCxnSpPr/>
+          <p:nvPr/>
+        </p:nvCxnSpPr>
+        <p:spPr>
+          <a:xfrm rot="5400000" flipH="1" flipV="1">
+            <a:off x="1750199" y="3679033"/>
+            <a:ext cx="1071570" cy="714380"/>
+          </a:xfrm>
+          <a:prstGeom prst="straightConnector1">
+            <a:avLst/>
+          </a:prstGeom>
+          <a:ln w="28575">
+            <a:solidFill>
+              <a:srgbClr val="FF0000"/>
+            </a:solidFill>
+            <a:headEnd type="stealth" w="med" len="lg"/>
+            <a:tailEnd type="stealth" w="med" len="lg"/>
+          </a:ln>
+        </p:spPr>
+        <p:style>
+          <a:lnRef idx="1">
+            <a:schemeClr val="accent1"/>
+          </a:lnRef>
+          <a:fillRef idx="0">
+            <a:schemeClr val="accent1"/>
+          </a:fillRef>
+          <a:effectRef idx="0">
+            <a:schemeClr val="accent1"/>
+          </a:effectRef>
+          <a:fontRef idx="minor">
+            <a:schemeClr val="tx1"/>
+          </a:fontRef>
+        </p:style>
+      </p:cxnSp>
+      <p:cxnSp>
+        <p:nvCxnSpPr>
+          <p:cNvPr id="11" name="Connecteur droit avec flèche 10"/>
+          <p:cNvCxnSpPr/>
+          <p:nvPr/>
+        </p:nvCxnSpPr>
+        <p:spPr>
+          <a:xfrm rot="16200000" flipV="1">
+            <a:off x="5429256" y="3786190"/>
+            <a:ext cx="857256" cy="285752"/>
+          </a:xfrm>
+          <a:prstGeom prst="straightConnector1">
+            <a:avLst/>
+          </a:prstGeom>
+          <a:ln w="28575">
+            <a:solidFill>
+              <a:srgbClr val="FF0000"/>
+            </a:solidFill>
+            <a:headEnd type="stealth" w="med" len="lg"/>
+            <a:tailEnd type="stealth" w="med" len="lg"/>
+          </a:ln>
+        </p:spPr>
+        <p:style>
+          <a:lnRef idx="1">
+            <a:schemeClr val="accent1"/>
+          </a:lnRef>
+          <a:fillRef idx="0">
+            <a:schemeClr val="accent1"/>
+          </a:fillRef>
+          <a:effectRef idx="0">
+            <a:schemeClr val="accent1"/>
+          </a:effectRef>
+          <a:fontRef idx="minor">
+            <a:schemeClr val="tx1"/>
+          </a:fontRef>
+        </p:style>
+      </p:cxnSp>
+    </p:spTree>
+  </p:cSld>
+  <p:clrMapOvr>
+    <a:masterClrMapping/>
+  </p:clrMapOvr>
+</p:sld>
+</file>
+
+<file path=ppt/slides/slide13.xml><?xml version="1.0" encoding="utf-8"?>
+<p:sld xmlns:a="http://schemas.openxmlformats.org/drawingml/2006/main" xmlns:r="http://schemas.openxmlformats.org/officeDocument/2006/relationships" xmlns:p="http://schemas.openxmlformats.org/presentationml/2006/main">
+  <p:cSld>
+    <p:spTree>
+      <p:nvGrpSpPr>
+        <p:cNvPr id="1" name=""/>
+        <p:cNvGrpSpPr/>
+        <p:nvPr/>
+      </p:nvGrpSpPr>
+      <p:grpSpPr>
+        <a:xfrm>
+          <a:off x="0" y="0"/>
+          <a:ext cx="0" cy="0"/>
+          <a:chOff x="0" y="0"/>
+          <a:chExt cx="0" cy="0"/>
+        </a:xfrm>
+      </p:grpSpPr>
+      <p:sp>
+        <p:nvSpPr>
+          <p:cNvPr id="2" name="Titre 1"/>
+          <p:cNvSpPr>
+            <a:spLocks noGrp="1"/>
+          </p:cNvSpPr>
+          <p:nvPr>
+            <p:ph type="title"/>
+          </p:nvPr>
+        </p:nvSpPr>
+        <p:spPr/>
+        <p:txBody>
+          <a:bodyPr>
+            <a:normAutofit fontScale="90000"/>
+          </a:bodyPr>
+          <a:lstStyle/>
+          <a:p>
+            <a:r>
+              <a:rPr lang="fr-FR" dirty="0" smtClean="0"/>
+              <a:t>Assemblage de la pompe</a:t>
+            </a:r>
+            <a:br>
+              <a:rPr lang="fr-FR" dirty="0" smtClean="0"/>
+            </a:br>
+            <a:r>
+              <a:rPr lang="fr-FR" dirty="0" smtClean="0"/>
+              <a:t>Déplacement des composants</a:t>
+            </a:r>
+            <a:endParaRPr lang="fr-FR" dirty="0"/>
+          </a:p>
+        </p:txBody>
+      </p:sp>
+      <p:sp>
+        <p:nvSpPr>
+          <p:cNvPr id="3" name="Espace réservé du contenu 2"/>
+          <p:cNvSpPr>
+            <a:spLocks noGrp="1"/>
+          </p:cNvSpPr>
+          <p:nvPr>
+            <p:ph sz="quarter" idx="1"/>
+          </p:nvPr>
+        </p:nvSpPr>
+        <p:spPr/>
+        <p:txBody>
+          <a:bodyPr/>
+          <a:lstStyle/>
+          <a:p>
+            <a:r>
+              <a:rPr lang="fr-FR" dirty="0" smtClean="0"/>
+              <a:t>Il est possible de déplacer les composants manuellement pour observer si les contraintes sont compatibles avec les mouvements voulus. </a:t>
+            </a:r>
+          </a:p>
+          <a:p>
+            <a:endParaRPr lang="fr-FR" dirty="0"/>
+          </a:p>
+        </p:txBody>
+      </p:sp>
+      <p:sp>
+        <p:nvSpPr>
+          <p:cNvPr id="4" name="Espace réservé du numéro de diapositive 3"/>
+          <p:cNvSpPr>
+            <a:spLocks noGrp="1"/>
+          </p:cNvSpPr>
+          <p:nvPr>
+            <p:ph type="sldNum" sz="quarter" idx="15"/>
+          </p:nvPr>
+        </p:nvSpPr>
+        <p:spPr/>
+        <p:txBody>
+          <a:bodyPr/>
+          <a:lstStyle/>
+          <a:p>
+            <a:fld id="{CF4668DC-857F-487D-BFFA-8C0CA5037977}" type="slidenum">
+              <a:rPr lang="fr-BE" smtClean="0"/>
+              <a:pPr/>
+              <a:t>13</a:t>
+            </a:fld>
+            <a:endParaRPr lang="fr-BE"/>
+          </a:p>
+        </p:txBody>
+      </p:sp>
+      <p:pic>
+        <p:nvPicPr>
+          <p:cNvPr id="4099" name="Picture 3"/>
+          <p:cNvPicPr>
+            <a:picLocks noChangeAspect="1" noChangeArrowheads="1"/>
+          </p:cNvPicPr>
+          <p:nvPr/>
+        </p:nvPicPr>
+        <p:blipFill>
+          <a:blip r:embed="rId2"/>
+          <a:srcRect/>
+          <a:stretch>
+            <a:fillRect/>
+          </a:stretch>
+        </p:blipFill>
+        <p:spPr bwMode="auto">
+          <a:xfrm>
+            <a:off x="3533775" y="2676525"/>
+            <a:ext cx="2076450" cy="1504950"/>
+          </a:xfrm>
+          <a:prstGeom prst="rect">
+            <a:avLst/>
+          </a:prstGeom>
+          <a:noFill/>
+          <a:ln w="9525">
+            <a:noFill/>
+            <a:miter lim="800000"/>
+            <a:headEnd/>
+            <a:tailEnd/>
+          </a:ln>
+          <a:effectLst/>
+        </p:spPr>
+      </p:pic>
+    </p:spTree>
+  </p:cSld>
+  <p:clrMapOvr>
+    <a:masterClrMapping/>
+  </p:clrMapOvr>
+</p:sld>
+</file>
+
+<file path=ppt/slides/slide14.xml><?xml version="1.0" encoding="utf-8"?>
+<p:sld xmlns:a="http://schemas.openxmlformats.org/drawingml/2006/main" xmlns:r="http://schemas.openxmlformats.org/officeDocument/2006/relationships" xmlns:p="http://schemas.openxmlformats.org/presentationml/2006/main">
+  <p:cSld>
+    <p:spTree>
+      <p:nvGrpSpPr>
+        <p:cNvPr id="1" name=""/>
+        <p:cNvGrpSpPr/>
+        <p:nvPr/>
+      </p:nvGrpSpPr>
+      <p:grpSpPr>
+        <a:xfrm>
+          <a:off x="0" y="0"/>
+          <a:ext cx="0" cy="0"/>
+          <a:chOff x="0" y="0"/>
+          <a:chExt cx="0" cy="0"/>
+        </a:xfrm>
+      </p:grpSpPr>
+      <p:sp>
+        <p:nvSpPr>
+          <p:cNvPr id="5" name="Titre 4"/>
+          <p:cNvSpPr>
+            <a:spLocks noGrp="1"/>
+          </p:cNvSpPr>
+          <p:nvPr>
+            <p:ph type="title"/>
+          </p:nvPr>
+        </p:nvSpPr>
+        <p:spPr/>
+        <p:txBody>
+          <a:bodyPr/>
+          <a:lstStyle/>
+          <a:p>
+            <a:r>
+              <a:rPr lang="fr-FR" dirty="0" smtClean="0"/>
+              <a:t>Etude cinématique de la pompe</a:t>
+            </a:r>
+            <a:endParaRPr lang="fr-FR" dirty="0"/>
+          </a:p>
+        </p:txBody>
+      </p:sp>
+      <p:sp>
+        <p:nvSpPr>
+          <p:cNvPr id="6" name="Espace réservé du texte 5"/>
+          <p:cNvSpPr>
+            <a:spLocks noGrp="1"/>
+          </p:cNvSpPr>
+          <p:nvPr>
+            <p:ph type="body" idx="1"/>
+          </p:nvPr>
+        </p:nvSpPr>
+        <p:spPr/>
+        <p:txBody>
+          <a:bodyPr/>
+          <a:lstStyle/>
+          <a:p>
+            <a:endParaRPr lang="fr-FR"/>
+          </a:p>
+        </p:txBody>
+      </p:sp>
+      <p:sp>
+        <p:nvSpPr>
+          <p:cNvPr id="4" name="Espace réservé du numéro de diapositive 3"/>
+          <p:cNvSpPr>
+            <a:spLocks noGrp="1"/>
+          </p:cNvSpPr>
+          <p:nvPr>
+            <p:ph type="sldNum" sz="quarter" idx="12"/>
+          </p:nvPr>
+        </p:nvSpPr>
+        <p:spPr/>
+        <p:txBody>
+          <a:bodyPr/>
+          <a:lstStyle/>
+          <a:p>
+            <a:fld id="{CF4668DC-857F-487D-BFFA-8C0CA5037977}" type="slidenum">
+              <a:rPr lang="fr-BE" smtClean="0"/>
+              <a:pPr/>
+              <a:t>14</a:t>
+            </a:fld>
+            <a:endParaRPr lang="fr-BE"/>
+          </a:p>
+        </p:txBody>
+      </p:sp>
+    </p:spTree>
+  </p:cSld>
+  <p:clrMapOvr>
+    <a:masterClrMapping/>
+  </p:clrMapOvr>
+</p:sld>
+</file>
+
+<file path=ppt/slides/slide15.xml><?xml version="1.0" encoding="utf-8"?>
+<p:sld xmlns:a="http://schemas.openxmlformats.org/drawingml/2006/main" xmlns:r="http://schemas.openxmlformats.org/officeDocument/2006/relationships" xmlns:p="http://schemas.openxmlformats.org/presentationml/2006/main">
+  <p:cSld>
+    <p:spTree>
+      <p:nvGrpSpPr>
+        <p:cNvPr id="1" name=""/>
+        <p:cNvGrpSpPr/>
+        <p:nvPr/>
+      </p:nvGrpSpPr>
+      <p:grpSpPr>
+        <a:xfrm>
+          <a:off x="0" y="0"/>
+          <a:ext cx="0" cy="0"/>
+          <a:chOff x="0" y="0"/>
+          <a:chExt cx="0" cy="0"/>
+        </a:xfrm>
+      </p:grpSpPr>
+      <p:sp>
+        <p:nvSpPr>
+          <p:cNvPr id="2" name="Titre 1"/>
+          <p:cNvSpPr>
+            <a:spLocks noGrp="1"/>
+          </p:cNvSpPr>
+          <p:nvPr>
+            <p:ph type="title"/>
+          </p:nvPr>
+        </p:nvSpPr>
+        <p:spPr/>
+        <p:txBody>
+          <a:bodyPr/>
+          <a:lstStyle/>
+          <a:p>
+            <a:r>
+              <a:rPr lang="fr-FR" dirty="0" smtClean="0"/>
+              <a:t>Etude cinématique</a:t>
+            </a:r>
+            <a:endParaRPr lang="fr-FR" dirty="0"/>
+          </a:p>
+        </p:txBody>
+      </p:sp>
+      <p:sp>
+        <p:nvSpPr>
+          <p:cNvPr id="3" name="Espace réservé du contenu 2"/>
+          <p:cNvSpPr>
+            <a:spLocks noGrp="1"/>
+          </p:cNvSpPr>
+          <p:nvPr>
+            <p:ph sz="quarter" idx="1"/>
+          </p:nvPr>
+        </p:nvSpPr>
+        <p:spPr/>
+        <p:txBody>
+          <a:bodyPr/>
+          <a:lstStyle/>
+          <a:p>
+            <a:r>
+              <a:rPr lang="fr-FR" dirty="0" smtClean="0"/>
+              <a:t>Une étude cinématique permet d’étudier</a:t>
+            </a:r>
+          </a:p>
+          <a:p>
+            <a:pPr lvl="1"/>
+            <a:r>
+              <a:rPr lang="fr-FR" dirty="0" smtClean="0"/>
+              <a:t>L’évolution de la position des pièces</a:t>
+            </a:r>
+          </a:p>
+          <a:p>
+            <a:pPr lvl="1"/>
+            <a:r>
+              <a:rPr lang="fr-FR" dirty="0" smtClean="0"/>
+              <a:t>L’évolution de la vitesse des pièces</a:t>
+            </a:r>
+          </a:p>
+          <a:p>
+            <a:pPr lvl="1"/>
+            <a:r>
+              <a:rPr lang="fr-FR" dirty="0" smtClean="0"/>
+              <a:t>L’évolution de l’accélération des pièces</a:t>
+            </a:r>
+          </a:p>
+          <a:p>
+            <a:r>
+              <a:rPr lang="fr-FR" dirty="0" smtClean="0"/>
+              <a:t>Pour cela on utilise un module de </a:t>
+            </a:r>
+            <a:r>
+              <a:rPr lang="fr-FR" dirty="0" err="1" smtClean="0"/>
+              <a:t>S</a:t>
+            </a:r>
+            <a:r>
+              <a:rPr lang="fr-FR" dirty="0" err="1" smtClean="0"/>
+              <a:t>olidWorks</a:t>
+            </a:r>
+            <a:r>
+              <a:rPr lang="fr-FR" dirty="0" smtClean="0"/>
+              <a:t> : </a:t>
+            </a:r>
+            <a:r>
+              <a:rPr lang="fr-FR" dirty="0" err="1" smtClean="0"/>
+              <a:t>Meca</a:t>
+            </a:r>
+            <a:r>
+              <a:rPr lang="fr-FR" dirty="0" smtClean="0"/>
+              <a:t> 3D. Pour l’activer :</a:t>
+            </a:r>
+          </a:p>
+          <a:p>
+            <a:pPr lvl="1"/>
+            <a:r>
+              <a:rPr lang="fr-FR" dirty="0" smtClean="0"/>
+              <a:t>Cliquer sur la flèche</a:t>
+            </a:r>
+          </a:p>
+          <a:p>
+            <a:pPr lvl="1"/>
+            <a:r>
+              <a:rPr lang="fr-FR" dirty="0" smtClean="0"/>
+              <a:t>Outils</a:t>
+            </a:r>
+          </a:p>
+          <a:p>
+            <a:pPr lvl="1"/>
+            <a:r>
+              <a:rPr lang="fr-FR" dirty="0" smtClean="0"/>
+              <a:t>Compléments</a:t>
+            </a:r>
+          </a:p>
+          <a:p>
+            <a:pPr lvl="1"/>
+            <a:r>
+              <a:rPr lang="fr-FR" dirty="0" smtClean="0"/>
+              <a:t>Cliquer sur les deux coté de Meca3D</a:t>
+            </a:r>
+          </a:p>
+          <a:p>
+            <a:pPr lvl="1"/>
+            <a:r>
+              <a:rPr lang="fr-FR" dirty="0" smtClean="0"/>
+              <a:t>Sauvegarder votre assemblage</a:t>
+            </a:r>
+          </a:p>
+          <a:p>
+            <a:pPr lvl="1"/>
+            <a:r>
+              <a:rPr lang="fr-FR" dirty="0" smtClean="0"/>
+              <a:t>Fermer puis rouvrir l’assemblage</a:t>
+            </a:r>
+          </a:p>
+          <a:p>
+            <a:pPr lvl="1"/>
+            <a:endParaRPr lang="fr-FR" dirty="0" smtClean="0"/>
+          </a:p>
+        </p:txBody>
+      </p:sp>
+      <p:sp>
+        <p:nvSpPr>
+          <p:cNvPr id="4" name="Espace réservé du numéro de diapositive 3"/>
+          <p:cNvSpPr>
+            <a:spLocks noGrp="1"/>
+          </p:cNvSpPr>
+          <p:nvPr>
+            <p:ph type="sldNum" sz="quarter" idx="15"/>
+          </p:nvPr>
+        </p:nvSpPr>
+        <p:spPr/>
+        <p:txBody>
+          <a:bodyPr/>
+          <a:lstStyle/>
+          <a:p>
+            <a:fld id="{CF4668DC-857F-487D-BFFA-8C0CA5037977}" type="slidenum">
+              <a:rPr lang="fr-BE" smtClean="0"/>
+              <a:pPr/>
+              <a:t>15</a:t>
+            </a:fld>
+            <a:endParaRPr lang="fr-BE"/>
+          </a:p>
+        </p:txBody>
+      </p:sp>
+      <p:pic>
+        <p:nvPicPr>
+          <p:cNvPr id="5123" name="Picture 3"/>
+          <p:cNvPicPr>
+            <a:picLocks noChangeAspect="1" noChangeArrowheads="1"/>
+          </p:cNvPicPr>
+          <p:nvPr/>
+        </p:nvPicPr>
+        <p:blipFill>
+          <a:blip r:embed="rId2"/>
+          <a:srcRect/>
+          <a:stretch>
+            <a:fillRect/>
+          </a:stretch>
+        </p:blipFill>
+        <p:spPr bwMode="auto">
+          <a:xfrm>
+            <a:off x="3643306" y="3214686"/>
+            <a:ext cx="5029200" cy="590550"/>
+          </a:xfrm>
+          <a:prstGeom prst="rect">
+            <a:avLst/>
+          </a:prstGeom>
+          <a:noFill/>
+          <a:ln w="9525">
+            <a:noFill/>
+            <a:miter lim="800000"/>
+            <a:headEnd/>
+            <a:tailEnd/>
+          </a:ln>
+          <a:effectLst/>
+        </p:spPr>
+      </p:pic>
+      <p:sp>
+        <p:nvSpPr>
+          <p:cNvPr id="7" name="Rectangle 6"/>
+          <p:cNvSpPr/>
+          <p:nvPr/>
+        </p:nvSpPr>
+        <p:spPr>
+          <a:xfrm>
+            <a:off x="4743448" y="3214686"/>
+            <a:ext cx="285752" cy="285752"/>
+          </a:xfrm>
+          <a:prstGeom prst="rect">
+            <a:avLst/>
+          </a:prstGeom>
+          <a:noFill/>
+          <a:ln>
+            <a:solidFill>
+              <a:srgbClr val="FF0000"/>
+            </a:solidFill>
+          </a:ln>
+        </p:spPr>
+        <p:style>
+          <a:lnRef idx="2">
+            <a:schemeClr val="accent1">
+              <a:shade val="50000"/>
+            </a:schemeClr>
+          </a:lnRef>
+          <a:fillRef idx="1">
+            <a:schemeClr val="accent1"/>
+          </a:fillRef>
+          <a:effectRef idx="0">
+            <a:schemeClr val="accent1"/>
+          </a:effectRef>
+          <a:fontRef idx="minor">
+            <a:schemeClr val="lt1"/>
+          </a:fontRef>
+        </p:style>
+        <p:txBody>
+          <a:bodyPr rtlCol="0" anchor="ctr"/>
+          <a:lstStyle/>
+          <a:p>
+            <a:pPr algn="ctr"/>
+            <a:endParaRPr lang="fr-FR"/>
+          </a:p>
+        </p:txBody>
+      </p:sp>
+      <p:pic>
+        <p:nvPicPr>
+          <p:cNvPr id="5125" name="Picture 5"/>
+          <p:cNvPicPr>
+            <a:picLocks noChangeAspect="1" noChangeArrowheads="1"/>
+          </p:cNvPicPr>
+          <p:nvPr/>
+        </p:nvPicPr>
+        <p:blipFill>
+          <a:blip r:embed="rId3"/>
+          <a:srcRect/>
+          <a:stretch>
+            <a:fillRect/>
+          </a:stretch>
+        </p:blipFill>
+        <p:spPr bwMode="auto">
+          <a:xfrm>
+            <a:off x="7286644" y="3238842"/>
+            <a:ext cx="1857356" cy="3619157"/>
+          </a:xfrm>
+          <a:prstGeom prst="rect">
+            <a:avLst/>
+          </a:prstGeom>
+          <a:noFill/>
+          <a:ln w="9525">
+            <a:noFill/>
+            <a:miter lim="800000"/>
+            <a:headEnd/>
+            <a:tailEnd/>
+          </a:ln>
+          <a:effectLst/>
+        </p:spPr>
+      </p:pic>
+      <p:sp>
+        <p:nvSpPr>
+          <p:cNvPr id="10" name="Rectangle 9"/>
+          <p:cNvSpPr/>
+          <p:nvPr/>
+        </p:nvSpPr>
+        <p:spPr>
+          <a:xfrm>
+            <a:off x="7358082" y="5929330"/>
+            <a:ext cx="1571636" cy="142876"/>
+          </a:xfrm>
+          <a:prstGeom prst="rect">
+            <a:avLst/>
+          </a:prstGeom>
+          <a:noFill/>
+          <a:ln>
+            <a:solidFill>
+              <a:srgbClr val="FF0000"/>
+            </a:solidFill>
+          </a:ln>
+        </p:spPr>
+        <p:style>
+          <a:lnRef idx="2">
+            <a:schemeClr val="accent1">
+              <a:shade val="50000"/>
+            </a:schemeClr>
+          </a:lnRef>
+          <a:fillRef idx="1">
+            <a:schemeClr val="accent1"/>
+          </a:fillRef>
+          <a:effectRef idx="0">
+            <a:schemeClr val="accent1"/>
+          </a:effectRef>
+          <a:fontRef idx="minor">
+            <a:schemeClr val="lt1"/>
+          </a:fontRef>
+        </p:style>
+        <p:txBody>
+          <a:bodyPr rtlCol="0" anchor="ctr"/>
+          <a:lstStyle/>
+          <a:p>
+            <a:pPr algn="ctr"/>
+            <a:endParaRPr lang="fr-FR"/>
+          </a:p>
+        </p:txBody>
+      </p:sp>
+    </p:spTree>
+  </p:cSld>
+  <p:clrMapOvr>
+    <a:masterClrMapping/>
+  </p:clrMapOvr>
+</p:sld>
+</file>
+
+<file path=ppt/slides/slide16.xml><?xml version="1.0" encoding="utf-8"?>
+<p:sld xmlns:a="http://schemas.openxmlformats.org/drawingml/2006/main" xmlns:r="http://schemas.openxmlformats.org/officeDocument/2006/relationships" xmlns:p="http://schemas.openxmlformats.org/presentationml/2006/main">
+  <p:cSld>
+    <p:spTree>
+      <p:nvGrpSpPr>
+        <p:cNvPr id="1" name=""/>
+        <p:cNvGrpSpPr/>
+        <p:nvPr/>
+      </p:nvGrpSpPr>
+      <p:grpSpPr>
+        <a:xfrm>
+          <a:off x="0" y="0"/>
+          <a:ext cx="0" cy="0"/>
+          <a:chOff x="0" y="0"/>
+          <a:chExt cx="0" cy="0"/>
+        </a:xfrm>
+      </p:grpSpPr>
+      <p:sp>
+        <p:nvSpPr>
+          <p:cNvPr id="2" name="Titre 1"/>
+          <p:cNvSpPr>
+            <a:spLocks noGrp="1"/>
+          </p:cNvSpPr>
+          <p:nvPr>
+            <p:ph type="title"/>
+          </p:nvPr>
+        </p:nvSpPr>
+        <p:spPr/>
+        <p:txBody>
+          <a:bodyPr/>
+          <a:lstStyle/>
+          <a:p>
+            <a:r>
+              <a:rPr lang="fr-FR" dirty="0" err="1" smtClean="0"/>
+              <a:t>Méca</a:t>
+            </a:r>
+            <a:r>
+              <a:rPr lang="fr-FR" dirty="0" smtClean="0"/>
+              <a:t> 3D</a:t>
+            </a:r>
+            <a:endParaRPr lang="fr-FR" dirty="0"/>
+          </a:p>
+        </p:txBody>
+      </p:sp>
+      <p:sp>
+        <p:nvSpPr>
+          <p:cNvPr id="3" name="Espace réservé du contenu 2"/>
+          <p:cNvSpPr>
+            <a:spLocks noGrp="1"/>
+          </p:cNvSpPr>
+          <p:nvPr>
+            <p:ph sz="quarter" idx="1"/>
+          </p:nvPr>
+        </p:nvSpPr>
+        <p:spPr/>
+        <p:txBody>
+          <a:bodyPr/>
+          <a:lstStyle/>
+          <a:p>
+            <a:r>
+              <a:rPr lang="fr-FR" dirty="0" smtClean="0"/>
+              <a:t>Un nouvel icône apparaît. Cliquer dessus.</a:t>
+            </a:r>
+          </a:p>
+          <a:p>
+            <a:endParaRPr lang="fr-FR" dirty="0" smtClean="0"/>
+          </a:p>
+          <a:p>
+            <a:r>
+              <a:rPr lang="fr-FR" dirty="0" smtClean="0"/>
+              <a:t>Il va être nécessaire de :</a:t>
+            </a:r>
+          </a:p>
+          <a:p>
+            <a:pPr lvl="1"/>
+            <a:r>
+              <a:rPr lang="fr-FR" dirty="0" smtClean="0"/>
+              <a:t>« réimporter » les assemblages</a:t>
+            </a:r>
+          </a:p>
+          <a:p>
+            <a:pPr lvl="1"/>
+            <a:r>
+              <a:rPr lang="fr-FR" dirty="0" smtClean="0"/>
+              <a:t>Définir les liaisons </a:t>
+            </a:r>
+          </a:p>
+          <a:p>
+            <a:pPr lvl="1"/>
+            <a:r>
+              <a:rPr lang="fr-FR" dirty="0" smtClean="0"/>
+              <a:t>Réaliser un calcul cinématique</a:t>
+            </a:r>
+          </a:p>
+        </p:txBody>
+      </p:sp>
+      <p:sp>
+        <p:nvSpPr>
+          <p:cNvPr id="4" name="Espace réservé du numéro de diapositive 3"/>
+          <p:cNvSpPr>
+            <a:spLocks noGrp="1"/>
+          </p:cNvSpPr>
+          <p:nvPr>
+            <p:ph type="sldNum" sz="quarter" idx="15"/>
+          </p:nvPr>
+        </p:nvSpPr>
+        <p:spPr/>
+        <p:txBody>
+          <a:bodyPr/>
+          <a:lstStyle/>
+          <a:p>
+            <a:fld id="{CF4668DC-857F-487D-BFFA-8C0CA5037977}" type="slidenum">
+              <a:rPr lang="fr-BE" smtClean="0"/>
+              <a:pPr/>
+              <a:t>16</a:t>
+            </a:fld>
+            <a:endParaRPr lang="fr-BE"/>
+          </a:p>
+        </p:txBody>
+      </p:sp>
+      <p:pic>
+        <p:nvPicPr>
+          <p:cNvPr id="6146" name="Picture 2"/>
+          <p:cNvPicPr>
+            <a:picLocks noChangeAspect="1" noChangeArrowheads="1"/>
+          </p:cNvPicPr>
+          <p:nvPr/>
+        </p:nvPicPr>
+        <p:blipFill>
+          <a:blip r:embed="rId2"/>
+          <a:srcRect/>
+          <a:stretch>
+            <a:fillRect/>
+          </a:stretch>
+        </p:blipFill>
+        <p:spPr bwMode="auto">
+          <a:xfrm>
+            <a:off x="6429388" y="1142984"/>
+            <a:ext cx="2390775" cy="4067175"/>
+          </a:xfrm>
+          <a:prstGeom prst="rect">
+            <a:avLst/>
+          </a:prstGeom>
+          <a:noFill/>
+          <a:ln w="9525">
+            <a:noFill/>
+            <a:miter lim="800000"/>
+            <a:headEnd/>
+            <a:tailEnd/>
+          </a:ln>
+          <a:effectLst/>
+        </p:spPr>
+      </p:pic>
+      <p:sp>
+        <p:nvSpPr>
+          <p:cNvPr id="6" name="Rectangle 5"/>
+          <p:cNvSpPr/>
+          <p:nvPr/>
+        </p:nvSpPr>
+        <p:spPr>
+          <a:xfrm>
+            <a:off x="7500958" y="2643182"/>
+            <a:ext cx="285752" cy="285752"/>
+          </a:xfrm>
+          <a:prstGeom prst="rect">
+            <a:avLst/>
+          </a:prstGeom>
+          <a:noFill/>
+          <a:ln>
+            <a:solidFill>
+              <a:srgbClr val="FF0000"/>
+            </a:solidFill>
+          </a:ln>
+        </p:spPr>
+        <p:style>
+          <a:lnRef idx="2">
+            <a:schemeClr val="accent1">
+              <a:shade val="50000"/>
+            </a:schemeClr>
+          </a:lnRef>
+          <a:fillRef idx="1">
+            <a:schemeClr val="accent1"/>
+          </a:fillRef>
+          <a:effectRef idx="0">
+            <a:schemeClr val="accent1"/>
+          </a:effectRef>
+          <a:fontRef idx="minor">
+            <a:schemeClr val="lt1"/>
+          </a:fontRef>
+        </p:style>
+        <p:txBody>
+          <a:bodyPr rtlCol="0" anchor="ctr"/>
+          <a:lstStyle/>
+          <a:p>
+            <a:pPr algn="ctr"/>
+            <a:endParaRPr lang="fr-FR"/>
+          </a:p>
+        </p:txBody>
+      </p:sp>
+    </p:spTree>
+  </p:cSld>
+  <p:clrMapOvr>
+    <a:masterClrMapping/>
+  </p:clrMapOvr>
+</p:sld>
+</file>
+
+<file path=ppt/slides/slide17.xml><?xml version="1.0" encoding="utf-8"?>
+<p:sld xmlns:a="http://schemas.openxmlformats.org/drawingml/2006/main" xmlns:r="http://schemas.openxmlformats.org/officeDocument/2006/relationships" xmlns:p="http://schemas.openxmlformats.org/presentationml/2006/main">
+  <p:cSld>
+    <p:spTree>
+      <p:nvGrpSpPr>
+        <p:cNvPr id="1" name=""/>
+        <p:cNvGrpSpPr/>
+        <p:nvPr/>
+      </p:nvGrpSpPr>
+      <p:grpSpPr>
+        <a:xfrm>
+          <a:off x="0" y="0"/>
+          <a:ext cx="0" cy="0"/>
+          <a:chOff x="0" y="0"/>
+          <a:chExt cx="0" cy="0"/>
+        </a:xfrm>
+      </p:grpSpPr>
+      <p:sp>
+        <p:nvSpPr>
+          <p:cNvPr id="2" name="Titre 1"/>
+          <p:cNvSpPr>
+            <a:spLocks noGrp="1"/>
+          </p:cNvSpPr>
+          <p:nvPr>
+            <p:ph type="title"/>
+          </p:nvPr>
+        </p:nvSpPr>
+        <p:spPr/>
+        <p:txBody>
+          <a:bodyPr>
+            <a:normAutofit fontScale="90000"/>
+          </a:bodyPr>
+          <a:lstStyle/>
+          <a:p>
+            <a:r>
+              <a:rPr lang="fr-FR" dirty="0" err="1" smtClean="0"/>
+              <a:t>Méca</a:t>
+            </a:r>
+            <a:r>
+              <a:rPr lang="fr-FR" dirty="0" smtClean="0"/>
+              <a:t> 3D</a:t>
+            </a:r>
+            <a:br>
+              <a:rPr lang="fr-FR" dirty="0" smtClean="0"/>
+            </a:br>
+            <a:r>
+              <a:rPr lang="fr-FR" dirty="0" smtClean="0"/>
+              <a:t>Ajout des assemblages</a:t>
+            </a:r>
+            <a:endParaRPr lang="fr-FR" dirty="0"/>
+          </a:p>
+        </p:txBody>
+      </p:sp>
+      <p:sp>
+        <p:nvSpPr>
+          <p:cNvPr id="3" name="Espace réservé du contenu 2"/>
+          <p:cNvSpPr>
+            <a:spLocks noGrp="1"/>
+          </p:cNvSpPr>
+          <p:nvPr>
+            <p:ph sz="quarter" idx="1"/>
+          </p:nvPr>
+        </p:nvSpPr>
+        <p:spPr/>
+        <p:txBody>
+          <a:bodyPr/>
+          <a:lstStyle/>
+          <a:p>
+            <a:r>
+              <a:rPr lang="fr-FR" dirty="0" smtClean="0"/>
+              <a:t>Clic droit sur Pièces</a:t>
+            </a:r>
+          </a:p>
+          <a:p>
+            <a:pPr lvl="1"/>
+            <a:r>
+              <a:rPr lang="fr-FR" dirty="0" smtClean="0"/>
+              <a:t>Ajouter successivement :</a:t>
+            </a:r>
+          </a:p>
+          <a:p>
+            <a:pPr lvl="2"/>
+            <a:r>
+              <a:rPr lang="fr-FR" dirty="0" smtClean="0"/>
+              <a:t>le bâti</a:t>
+            </a:r>
+          </a:p>
+          <a:p>
+            <a:pPr lvl="2"/>
+            <a:r>
+              <a:rPr lang="fr-FR" dirty="0" smtClean="0"/>
+              <a:t>Le barillet</a:t>
+            </a:r>
+          </a:p>
+          <a:p>
+            <a:pPr lvl="2"/>
+            <a:r>
+              <a:rPr lang="fr-FR" dirty="0" smtClean="0"/>
+              <a:t>Le piston</a:t>
+            </a:r>
+          </a:p>
+          <a:p>
+            <a:pPr lvl="1"/>
+            <a:r>
+              <a:rPr lang="fr-FR" dirty="0" smtClean="0"/>
+              <a:t>Cliquer sur Annuler pour terminer</a:t>
+            </a:r>
+          </a:p>
+        </p:txBody>
+      </p:sp>
+      <p:sp>
+        <p:nvSpPr>
+          <p:cNvPr id="4" name="Espace réservé du numéro de diapositive 3"/>
+          <p:cNvSpPr>
+            <a:spLocks noGrp="1"/>
+          </p:cNvSpPr>
+          <p:nvPr>
+            <p:ph type="sldNum" sz="quarter" idx="15"/>
+          </p:nvPr>
+        </p:nvSpPr>
+        <p:spPr/>
+        <p:txBody>
+          <a:bodyPr/>
+          <a:lstStyle/>
+          <a:p>
+            <a:fld id="{CF4668DC-857F-487D-BFFA-8C0CA5037977}" type="slidenum">
+              <a:rPr lang="fr-BE" smtClean="0"/>
+              <a:pPr/>
+              <a:t>17</a:t>
+            </a:fld>
+            <a:endParaRPr lang="fr-BE"/>
+          </a:p>
+        </p:txBody>
+      </p:sp>
+      <p:pic>
+        <p:nvPicPr>
+          <p:cNvPr id="7172" name="Picture 4"/>
+          <p:cNvPicPr>
+            <a:picLocks noChangeAspect="1" noChangeArrowheads="1"/>
+          </p:cNvPicPr>
+          <p:nvPr/>
+        </p:nvPicPr>
+        <p:blipFill>
+          <a:blip r:embed="rId2"/>
+          <a:srcRect/>
+          <a:stretch>
+            <a:fillRect/>
+          </a:stretch>
+        </p:blipFill>
+        <p:spPr bwMode="auto">
+          <a:xfrm>
+            <a:off x="5357818" y="1428736"/>
+            <a:ext cx="3286125" cy="4048125"/>
+          </a:xfrm>
+          <a:prstGeom prst="rect">
+            <a:avLst/>
+          </a:prstGeom>
+          <a:noFill/>
+          <a:ln w="9525">
+            <a:noFill/>
+            <a:miter lim="800000"/>
+            <a:headEnd/>
+            <a:tailEnd/>
+          </a:ln>
+          <a:effectLst/>
+        </p:spPr>
+      </p:pic>
+      <p:pic>
+        <p:nvPicPr>
+          <p:cNvPr id="7175" name="Picture 7"/>
+          <p:cNvPicPr>
+            <a:picLocks noChangeAspect="1" noChangeArrowheads="1"/>
+          </p:cNvPicPr>
+          <p:nvPr/>
+        </p:nvPicPr>
+        <p:blipFill>
+          <a:blip r:embed="rId3"/>
+          <a:srcRect/>
+          <a:stretch>
+            <a:fillRect/>
+          </a:stretch>
+        </p:blipFill>
+        <p:spPr bwMode="auto">
+          <a:xfrm>
+            <a:off x="285720" y="3643314"/>
+            <a:ext cx="4714908" cy="2771922"/>
+          </a:xfrm>
+          <a:prstGeom prst="rect">
+            <a:avLst/>
+          </a:prstGeom>
+          <a:noFill/>
+          <a:ln w="9525">
+            <a:noFill/>
+            <a:miter lim="800000"/>
+            <a:headEnd/>
+            <a:tailEnd/>
+          </a:ln>
+          <a:effectLst/>
+        </p:spPr>
+      </p:pic>
+      <p:sp>
+        <p:nvSpPr>
+          <p:cNvPr id="11" name="Rectangle 10"/>
+          <p:cNvSpPr/>
+          <p:nvPr/>
+        </p:nvSpPr>
+        <p:spPr>
+          <a:xfrm>
+            <a:off x="6215074" y="3571876"/>
+            <a:ext cx="2143140" cy="214314"/>
+          </a:xfrm>
+          <a:prstGeom prst="rect">
+            <a:avLst/>
+          </a:prstGeom>
+          <a:noFill/>
+          <a:ln>
+            <a:solidFill>
+              <a:srgbClr val="FF0000"/>
+            </a:solidFill>
+          </a:ln>
+        </p:spPr>
+        <p:style>
+          <a:lnRef idx="2">
+            <a:schemeClr val="accent1">
+              <a:shade val="50000"/>
+            </a:schemeClr>
+          </a:lnRef>
+          <a:fillRef idx="1">
+            <a:schemeClr val="accent1"/>
+          </a:fillRef>
+          <a:effectRef idx="0">
+            <a:schemeClr val="accent1"/>
+          </a:effectRef>
+          <a:fontRef idx="minor">
+            <a:schemeClr val="lt1"/>
+          </a:fontRef>
+        </p:style>
+        <p:txBody>
+          <a:bodyPr rtlCol="0" anchor="ctr"/>
+          <a:lstStyle/>
+          <a:p>
+            <a:pPr algn="ctr"/>
+            <a:endParaRPr lang="fr-FR"/>
+          </a:p>
+        </p:txBody>
+      </p:sp>
+    </p:spTree>
+  </p:cSld>
+  <p:clrMapOvr>
+    <a:masterClrMapping/>
+  </p:clrMapOvr>
+</p:sld>
+</file>
+
+<file path=ppt/slides/slide18.xml><?xml version="1.0" encoding="utf-8"?>
+<p:sld xmlns:a="http://schemas.openxmlformats.org/drawingml/2006/main" xmlns:r="http://schemas.openxmlformats.org/officeDocument/2006/relationships" xmlns:p="http://schemas.openxmlformats.org/presentationml/2006/main">
+  <p:cSld>
+    <p:spTree>
+      <p:nvGrpSpPr>
+        <p:cNvPr id="1" name=""/>
+        <p:cNvGrpSpPr/>
+        <p:nvPr/>
+      </p:nvGrpSpPr>
+      <p:grpSpPr>
+        <a:xfrm>
+          <a:off x="0" y="0"/>
+          <a:ext cx="0" cy="0"/>
+          <a:chOff x="0" y="0"/>
+          <a:chExt cx="0" cy="0"/>
+        </a:xfrm>
+      </p:grpSpPr>
+      <p:sp>
+        <p:nvSpPr>
+          <p:cNvPr id="2" name="Titre 1"/>
+          <p:cNvSpPr>
+            <a:spLocks noGrp="1"/>
+          </p:cNvSpPr>
+          <p:nvPr>
+            <p:ph type="title"/>
+          </p:nvPr>
+        </p:nvSpPr>
+        <p:spPr/>
+        <p:txBody>
+          <a:bodyPr>
+            <a:normAutofit fontScale="90000"/>
+          </a:bodyPr>
+          <a:lstStyle/>
+          <a:p>
+            <a:r>
+              <a:rPr lang="fr-FR" dirty="0" err="1" smtClean="0"/>
+              <a:t>Méca</a:t>
+            </a:r>
+            <a:r>
+              <a:rPr lang="fr-FR" dirty="0" smtClean="0"/>
+              <a:t> 3D</a:t>
+            </a:r>
+            <a:br>
+              <a:rPr lang="fr-FR" dirty="0" smtClean="0"/>
+            </a:br>
+            <a:r>
+              <a:rPr lang="fr-FR" dirty="0" smtClean="0"/>
+              <a:t>Ajout des liaisons</a:t>
+            </a:r>
+            <a:endParaRPr lang="fr-FR" dirty="0"/>
+          </a:p>
+        </p:txBody>
+      </p:sp>
+      <p:sp>
+        <p:nvSpPr>
+          <p:cNvPr id="3" name="Espace réservé du contenu 2"/>
+          <p:cNvSpPr>
+            <a:spLocks noGrp="1"/>
+          </p:cNvSpPr>
+          <p:nvPr>
+            <p:ph sz="quarter" idx="1"/>
+          </p:nvPr>
+        </p:nvSpPr>
+        <p:spPr/>
+        <p:txBody>
+          <a:bodyPr/>
+          <a:lstStyle/>
+          <a:p>
+            <a:r>
+              <a:rPr lang="fr-FR" dirty="0" smtClean="0"/>
+              <a:t>Clic droit sur liaisons</a:t>
+            </a:r>
+          </a:p>
+          <a:p>
+            <a:pPr lvl="1"/>
+            <a:r>
+              <a:rPr lang="fr-FR" dirty="0" smtClean="0"/>
+              <a:t>Ajouter</a:t>
+            </a:r>
+          </a:p>
+          <a:p>
+            <a:pPr lvl="1"/>
+            <a:r>
+              <a:rPr lang="fr-FR" dirty="0" smtClean="0"/>
+              <a:t>Liaison pivot</a:t>
+            </a:r>
+          </a:p>
+          <a:p>
+            <a:pPr lvl="1"/>
+            <a:r>
+              <a:rPr lang="fr-FR" dirty="0" smtClean="0"/>
+              <a:t>Sélectionner le barillet et l’ensemble fixe</a:t>
+            </a:r>
+          </a:p>
+          <a:p>
+            <a:pPr lvl="1"/>
+            <a:r>
+              <a:rPr lang="fr-FR" dirty="0" smtClean="0"/>
+              <a:t>Sélectionner la contrainte de </a:t>
+            </a:r>
+            <a:r>
+              <a:rPr lang="fr-FR" dirty="0" err="1" smtClean="0"/>
+              <a:t>coaxialité</a:t>
+            </a:r>
+            <a:r>
+              <a:rPr lang="fr-FR" dirty="0" smtClean="0"/>
+              <a:t> </a:t>
+            </a:r>
+          </a:p>
+          <a:p>
+            <a:pPr lvl="1"/>
+            <a:r>
+              <a:rPr lang="fr-FR" dirty="0" smtClean="0"/>
+              <a:t>Terminer</a:t>
+            </a:r>
+            <a:endParaRPr lang="fr-FR" dirty="0"/>
+          </a:p>
+        </p:txBody>
+      </p:sp>
+      <p:sp>
+        <p:nvSpPr>
+          <p:cNvPr id="4" name="Espace réservé du numéro de diapositive 3"/>
+          <p:cNvSpPr>
+            <a:spLocks noGrp="1"/>
+          </p:cNvSpPr>
+          <p:nvPr>
+            <p:ph type="sldNum" sz="quarter" idx="15"/>
+          </p:nvPr>
+        </p:nvSpPr>
+        <p:spPr/>
+        <p:txBody>
+          <a:bodyPr/>
+          <a:lstStyle/>
+          <a:p>
+            <a:fld id="{CF4668DC-857F-487D-BFFA-8C0CA5037977}" type="slidenum">
+              <a:rPr lang="fr-BE" smtClean="0"/>
+              <a:pPr/>
+              <a:t>18</a:t>
+            </a:fld>
+            <a:endParaRPr lang="fr-BE"/>
+          </a:p>
+        </p:txBody>
+      </p:sp>
+      <p:grpSp>
+        <p:nvGrpSpPr>
+          <p:cNvPr id="10" name="Groupe 9"/>
+          <p:cNvGrpSpPr/>
+          <p:nvPr/>
+        </p:nvGrpSpPr>
+        <p:grpSpPr>
+          <a:xfrm>
+            <a:off x="285720" y="4209027"/>
+            <a:ext cx="1824416" cy="1500198"/>
+            <a:chOff x="571472" y="2857496"/>
+            <a:chExt cx="3162300" cy="2600325"/>
+          </a:xfrm>
+        </p:grpSpPr>
+        <p:pic>
+          <p:nvPicPr>
+            <p:cNvPr id="8195" name="Picture 3"/>
+            <p:cNvPicPr>
+              <a:picLocks noChangeAspect="1" noChangeArrowheads="1"/>
+            </p:cNvPicPr>
+            <p:nvPr/>
+          </p:nvPicPr>
+          <p:blipFill>
+            <a:blip r:embed="rId2"/>
+            <a:srcRect/>
+            <a:stretch>
+              <a:fillRect/>
+            </a:stretch>
+          </p:blipFill>
+          <p:spPr bwMode="auto">
+            <a:xfrm>
+              <a:off x="571472" y="2857496"/>
+              <a:ext cx="3162300" cy="2600325"/>
+            </a:xfrm>
+            <a:prstGeom prst="rect">
+              <a:avLst/>
+            </a:prstGeom>
+            <a:noFill/>
+            <a:ln w="9525">
+              <a:noFill/>
+              <a:miter lim="800000"/>
+              <a:headEnd/>
+              <a:tailEnd/>
+            </a:ln>
+            <a:effectLst/>
+          </p:spPr>
+        </p:pic>
+        <p:sp>
+          <p:nvSpPr>
+            <p:cNvPr id="8" name="Rectangle 7"/>
+            <p:cNvSpPr/>
+            <p:nvPr/>
+          </p:nvSpPr>
+          <p:spPr>
+            <a:xfrm>
+              <a:off x="1428728" y="4286256"/>
+              <a:ext cx="2143140" cy="214314"/>
+            </a:xfrm>
+            <a:prstGeom prst="rect">
+              <a:avLst/>
+            </a:prstGeom>
+            <a:noFill/>
+            <a:ln>
+              <a:solidFill>
+                <a:srgbClr val="FF0000"/>
+              </a:solidFill>
+            </a:ln>
+          </p:spPr>
+          <p:style>
+            <a:lnRef idx="2">
+              <a:schemeClr val="accent1">
+                <a:shade val="50000"/>
+              </a:schemeClr>
+            </a:lnRef>
+            <a:fillRef idx="1">
+              <a:schemeClr val="accent1"/>
+            </a:fillRef>
+            <a:effectRef idx="0">
+              <a:schemeClr val="accent1"/>
+            </a:effectRef>
+            <a:fontRef idx="minor">
+              <a:schemeClr val="lt1"/>
+            </a:fontRef>
+          </p:style>
+          <p:txBody>
+            <a:bodyPr rtlCol="0" anchor="ctr"/>
+            <a:lstStyle/>
+            <a:p>
+              <a:pPr algn="ctr"/>
+              <a:endParaRPr lang="fr-FR"/>
+            </a:p>
+          </p:txBody>
+        </p:sp>
+      </p:grpSp>
+      <p:grpSp>
+        <p:nvGrpSpPr>
+          <p:cNvPr id="11" name="Groupe 10"/>
+          <p:cNvGrpSpPr/>
+          <p:nvPr/>
+        </p:nvGrpSpPr>
+        <p:grpSpPr>
+          <a:xfrm>
+            <a:off x="2428860" y="4209026"/>
+            <a:ext cx="2143140" cy="1505990"/>
+            <a:chOff x="4214810" y="2428868"/>
+            <a:chExt cx="4352925" cy="3505200"/>
+          </a:xfrm>
+        </p:grpSpPr>
+        <p:pic>
+          <p:nvPicPr>
+            <p:cNvPr id="8196" name="Picture 4"/>
+            <p:cNvPicPr>
+              <a:picLocks noChangeAspect="1" noChangeArrowheads="1"/>
+            </p:cNvPicPr>
+            <p:nvPr/>
+          </p:nvPicPr>
+          <p:blipFill>
+            <a:blip r:embed="rId3"/>
+            <a:srcRect/>
+            <a:stretch>
+              <a:fillRect/>
+            </a:stretch>
+          </p:blipFill>
+          <p:spPr bwMode="auto">
+            <a:xfrm>
+              <a:off x="4214810" y="2428868"/>
+              <a:ext cx="4352925" cy="3505200"/>
+            </a:xfrm>
+            <a:prstGeom prst="rect">
+              <a:avLst/>
+            </a:prstGeom>
+            <a:noFill/>
+            <a:ln w="9525">
+              <a:noFill/>
+              <a:miter lim="800000"/>
+              <a:headEnd/>
+              <a:tailEnd/>
+            </a:ln>
+            <a:effectLst/>
+          </p:spPr>
+        </p:pic>
+        <p:sp>
+          <p:nvSpPr>
+            <p:cNvPr id="9" name="Rectangle 8"/>
+            <p:cNvSpPr/>
+            <p:nvPr/>
+          </p:nvSpPr>
+          <p:spPr>
+            <a:xfrm>
+              <a:off x="5929322" y="3357562"/>
+              <a:ext cx="857256" cy="428628"/>
+            </a:xfrm>
+            <a:prstGeom prst="rect">
+              <a:avLst/>
+            </a:prstGeom>
+            <a:noFill/>
+            <a:ln>
+              <a:solidFill>
+                <a:srgbClr val="FF0000"/>
+              </a:solidFill>
+            </a:ln>
+          </p:spPr>
+          <p:style>
+            <a:lnRef idx="2">
+              <a:schemeClr val="accent1">
+                <a:shade val="50000"/>
+              </a:schemeClr>
+            </a:lnRef>
+            <a:fillRef idx="1">
+              <a:schemeClr val="accent1"/>
+            </a:fillRef>
+            <a:effectRef idx="0">
+              <a:schemeClr val="accent1"/>
+            </a:effectRef>
+            <a:fontRef idx="minor">
+              <a:schemeClr val="lt1"/>
+            </a:fontRef>
+          </p:style>
+          <p:txBody>
+            <a:bodyPr rtlCol="0" anchor="ctr"/>
+            <a:lstStyle/>
+            <a:p>
+              <a:pPr algn="ctr"/>
+              <a:endParaRPr lang="fr-FR"/>
+            </a:p>
+          </p:txBody>
+        </p:sp>
+      </p:grpSp>
+      <p:pic>
+        <p:nvPicPr>
+          <p:cNvPr id="8197" name="Picture 5"/>
+          <p:cNvPicPr>
+            <a:picLocks noChangeAspect="1" noChangeArrowheads="1"/>
+          </p:cNvPicPr>
+          <p:nvPr/>
+        </p:nvPicPr>
+        <p:blipFill>
+          <a:blip r:embed="rId4"/>
+          <a:srcRect/>
+          <a:stretch>
+            <a:fillRect/>
+          </a:stretch>
+        </p:blipFill>
+        <p:spPr bwMode="auto">
+          <a:xfrm>
+            <a:off x="4849140" y="4209027"/>
+            <a:ext cx="1866000" cy="1500198"/>
+          </a:xfrm>
+          <a:prstGeom prst="rect">
+            <a:avLst/>
+          </a:prstGeom>
+          <a:noFill/>
+          <a:ln w="9525">
+            <a:noFill/>
+            <a:miter lim="800000"/>
+            <a:headEnd/>
+            <a:tailEnd/>
+          </a:ln>
+          <a:effectLst/>
+        </p:spPr>
+      </p:pic>
+      <p:pic>
+        <p:nvPicPr>
+          <p:cNvPr id="8198" name="Picture 6"/>
+          <p:cNvPicPr>
+            <a:picLocks noChangeAspect="1" noChangeArrowheads="1"/>
+          </p:cNvPicPr>
+          <p:nvPr/>
+        </p:nvPicPr>
+        <p:blipFill>
+          <a:blip r:embed="rId5"/>
+          <a:srcRect/>
+          <a:stretch>
+            <a:fillRect/>
+          </a:stretch>
+        </p:blipFill>
+        <p:spPr bwMode="auto">
+          <a:xfrm>
+            <a:off x="6858016" y="4209026"/>
+            <a:ext cx="1857388" cy="1495665"/>
+          </a:xfrm>
+          <a:prstGeom prst="rect">
+            <a:avLst/>
+          </a:prstGeom>
+          <a:noFill/>
+          <a:ln w="9525">
+            <a:noFill/>
+            <a:miter lim="800000"/>
+            <a:headEnd/>
+            <a:tailEnd/>
+          </a:ln>
+          <a:effectLst/>
+        </p:spPr>
+      </p:pic>
+      <p:sp>
+        <p:nvSpPr>
+          <p:cNvPr id="15" name="Rectangle 14"/>
+          <p:cNvSpPr/>
+          <p:nvPr/>
+        </p:nvSpPr>
+        <p:spPr>
+          <a:xfrm>
+            <a:off x="5643570" y="5494910"/>
+            <a:ext cx="285752" cy="142876"/>
+          </a:xfrm>
+          <a:prstGeom prst="rect">
+            <a:avLst/>
+          </a:prstGeom>
+          <a:noFill/>
+          <a:ln>
+            <a:solidFill>
+              <a:srgbClr val="FF0000"/>
+            </a:solidFill>
+          </a:ln>
+        </p:spPr>
+        <p:style>
+          <a:lnRef idx="2">
+            <a:schemeClr val="accent1">
+              <a:shade val="50000"/>
+            </a:schemeClr>
+          </a:lnRef>
+          <a:fillRef idx="1">
+            <a:schemeClr val="accent1"/>
+          </a:fillRef>
+          <a:effectRef idx="0">
+            <a:schemeClr val="accent1"/>
+          </a:effectRef>
+          <a:fontRef idx="minor">
+            <a:schemeClr val="lt1"/>
+          </a:fontRef>
+        </p:style>
+        <p:txBody>
+          <a:bodyPr rtlCol="0" anchor="ctr"/>
+          <a:lstStyle/>
+          <a:p>
+            <a:pPr algn="ctr"/>
+            <a:endParaRPr lang="fr-FR"/>
+          </a:p>
+        </p:txBody>
+      </p:sp>
+      <p:sp>
+        <p:nvSpPr>
+          <p:cNvPr id="16" name="Rectangle 15"/>
+          <p:cNvSpPr/>
+          <p:nvPr/>
+        </p:nvSpPr>
+        <p:spPr>
+          <a:xfrm>
+            <a:off x="7572396" y="4500570"/>
+            <a:ext cx="571504" cy="142876"/>
+          </a:xfrm>
+          <a:prstGeom prst="rect">
+            <a:avLst/>
+          </a:prstGeom>
+          <a:noFill/>
+          <a:ln>
+            <a:solidFill>
+              <a:srgbClr val="FF0000"/>
+            </a:solidFill>
+          </a:ln>
+        </p:spPr>
+        <p:style>
+          <a:lnRef idx="2">
+            <a:schemeClr val="accent1">
+              <a:shade val="50000"/>
+            </a:schemeClr>
+          </a:lnRef>
+          <a:fillRef idx="1">
+            <a:schemeClr val="accent1"/>
+          </a:fillRef>
+          <a:effectRef idx="0">
+            <a:schemeClr val="accent1"/>
+          </a:effectRef>
+          <a:fontRef idx="minor">
+            <a:schemeClr val="lt1"/>
+          </a:fontRef>
+        </p:style>
+        <p:txBody>
+          <a:bodyPr rtlCol="0" anchor="ctr"/>
+          <a:lstStyle/>
+          <a:p>
+            <a:pPr algn="ctr"/>
+            <a:endParaRPr lang="fr-FR"/>
+          </a:p>
+        </p:txBody>
+      </p:sp>
+      <p:sp>
+        <p:nvSpPr>
+          <p:cNvPr id="17" name="Rectangle 16"/>
+          <p:cNvSpPr/>
+          <p:nvPr/>
+        </p:nvSpPr>
+        <p:spPr>
+          <a:xfrm>
+            <a:off x="7643834" y="5500702"/>
+            <a:ext cx="357190" cy="142876"/>
+          </a:xfrm>
+          <a:prstGeom prst="rect">
+            <a:avLst/>
+          </a:prstGeom>
+          <a:noFill/>
+          <a:ln>
+            <a:solidFill>
+              <a:srgbClr val="FF0000"/>
+            </a:solidFill>
+          </a:ln>
+        </p:spPr>
+        <p:style>
+          <a:lnRef idx="2">
+            <a:schemeClr val="accent1">
+              <a:shade val="50000"/>
+            </a:schemeClr>
+          </a:lnRef>
+          <a:fillRef idx="1">
+            <a:schemeClr val="accent1"/>
+          </a:fillRef>
+          <a:effectRef idx="0">
+            <a:schemeClr val="accent1"/>
+          </a:effectRef>
+          <a:fontRef idx="minor">
+            <a:schemeClr val="lt1"/>
+          </a:fontRef>
+        </p:style>
+        <p:txBody>
+          <a:bodyPr rtlCol="0" anchor="ctr"/>
+          <a:lstStyle/>
+          <a:p>
+            <a:pPr algn="ctr"/>
+            <a:endParaRPr lang="fr-FR"/>
+          </a:p>
+        </p:txBody>
+      </p:sp>
+    </p:spTree>
+  </p:cSld>
+  <p:clrMapOvr>
+    <a:masterClrMapping/>
+  </p:clrMapOvr>
+</p:sld>
+</file>
+
+<file path=ppt/slides/slide19.xml><?xml version="1.0" encoding="utf-8"?>
+<p:sld xmlns:a="http://schemas.openxmlformats.org/drawingml/2006/main" xmlns:r="http://schemas.openxmlformats.org/officeDocument/2006/relationships" xmlns:p="http://schemas.openxmlformats.org/presentationml/2006/main">
+  <p:cSld>
+    <p:spTree>
+      <p:nvGrpSpPr>
+        <p:cNvPr id="1" name=""/>
+        <p:cNvGrpSpPr/>
+        <p:nvPr/>
+      </p:nvGrpSpPr>
+      <p:grpSpPr>
+        <a:xfrm>
+          <a:off x="0" y="0"/>
+          <a:ext cx="0" cy="0"/>
+          <a:chOff x="0" y="0"/>
+          <a:chExt cx="0" cy="0"/>
+        </a:xfrm>
+      </p:grpSpPr>
+      <p:sp>
+        <p:nvSpPr>
+          <p:cNvPr id="2" name="Titre 1"/>
+          <p:cNvSpPr>
+            <a:spLocks noGrp="1"/>
+          </p:cNvSpPr>
+          <p:nvPr>
+            <p:ph type="title"/>
+          </p:nvPr>
+        </p:nvSpPr>
+        <p:spPr/>
+        <p:txBody>
+          <a:bodyPr>
+            <a:normAutofit fontScale="90000"/>
+          </a:bodyPr>
+          <a:lstStyle/>
+          <a:p>
+            <a:r>
+              <a:rPr lang="fr-FR" dirty="0" err="1" smtClean="0"/>
+              <a:t>Méca</a:t>
+            </a:r>
+            <a:r>
+              <a:rPr lang="fr-FR" dirty="0" smtClean="0"/>
+              <a:t> 3D</a:t>
+            </a:r>
+            <a:br>
+              <a:rPr lang="fr-FR" dirty="0" smtClean="0"/>
+            </a:br>
+            <a:r>
+              <a:rPr lang="fr-FR" dirty="0" smtClean="0"/>
+              <a:t>Ajout des liaisons</a:t>
+            </a:r>
+            <a:endParaRPr lang="fr-FR" dirty="0"/>
+          </a:p>
+        </p:txBody>
+      </p:sp>
+      <p:sp>
+        <p:nvSpPr>
+          <p:cNvPr id="3" name="Espace réservé du contenu 2"/>
+          <p:cNvSpPr>
+            <a:spLocks noGrp="1"/>
+          </p:cNvSpPr>
+          <p:nvPr>
+            <p:ph sz="quarter" idx="1"/>
+          </p:nvPr>
+        </p:nvSpPr>
+        <p:spPr/>
+        <p:txBody>
+          <a:bodyPr/>
+          <a:lstStyle/>
+          <a:p>
+            <a:r>
+              <a:rPr lang="fr-FR" dirty="0" smtClean="0"/>
+              <a:t>En suivant la même méthode, réaliser </a:t>
+            </a:r>
+          </a:p>
+          <a:p>
+            <a:pPr lvl="1"/>
+            <a:r>
+              <a:rPr lang="fr-FR" dirty="0" smtClean="0"/>
+              <a:t>la liaison pivot glissant entre le piston et le barillet</a:t>
+            </a:r>
+          </a:p>
+          <a:p>
+            <a:pPr lvl="1"/>
+            <a:r>
+              <a:rPr lang="fr-FR" dirty="0" smtClean="0"/>
+              <a:t>La liaison ponctuelle (sphère – plan) entre le piston et l’ensemble fixe</a:t>
+            </a:r>
+          </a:p>
+          <a:p>
+            <a:pPr lvl="1"/>
+            <a:r>
+              <a:rPr lang="fr-FR" dirty="0" smtClean="0"/>
+              <a:t>Dans le menu des liaisons, cliquer sur terminer une fois que vous avez fini. </a:t>
+            </a:r>
+          </a:p>
+          <a:p>
+            <a:endParaRPr lang="fr-FR" dirty="0"/>
+          </a:p>
+        </p:txBody>
+      </p:sp>
+      <p:sp>
+        <p:nvSpPr>
+          <p:cNvPr id="4" name="Espace réservé du numéro de diapositive 3"/>
+          <p:cNvSpPr>
+            <a:spLocks noGrp="1"/>
+          </p:cNvSpPr>
+          <p:nvPr>
+            <p:ph type="sldNum" sz="quarter" idx="15"/>
+          </p:nvPr>
+        </p:nvSpPr>
+        <p:spPr/>
+        <p:txBody>
+          <a:bodyPr/>
+          <a:lstStyle/>
+          <a:p>
+            <a:fld id="{CF4668DC-857F-487D-BFFA-8C0CA5037977}" type="slidenum">
+              <a:rPr lang="fr-BE" smtClean="0"/>
+              <a:pPr/>
+              <a:t>19</a:t>
+            </a:fld>
+            <a:endParaRPr lang="fr-BE"/>
+          </a:p>
+        </p:txBody>
+      </p:sp>
+      <p:pic>
+        <p:nvPicPr>
+          <p:cNvPr id="9218" name="Picture 2"/>
+          <p:cNvPicPr>
+            <a:picLocks noChangeAspect="1" noChangeArrowheads="1"/>
+          </p:cNvPicPr>
+          <p:nvPr/>
+        </p:nvPicPr>
+        <p:blipFill>
+          <a:blip r:embed="rId2"/>
+          <a:srcRect/>
+          <a:stretch>
+            <a:fillRect/>
+          </a:stretch>
+        </p:blipFill>
+        <p:spPr bwMode="auto">
+          <a:xfrm>
+            <a:off x="428597" y="3829694"/>
+            <a:ext cx="3500462" cy="2818753"/>
+          </a:xfrm>
+          <a:prstGeom prst="rect">
+            <a:avLst/>
+          </a:prstGeom>
+          <a:noFill/>
+          <a:ln w="9525">
+            <a:noFill/>
+            <a:miter lim="800000"/>
+            <a:headEnd/>
+            <a:tailEnd/>
+          </a:ln>
+          <a:effectLst/>
+        </p:spPr>
+      </p:pic>
+      <p:sp>
+        <p:nvSpPr>
+          <p:cNvPr id="6" name="Rectangle 5"/>
+          <p:cNvSpPr/>
+          <p:nvPr/>
+        </p:nvSpPr>
+        <p:spPr>
+          <a:xfrm>
+            <a:off x="500034" y="4500570"/>
+            <a:ext cx="785817" cy="500066"/>
+          </a:xfrm>
+          <a:prstGeom prst="rect">
+            <a:avLst/>
+          </a:prstGeom>
+          <a:noFill/>
+          <a:ln>
+            <a:solidFill>
+              <a:srgbClr val="FF0000"/>
+            </a:solidFill>
+          </a:ln>
+        </p:spPr>
+        <p:style>
+          <a:lnRef idx="2">
+            <a:schemeClr val="accent1">
+              <a:shade val="50000"/>
+            </a:schemeClr>
+          </a:lnRef>
+          <a:fillRef idx="1">
+            <a:schemeClr val="accent1"/>
+          </a:fillRef>
+          <a:effectRef idx="0">
+            <a:schemeClr val="accent1"/>
+          </a:effectRef>
+          <a:fontRef idx="minor">
+            <a:schemeClr val="lt1"/>
+          </a:fontRef>
+        </p:style>
+        <p:txBody>
+          <a:bodyPr rtlCol="0" anchor="ctr"/>
+          <a:lstStyle/>
+          <a:p>
+            <a:pPr algn="ctr"/>
+            <a:endParaRPr lang="fr-FR"/>
+          </a:p>
+        </p:txBody>
+      </p:sp>
+      <p:pic>
+        <p:nvPicPr>
+          <p:cNvPr id="7" name="Picture 2"/>
+          <p:cNvPicPr>
+            <a:picLocks noChangeAspect="1" noChangeArrowheads="1"/>
+          </p:cNvPicPr>
+          <p:nvPr/>
+        </p:nvPicPr>
+        <p:blipFill>
+          <a:blip r:embed="rId2"/>
+          <a:srcRect/>
+          <a:stretch>
+            <a:fillRect/>
+          </a:stretch>
+        </p:blipFill>
+        <p:spPr bwMode="auto">
+          <a:xfrm>
+            <a:off x="4500562" y="3857628"/>
+            <a:ext cx="3500462" cy="2818753"/>
+          </a:xfrm>
+          <a:prstGeom prst="rect">
+            <a:avLst/>
+          </a:prstGeom>
+          <a:noFill/>
+          <a:ln w="9525">
+            <a:noFill/>
+            <a:miter lim="800000"/>
+            <a:headEnd/>
+            <a:tailEnd/>
+          </a:ln>
+          <a:effectLst/>
+        </p:spPr>
+      </p:pic>
+      <p:sp>
+        <p:nvSpPr>
+          <p:cNvPr id="8" name="Rectangle 7"/>
+          <p:cNvSpPr/>
+          <p:nvPr/>
+        </p:nvSpPr>
+        <p:spPr>
+          <a:xfrm>
+            <a:off x="4572000" y="4143380"/>
+            <a:ext cx="785817" cy="500066"/>
+          </a:xfrm>
+          <a:prstGeom prst="rect">
+            <a:avLst/>
+          </a:prstGeom>
+          <a:noFill/>
+          <a:ln>
+            <a:solidFill>
+              <a:srgbClr val="FF0000"/>
+            </a:solidFill>
+          </a:ln>
+        </p:spPr>
+        <p:style>
+          <a:lnRef idx="2">
+            <a:schemeClr val="accent1">
+              <a:shade val="50000"/>
+            </a:schemeClr>
+          </a:lnRef>
+          <a:fillRef idx="1">
+            <a:schemeClr val="accent1"/>
+          </a:fillRef>
+          <a:effectRef idx="0">
+            <a:schemeClr val="accent1"/>
+          </a:effectRef>
+          <a:fontRef idx="minor">
+            <a:schemeClr val="lt1"/>
+          </a:fontRef>
+        </p:style>
+        <p:txBody>
+          <a:bodyPr rtlCol="0" anchor="ctr"/>
+          <a:lstStyle/>
+          <a:p>
+            <a:pPr algn="ctr"/>
+            <a:endParaRPr lang="fr-FR"/>
+          </a:p>
+        </p:txBody>
+      </p:sp>
+    </p:spTree>
+  </p:cSld>
+  <p:clrMapOvr>
+    <a:masterClrMapping/>
+  </p:clrMapOvr>
 </p:sld>
 </file>
 
@@ -5895,7 +8636,7 @@
           <a:blip r:embed="rId3" cstate="print">
             <a:extLst>
               <a:ext uri="{28A0092B-C50C-407E-A947-70E740481C1C}">
-                <a14:useLocalDpi xmlns:lc="http://schemas.openxmlformats.org/drawingml/2006/lockedCanvas" xmlns:pic="http://schemas.openxmlformats.org/drawingml/2006/picture" xmlns:a14="http://schemas.microsoft.com/office/drawing/2010/main" xmlns:wps="http://schemas.microsoft.com/office/word/2010/wordprocessingShape" xmlns:wne="http://schemas.microsoft.com/office/word/2006/wordml" xmlns:wpi="http://schemas.microsoft.com/office/word/2010/wordprocessingInk" xmlns:wpg="http://schemas.microsoft.com/office/word/2010/wordprocessingGroup" xmlns:w14="http://schemas.microsoft.com/office/word/2010/wordml" xmlns:w="http://schemas.openxmlformats.org/wordprocessingml/2006/main" xmlns:w10="urn:schemas-microsoft-com:office:word" xmlns:wp="http://schemas.openxmlformats.org/drawingml/2006/wordprocessingDrawing" xmlns:wp14="http://schemas.microsoft.com/office/word/2010/wordprocessingDrawing" xmlns:v="urn:schemas-microsoft-com:vml" xmlns:m="http://schemas.openxmlformats.org/officeDocument/2006/math" xmlns:o="urn:schemas-microsoft-com:office:office" xmlns:mc="http://schemas.openxmlformats.org/markup-compatibility/2006" xmlns:wpc="http://schemas.microsoft.com/office/word/2010/wordprocessingCanvas" xmlns="" val="0"/>
+                <a14:useLocalDpi xmlns="" xmlns:wpc="http://schemas.microsoft.com/office/word/2010/wordprocessingCanvas" xmlns:mc="http://schemas.openxmlformats.org/markup-compatibility/2006" xmlns:o="urn:schemas-microsoft-com:office:office" xmlns:m="http://schemas.openxmlformats.org/officeDocument/2006/math" xmlns:v="urn:schemas-microsoft-com:vml" xmlns:wp14="http://schemas.microsoft.com/office/word/2010/wordprocessingDrawing" xmlns:wp="http://schemas.openxmlformats.org/drawingml/2006/wordprocessingDrawing" xmlns:w10="urn:schemas-microsoft-com:office:word" xmlns:w="http://schemas.openxmlformats.org/wordprocessingml/2006/main" xmlns:w14="http://schemas.microsoft.com/office/word/2010/wordml" xmlns:wpg="http://schemas.microsoft.com/office/word/2010/wordprocessingGroup" xmlns:wpi="http://schemas.microsoft.com/office/word/2010/wordprocessingInk" xmlns:wne="http://schemas.microsoft.com/office/word/2006/wordml" xmlns:wps="http://schemas.microsoft.com/office/word/2010/wordprocessingShape" xmlns:a14="http://schemas.microsoft.com/office/drawing/2010/main" xmlns:pic="http://schemas.openxmlformats.org/drawingml/2006/picture" xmlns:lc="http://schemas.openxmlformats.org/drawingml/2006/lockedCanvas" val="0"/>
               </a:ext>
             </a:extLst>
           </a:blip>
@@ -5915,6 +8656,2545 @@
           <a:noFill/>
         </p:spPr>
       </p:pic>
+    </p:spTree>
+  </p:cSld>
+  <p:clrMapOvr>
+    <a:masterClrMapping/>
+  </p:clrMapOvr>
+</p:sld>
+</file>
+
+<file path=ppt/slides/slide20.xml><?xml version="1.0" encoding="utf-8"?>
+<p:sld xmlns:a="http://schemas.openxmlformats.org/drawingml/2006/main" xmlns:r="http://schemas.openxmlformats.org/officeDocument/2006/relationships" xmlns:p="http://schemas.openxmlformats.org/presentationml/2006/main">
+  <p:cSld>
+    <p:spTree>
+      <p:nvGrpSpPr>
+        <p:cNvPr id="1" name=""/>
+        <p:cNvGrpSpPr/>
+        <p:nvPr/>
+      </p:nvGrpSpPr>
+      <p:grpSpPr>
+        <a:xfrm>
+          <a:off x="0" y="0"/>
+          <a:ext cx="0" cy="0"/>
+          <a:chOff x="0" y="0"/>
+          <a:chExt cx="0" cy="0"/>
+        </a:xfrm>
+      </p:grpSpPr>
+      <p:sp>
+        <p:nvSpPr>
+          <p:cNvPr id="2" name="Titre 1"/>
+          <p:cNvSpPr>
+            <a:spLocks noGrp="1"/>
+          </p:cNvSpPr>
+          <p:nvPr>
+            <p:ph type="title"/>
+          </p:nvPr>
+        </p:nvSpPr>
+        <p:spPr/>
+        <p:txBody>
+          <a:bodyPr>
+            <a:normAutofit fontScale="90000"/>
+          </a:bodyPr>
+          <a:lstStyle/>
+          <a:p>
+            <a:r>
+              <a:rPr lang="fr-FR" dirty="0" err="1" smtClean="0"/>
+              <a:t>Méca</a:t>
+            </a:r>
+            <a:r>
+              <a:rPr lang="fr-FR" dirty="0" smtClean="0"/>
+              <a:t> 3D</a:t>
+            </a:r>
+            <a:br>
+              <a:rPr lang="fr-FR" dirty="0" smtClean="0"/>
+            </a:br>
+            <a:r>
+              <a:rPr lang="fr-FR" dirty="0" smtClean="0"/>
+              <a:t>Calcul Mécanique</a:t>
+            </a:r>
+            <a:endParaRPr lang="fr-FR" dirty="0"/>
+          </a:p>
+        </p:txBody>
+      </p:sp>
+      <p:sp>
+        <p:nvSpPr>
+          <p:cNvPr id="4" name="Espace réservé du numéro de diapositive 3"/>
+          <p:cNvSpPr>
+            <a:spLocks noGrp="1"/>
+          </p:cNvSpPr>
+          <p:nvPr>
+            <p:ph type="sldNum" sz="quarter" idx="15"/>
+          </p:nvPr>
+        </p:nvSpPr>
+        <p:spPr/>
+        <p:txBody>
+          <a:bodyPr/>
+          <a:lstStyle/>
+          <a:p>
+            <a:fld id="{CF4668DC-857F-487D-BFFA-8C0CA5037977}" type="slidenum">
+              <a:rPr lang="fr-BE" smtClean="0"/>
+              <a:pPr/>
+              <a:t>20</a:t>
+            </a:fld>
+            <a:endParaRPr lang="fr-BE"/>
+          </a:p>
+        </p:txBody>
+      </p:sp>
+      <p:sp>
+        <p:nvSpPr>
+          <p:cNvPr id="6" name="Espace réservé du contenu 5"/>
+          <p:cNvSpPr>
+            <a:spLocks noGrp="1"/>
+          </p:cNvSpPr>
+          <p:nvPr>
+            <p:ph sz="quarter" idx="1"/>
+          </p:nvPr>
+        </p:nvSpPr>
+        <p:spPr/>
+        <p:txBody>
+          <a:bodyPr>
+            <a:normAutofit/>
+          </a:bodyPr>
+          <a:lstStyle/>
+          <a:p>
+            <a:r>
+              <a:rPr lang="fr-FR" sz="2000" dirty="0" smtClean="0"/>
+              <a:t>Réaliser un calcul mécanique</a:t>
+            </a:r>
+          </a:p>
+          <a:p>
+            <a:r>
+              <a:rPr lang="fr-FR" sz="2000" dirty="0" smtClean="0"/>
+              <a:t>Cliquer sur suivant (la fenêtre sera étudiée ultérieurement dans l’année)</a:t>
+            </a:r>
+          </a:p>
+          <a:p>
+            <a:r>
+              <a:rPr lang="fr-FR" sz="2000" dirty="0" smtClean="0"/>
+              <a:t>Saisir une vitesse de 1500 tr/min dans la pivot 1. Cette vitesse correspond à la fréquence de rotation du barillet par rapport à l’ensemble fixe.</a:t>
+            </a:r>
+          </a:p>
+          <a:p>
+            <a:r>
+              <a:rPr lang="fr-FR" sz="2000" dirty="0" smtClean="0"/>
+              <a:t>Choisir une étude cinématique.</a:t>
+            </a:r>
+          </a:p>
+          <a:p>
+            <a:r>
+              <a:rPr lang="fr-FR" sz="2000" b="1" dirty="0" smtClean="0"/>
+              <a:t>Justifier le choix de faire une étude sur 0,04 secondes avec 100 positions.</a:t>
+            </a:r>
+          </a:p>
+        </p:txBody>
+      </p:sp>
+      <p:grpSp>
+        <p:nvGrpSpPr>
+          <p:cNvPr id="9" name="Groupe 8"/>
+          <p:cNvGrpSpPr/>
+          <p:nvPr/>
+        </p:nvGrpSpPr>
+        <p:grpSpPr>
+          <a:xfrm>
+            <a:off x="6929454" y="1214422"/>
+            <a:ext cx="1847850" cy="857250"/>
+            <a:chOff x="428596" y="3929066"/>
+            <a:chExt cx="1847850" cy="857250"/>
+          </a:xfrm>
+        </p:grpSpPr>
+        <p:pic>
+          <p:nvPicPr>
+            <p:cNvPr id="10243" name="Picture 3"/>
+            <p:cNvPicPr>
+              <a:picLocks noChangeAspect="1" noChangeArrowheads="1"/>
+            </p:cNvPicPr>
+            <p:nvPr/>
+          </p:nvPicPr>
+          <p:blipFill>
+            <a:blip r:embed="rId2"/>
+            <a:srcRect/>
+            <a:stretch>
+              <a:fillRect/>
+            </a:stretch>
+          </p:blipFill>
+          <p:spPr bwMode="auto">
+            <a:xfrm>
+              <a:off x="428596" y="3929066"/>
+              <a:ext cx="1847850" cy="857250"/>
+            </a:xfrm>
+            <a:prstGeom prst="rect">
+              <a:avLst/>
+            </a:prstGeom>
+            <a:noFill/>
+            <a:ln w="9525">
+              <a:noFill/>
+              <a:miter lim="800000"/>
+              <a:headEnd/>
+              <a:tailEnd/>
+            </a:ln>
+            <a:effectLst/>
+          </p:spPr>
+        </p:pic>
+        <p:sp>
+          <p:nvSpPr>
+            <p:cNvPr id="8" name="Rectangle 7"/>
+            <p:cNvSpPr/>
+            <p:nvPr/>
+          </p:nvSpPr>
+          <p:spPr>
+            <a:xfrm>
+              <a:off x="1357291" y="4071942"/>
+              <a:ext cx="214314" cy="214314"/>
+            </a:xfrm>
+            <a:prstGeom prst="rect">
+              <a:avLst/>
+            </a:prstGeom>
+            <a:noFill/>
+            <a:ln>
+              <a:solidFill>
+                <a:srgbClr val="FF0000"/>
+              </a:solidFill>
+            </a:ln>
+          </p:spPr>
+          <p:style>
+            <a:lnRef idx="2">
+              <a:schemeClr val="accent1">
+                <a:shade val="50000"/>
+              </a:schemeClr>
+            </a:lnRef>
+            <a:fillRef idx="1">
+              <a:schemeClr val="accent1"/>
+            </a:fillRef>
+            <a:effectRef idx="0">
+              <a:schemeClr val="accent1"/>
+            </a:effectRef>
+            <a:fontRef idx="minor">
+              <a:schemeClr val="lt1"/>
+            </a:fontRef>
+          </p:style>
+          <p:txBody>
+            <a:bodyPr rtlCol="0" anchor="ctr"/>
+            <a:lstStyle/>
+            <a:p>
+              <a:pPr algn="ctr"/>
+              <a:endParaRPr lang="fr-FR"/>
+            </a:p>
+          </p:txBody>
+        </p:sp>
+      </p:grpSp>
+      <p:pic>
+        <p:nvPicPr>
+          <p:cNvPr id="10245" name="Picture 5"/>
+          <p:cNvPicPr>
+            <a:picLocks noChangeAspect="1" noChangeArrowheads="1"/>
+          </p:cNvPicPr>
+          <p:nvPr/>
+        </p:nvPicPr>
+        <p:blipFill>
+          <a:blip r:embed="rId3"/>
+          <a:srcRect/>
+          <a:stretch>
+            <a:fillRect/>
+          </a:stretch>
+        </p:blipFill>
+        <p:spPr bwMode="auto">
+          <a:xfrm>
+            <a:off x="214282" y="4714884"/>
+            <a:ext cx="3190101" cy="1947850"/>
+          </a:xfrm>
+          <a:prstGeom prst="rect">
+            <a:avLst/>
+          </a:prstGeom>
+          <a:noFill/>
+          <a:ln w="9525">
+            <a:noFill/>
+            <a:miter lim="800000"/>
+            <a:headEnd/>
+            <a:tailEnd/>
+          </a:ln>
+          <a:effectLst/>
+        </p:spPr>
+      </p:pic>
+      <p:pic>
+        <p:nvPicPr>
+          <p:cNvPr id="10248" name="Picture 8"/>
+          <p:cNvPicPr>
+            <a:picLocks noChangeAspect="1" noChangeArrowheads="1"/>
+          </p:cNvPicPr>
+          <p:nvPr/>
+        </p:nvPicPr>
+        <p:blipFill>
+          <a:blip r:embed="rId4"/>
+          <a:srcRect/>
+          <a:stretch>
+            <a:fillRect/>
+          </a:stretch>
+        </p:blipFill>
+        <p:spPr bwMode="auto">
+          <a:xfrm>
+            <a:off x="4214810" y="4143380"/>
+            <a:ext cx="4126085" cy="2519354"/>
+          </a:xfrm>
+          <a:prstGeom prst="rect">
+            <a:avLst/>
+          </a:prstGeom>
+          <a:noFill/>
+          <a:ln w="9525">
+            <a:noFill/>
+            <a:miter lim="800000"/>
+            <a:headEnd/>
+            <a:tailEnd/>
+          </a:ln>
+          <a:effectLst/>
+        </p:spPr>
+      </p:pic>
+      <p:sp>
+        <p:nvSpPr>
+          <p:cNvPr id="15" name="Rectangle 14"/>
+          <p:cNvSpPr/>
+          <p:nvPr/>
+        </p:nvSpPr>
+        <p:spPr>
+          <a:xfrm>
+            <a:off x="2071670" y="6429396"/>
+            <a:ext cx="428628" cy="142876"/>
+          </a:xfrm>
+          <a:prstGeom prst="rect">
+            <a:avLst/>
+          </a:prstGeom>
+          <a:noFill/>
+          <a:ln>
+            <a:solidFill>
+              <a:srgbClr val="FF0000"/>
+            </a:solidFill>
+          </a:ln>
+        </p:spPr>
+        <p:style>
+          <a:lnRef idx="2">
+            <a:schemeClr val="accent1">
+              <a:shade val="50000"/>
+            </a:schemeClr>
+          </a:lnRef>
+          <a:fillRef idx="1">
+            <a:schemeClr val="accent1"/>
+          </a:fillRef>
+          <a:effectRef idx="0">
+            <a:schemeClr val="accent1"/>
+          </a:effectRef>
+          <a:fontRef idx="minor">
+            <a:schemeClr val="lt1"/>
+          </a:fontRef>
+        </p:style>
+        <p:txBody>
+          <a:bodyPr rtlCol="0" anchor="ctr"/>
+          <a:lstStyle/>
+          <a:p>
+            <a:pPr algn="ctr"/>
+            <a:endParaRPr lang="fr-FR"/>
+          </a:p>
+        </p:txBody>
+      </p:sp>
+      <p:sp>
+        <p:nvSpPr>
+          <p:cNvPr id="16" name="Rectangle 15"/>
+          <p:cNvSpPr/>
+          <p:nvPr/>
+        </p:nvSpPr>
+        <p:spPr>
+          <a:xfrm>
+            <a:off x="6429388" y="5000636"/>
+            <a:ext cx="500066" cy="142876"/>
+          </a:xfrm>
+          <a:prstGeom prst="rect">
+            <a:avLst/>
+          </a:prstGeom>
+          <a:noFill/>
+          <a:ln>
+            <a:solidFill>
+              <a:srgbClr val="FF0000"/>
+            </a:solidFill>
+          </a:ln>
+        </p:spPr>
+        <p:style>
+          <a:lnRef idx="2">
+            <a:schemeClr val="accent1">
+              <a:shade val="50000"/>
+            </a:schemeClr>
+          </a:lnRef>
+          <a:fillRef idx="1">
+            <a:schemeClr val="accent1"/>
+          </a:fillRef>
+          <a:effectRef idx="0">
+            <a:schemeClr val="accent1"/>
+          </a:effectRef>
+          <a:fontRef idx="minor">
+            <a:schemeClr val="lt1"/>
+          </a:fontRef>
+        </p:style>
+        <p:txBody>
+          <a:bodyPr rtlCol="0" anchor="ctr"/>
+          <a:lstStyle/>
+          <a:p>
+            <a:pPr algn="ctr"/>
+            <a:endParaRPr lang="fr-FR"/>
+          </a:p>
+        </p:txBody>
+      </p:sp>
+      <p:sp>
+        <p:nvSpPr>
+          <p:cNvPr id="17" name="Rectangle 16"/>
+          <p:cNvSpPr/>
+          <p:nvPr/>
+        </p:nvSpPr>
+        <p:spPr>
+          <a:xfrm>
+            <a:off x="4786314" y="5000636"/>
+            <a:ext cx="714380" cy="142876"/>
+          </a:xfrm>
+          <a:prstGeom prst="rect">
+            <a:avLst/>
+          </a:prstGeom>
+          <a:noFill/>
+          <a:ln>
+            <a:solidFill>
+              <a:srgbClr val="FF0000"/>
+            </a:solidFill>
+          </a:ln>
+        </p:spPr>
+        <p:style>
+          <a:lnRef idx="2">
+            <a:schemeClr val="accent1">
+              <a:shade val="50000"/>
+            </a:schemeClr>
+          </a:lnRef>
+          <a:fillRef idx="1">
+            <a:schemeClr val="accent1"/>
+          </a:fillRef>
+          <a:effectRef idx="0">
+            <a:schemeClr val="accent1"/>
+          </a:effectRef>
+          <a:fontRef idx="minor">
+            <a:schemeClr val="lt1"/>
+          </a:fontRef>
+        </p:style>
+        <p:txBody>
+          <a:bodyPr rtlCol="0" anchor="ctr"/>
+          <a:lstStyle/>
+          <a:p>
+            <a:pPr algn="ctr"/>
+            <a:endParaRPr lang="fr-FR"/>
+          </a:p>
+        </p:txBody>
+      </p:sp>
+      <p:sp>
+        <p:nvSpPr>
+          <p:cNvPr id="18" name="Rectangle 17"/>
+          <p:cNvSpPr/>
+          <p:nvPr/>
+        </p:nvSpPr>
+        <p:spPr>
+          <a:xfrm>
+            <a:off x="4500562" y="5572140"/>
+            <a:ext cx="1714512" cy="571504"/>
+          </a:xfrm>
+          <a:prstGeom prst="rect">
+            <a:avLst/>
+          </a:prstGeom>
+          <a:noFill/>
+          <a:ln>
+            <a:solidFill>
+              <a:srgbClr val="FF0000"/>
+            </a:solidFill>
+          </a:ln>
+        </p:spPr>
+        <p:style>
+          <a:lnRef idx="2">
+            <a:schemeClr val="accent1">
+              <a:shade val="50000"/>
+            </a:schemeClr>
+          </a:lnRef>
+          <a:fillRef idx="1">
+            <a:schemeClr val="accent1"/>
+          </a:fillRef>
+          <a:effectRef idx="0">
+            <a:schemeClr val="accent1"/>
+          </a:effectRef>
+          <a:fontRef idx="minor">
+            <a:schemeClr val="lt1"/>
+          </a:fontRef>
+        </p:style>
+        <p:txBody>
+          <a:bodyPr rtlCol="0" anchor="ctr"/>
+          <a:lstStyle/>
+          <a:p>
+            <a:pPr algn="ctr"/>
+            <a:endParaRPr lang="fr-FR"/>
+          </a:p>
+        </p:txBody>
+      </p:sp>
+    </p:spTree>
+  </p:cSld>
+  <p:clrMapOvr>
+    <a:masterClrMapping/>
+  </p:clrMapOvr>
+</p:sld>
+</file>
+
+<file path=ppt/slides/slide21.xml><?xml version="1.0" encoding="utf-8"?>
+<p:sld xmlns:a="http://schemas.openxmlformats.org/drawingml/2006/main" xmlns:r="http://schemas.openxmlformats.org/officeDocument/2006/relationships" xmlns:p="http://schemas.openxmlformats.org/presentationml/2006/main">
+  <p:cSld>
+    <p:spTree>
+      <p:nvGrpSpPr>
+        <p:cNvPr id="1" name=""/>
+        <p:cNvGrpSpPr/>
+        <p:nvPr/>
+      </p:nvGrpSpPr>
+      <p:grpSpPr>
+        <a:xfrm>
+          <a:off x="0" y="0"/>
+          <a:ext cx="0" cy="0"/>
+          <a:chOff x="0" y="0"/>
+          <a:chExt cx="0" cy="0"/>
+        </a:xfrm>
+      </p:grpSpPr>
+      <p:sp>
+        <p:nvSpPr>
+          <p:cNvPr id="2" name="Titre 1"/>
+          <p:cNvSpPr>
+            <a:spLocks noGrp="1"/>
+          </p:cNvSpPr>
+          <p:nvPr>
+            <p:ph type="title"/>
+          </p:nvPr>
+        </p:nvSpPr>
+        <p:spPr/>
+        <p:txBody>
+          <a:bodyPr>
+            <a:normAutofit fontScale="90000"/>
+          </a:bodyPr>
+          <a:lstStyle/>
+          <a:p>
+            <a:r>
+              <a:rPr lang="fr-FR" dirty="0" err="1" smtClean="0"/>
+              <a:t>méca</a:t>
+            </a:r>
+            <a:r>
+              <a:rPr lang="fr-FR" dirty="0" smtClean="0"/>
+              <a:t> 3D</a:t>
+            </a:r>
+            <a:br>
+              <a:rPr lang="fr-FR" dirty="0" smtClean="0"/>
+            </a:br>
+            <a:r>
+              <a:rPr lang="fr-FR" dirty="0" smtClean="0"/>
+              <a:t>Lancement de la simulation</a:t>
+            </a:r>
+            <a:endParaRPr lang="fr-FR" dirty="0"/>
+          </a:p>
+        </p:txBody>
+      </p:sp>
+      <p:sp>
+        <p:nvSpPr>
+          <p:cNvPr id="3" name="Espace réservé du contenu 2"/>
+          <p:cNvSpPr>
+            <a:spLocks noGrp="1"/>
+          </p:cNvSpPr>
+          <p:nvPr>
+            <p:ph sz="quarter" idx="1"/>
+          </p:nvPr>
+        </p:nvSpPr>
+        <p:spPr/>
+        <p:txBody>
+          <a:bodyPr/>
+          <a:lstStyle/>
+          <a:p>
+            <a:r>
+              <a:rPr lang="fr-FR" dirty="0" smtClean="0"/>
+              <a:t>Visualiser le mouvement du piston</a:t>
+            </a:r>
+          </a:p>
+          <a:p>
+            <a:endParaRPr lang="fr-FR" dirty="0" smtClean="0"/>
+          </a:p>
+          <a:p>
+            <a:endParaRPr lang="fr-FR" dirty="0" smtClean="0"/>
+          </a:p>
+          <a:p>
+            <a:endParaRPr lang="fr-FR" dirty="0" smtClean="0"/>
+          </a:p>
+          <a:p>
+            <a:endParaRPr lang="fr-FR" dirty="0" smtClean="0"/>
+          </a:p>
+          <a:p>
+            <a:endParaRPr lang="fr-FR" dirty="0" smtClean="0"/>
+          </a:p>
+          <a:p>
+            <a:r>
+              <a:rPr lang="fr-FR" b="1" dirty="0" smtClean="0"/>
+              <a:t>Quel est, d’après vous, la courbe de la vitesse en fonction du temps ?</a:t>
+            </a:r>
+            <a:endParaRPr lang="fr-FR" b="1" dirty="0"/>
+          </a:p>
+        </p:txBody>
+      </p:sp>
+      <p:sp>
+        <p:nvSpPr>
+          <p:cNvPr id="4" name="Espace réservé du numéro de diapositive 3"/>
+          <p:cNvSpPr>
+            <a:spLocks noGrp="1"/>
+          </p:cNvSpPr>
+          <p:nvPr>
+            <p:ph type="sldNum" sz="quarter" idx="15"/>
+          </p:nvPr>
+        </p:nvSpPr>
+        <p:spPr/>
+        <p:txBody>
+          <a:bodyPr/>
+          <a:lstStyle/>
+          <a:p>
+            <a:fld id="{CF4668DC-857F-487D-BFFA-8C0CA5037977}" type="slidenum">
+              <a:rPr lang="fr-BE" smtClean="0"/>
+              <a:pPr/>
+              <a:t>21</a:t>
+            </a:fld>
+            <a:endParaRPr lang="fr-BE"/>
+          </a:p>
+        </p:txBody>
+      </p:sp>
+      <p:pic>
+        <p:nvPicPr>
+          <p:cNvPr id="11267" name="Picture 3"/>
+          <p:cNvPicPr>
+            <a:picLocks noChangeAspect="1" noChangeArrowheads="1"/>
+          </p:cNvPicPr>
+          <p:nvPr/>
+        </p:nvPicPr>
+        <p:blipFill>
+          <a:blip r:embed="rId2"/>
+          <a:srcRect/>
+          <a:stretch>
+            <a:fillRect/>
+          </a:stretch>
+        </p:blipFill>
+        <p:spPr bwMode="auto">
+          <a:xfrm>
+            <a:off x="5786446" y="1357298"/>
+            <a:ext cx="2600325" cy="1924050"/>
+          </a:xfrm>
+          <a:prstGeom prst="rect">
+            <a:avLst/>
+          </a:prstGeom>
+          <a:noFill/>
+          <a:ln w="9525">
+            <a:noFill/>
+            <a:miter lim="800000"/>
+            <a:headEnd/>
+            <a:tailEnd/>
+          </a:ln>
+          <a:effectLst/>
+        </p:spPr>
+      </p:pic>
+      <p:sp>
+        <p:nvSpPr>
+          <p:cNvPr id="8" name="Rectangle 7"/>
+          <p:cNvSpPr/>
+          <p:nvPr/>
+        </p:nvSpPr>
+        <p:spPr>
+          <a:xfrm>
+            <a:off x="7072330" y="1357298"/>
+            <a:ext cx="285752" cy="285752"/>
+          </a:xfrm>
+          <a:prstGeom prst="rect">
+            <a:avLst/>
+          </a:prstGeom>
+          <a:noFill/>
+          <a:ln>
+            <a:solidFill>
+              <a:srgbClr val="FF0000"/>
+            </a:solidFill>
+          </a:ln>
+        </p:spPr>
+        <p:style>
+          <a:lnRef idx="2">
+            <a:schemeClr val="accent1">
+              <a:shade val="50000"/>
+            </a:schemeClr>
+          </a:lnRef>
+          <a:fillRef idx="1">
+            <a:schemeClr val="accent1"/>
+          </a:fillRef>
+          <a:effectRef idx="0">
+            <a:schemeClr val="accent1"/>
+          </a:effectRef>
+          <a:fontRef idx="minor">
+            <a:schemeClr val="lt1"/>
+          </a:fontRef>
+        </p:style>
+        <p:txBody>
+          <a:bodyPr rtlCol="0" anchor="ctr"/>
+          <a:lstStyle/>
+          <a:p>
+            <a:pPr algn="ctr"/>
+            <a:endParaRPr lang="fr-FR"/>
+          </a:p>
+        </p:txBody>
+      </p:sp>
+      <p:sp>
+        <p:nvSpPr>
+          <p:cNvPr id="9" name="Rectangle 8"/>
+          <p:cNvSpPr/>
+          <p:nvPr/>
+        </p:nvSpPr>
+        <p:spPr>
+          <a:xfrm>
+            <a:off x="5786446" y="2500306"/>
+            <a:ext cx="2571768" cy="714380"/>
+          </a:xfrm>
+          <a:prstGeom prst="rect">
+            <a:avLst/>
+          </a:prstGeom>
+          <a:noFill/>
+          <a:ln>
+            <a:solidFill>
+              <a:srgbClr val="FF0000"/>
+            </a:solidFill>
+          </a:ln>
+        </p:spPr>
+        <p:style>
+          <a:lnRef idx="2">
+            <a:schemeClr val="accent1">
+              <a:shade val="50000"/>
+            </a:schemeClr>
+          </a:lnRef>
+          <a:fillRef idx="1">
+            <a:schemeClr val="accent1"/>
+          </a:fillRef>
+          <a:effectRef idx="0">
+            <a:schemeClr val="accent1"/>
+          </a:effectRef>
+          <a:fontRef idx="minor">
+            <a:schemeClr val="lt1"/>
+          </a:fontRef>
+        </p:style>
+        <p:txBody>
+          <a:bodyPr rtlCol="0" anchor="ctr"/>
+          <a:lstStyle/>
+          <a:p>
+            <a:pPr algn="ctr"/>
+            <a:endParaRPr lang="fr-FR"/>
+          </a:p>
+        </p:txBody>
+      </p:sp>
+    </p:spTree>
+  </p:cSld>
+  <p:clrMapOvr>
+    <a:masterClrMapping/>
+  </p:clrMapOvr>
+</p:sld>
+</file>
+
+<file path=ppt/slides/slide22.xml><?xml version="1.0" encoding="utf-8"?>
+<p:sld xmlns:a="http://schemas.openxmlformats.org/drawingml/2006/main" xmlns:r="http://schemas.openxmlformats.org/officeDocument/2006/relationships" xmlns:p="http://schemas.openxmlformats.org/presentationml/2006/main">
+  <p:cSld>
+    <p:spTree>
+      <p:nvGrpSpPr>
+        <p:cNvPr id="1" name=""/>
+        <p:cNvGrpSpPr/>
+        <p:nvPr/>
+      </p:nvGrpSpPr>
+      <p:grpSpPr>
+        <a:xfrm>
+          <a:off x="0" y="0"/>
+          <a:ext cx="0" cy="0"/>
+          <a:chOff x="0" y="0"/>
+          <a:chExt cx="0" cy="0"/>
+        </a:xfrm>
+      </p:grpSpPr>
+      <p:sp>
+        <p:nvSpPr>
+          <p:cNvPr id="2" name="Titre 1"/>
+          <p:cNvSpPr>
+            <a:spLocks noGrp="1"/>
+          </p:cNvSpPr>
+          <p:nvPr>
+            <p:ph type="title"/>
+          </p:nvPr>
+        </p:nvSpPr>
+        <p:spPr/>
+        <p:txBody>
+          <a:bodyPr>
+            <a:normAutofit fontScale="90000"/>
+          </a:bodyPr>
+          <a:lstStyle/>
+          <a:p>
+            <a:r>
+              <a:rPr lang="fr-FR" dirty="0" err="1" smtClean="0"/>
+              <a:t>Méca</a:t>
+            </a:r>
+            <a:r>
+              <a:rPr lang="fr-FR" dirty="0" smtClean="0"/>
+              <a:t> 3D</a:t>
+            </a:r>
+            <a:br>
+              <a:rPr lang="fr-FR" dirty="0" smtClean="0"/>
+            </a:br>
+            <a:r>
+              <a:rPr lang="fr-FR" dirty="0" smtClean="0"/>
+              <a:t>Tracé de courbes</a:t>
+            </a:r>
+            <a:endParaRPr lang="fr-FR" dirty="0"/>
+          </a:p>
+        </p:txBody>
+      </p:sp>
+      <p:sp>
+        <p:nvSpPr>
+          <p:cNvPr id="3" name="Espace réservé du contenu 2"/>
+          <p:cNvSpPr>
+            <a:spLocks noGrp="1"/>
+          </p:cNvSpPr>
+          <p:nvPr>
+            <p:ph sz="quarter" idx="1"/>
+          </p:nvPr>
+        </p:nvSpPr>
+        <p:spPr/>
+        <p:txBody>
+          <a:bodyPr/>
+          <a:lstStyle/>
+          <a:p>
+            <a:r>
+              <a:rPr lang="fr-FR" dirty="0" smtClean="0"/>
+              <a:t>On va tracer la courbe de vitesse du piston. </a:t>
+            </a:r>
+          </a:p>
+          <a:p>
+            <a:r>
+              <a:rPr lang="fr-FR" dirty="0" smtClean="0"/>
+              <a:t>Pour cela :</a:t>
+            </a:r>
+          </a:p>
+          <a:p>
+            <a:pPr lvl="1"/>
+            <a:r>
+              <a:rPr lang="fr-FR" dirty="0" smtClean="0"/>
+              <a:t>Clic droit sur Courbes</a:t>
+            </a:r>
+          </a:p>
+          <a:p>
+            <a:pPr lvl="2"/>
+            <a:r>
+              <a:rPr lang="fr-FR" dirty="0" smtClean="0"/>
+              <a:t>Ajouter</a:t>
+            </a:r>
+          </a:p>
+          <a:p>
+            <a:pPr lvl="2"/>
+            <a:r>
+              <a:rPr lang="fr-FR" dirty="0" smtClean="0"/>
+              <a:t>Simple</a:t>
+            </a:r>
+          </a:p>
+          <a:p>
+            <a:pPr lvl="2"/>
+            <a:endParaRPr lang="fr-FR" dirty="0" smtClean="0"/>
+          </a:p>
+          <a:p>
+            <a:pPr lvl="1"/>
+            <a:r>
+              <a:rPr lang="fr-FR" dirty="0" smtClean="0"/>
+              <a:t>Remplir la fenêtre qui s’ouvre</a:t>
+            </a:r>
+          </a:p>
+          <a:p>
+            <a:pPr lvl="1"/>
+            <a:r>
+              <a:rPr lang="fr-FR" dirty="0" smtClean="0"/>
+              <a:t>Cliquer sur Ajouter</a:t>
+            </a:r>
+            <a:endParaRPr lang="fr-FR" dirty="0"/>
+          </a:p>
+        </p:txBody>
+      </p:sp>
+      <p:sp>
+        <p:nvSpPr>
+          <p:cNvPr id="4" name="Espace réservé du numéro de diapositive 3"/>
+          <p:cNvSpPr>
+            <a:spLocks noGrp="1"/>
+          </p:cNvSpPr>
+          <p:nvPr>
+            <p:ph type="sldNum" sz="quarter" idx="15"/>
+          </p:nvPr>
+        </p:nvSpPr>
+        <p:spPr/>
+        <p:txBody>
+          <a:bodyPr/>
+          <a:lstStyle/>
+          <a:p>
+            <a:fld id="{CF4668DC-857F-487D-BFFA-8C0CA5037977}" type="slidenum">
+              <a:rPr lang="fr-BE" smtClean="0"/>
+              <a:pPr/>
+              <a:t>22</a:t>
+            </a:fld>
+            <a:endParaRPr lang="fr-BE"/>
+          </a:p>
+        </p:txBody>
+      </p:sp>
+      <p:pic>
+        <p:nvPicPr>
+          <p:cNvPr id="12291" name="Picture 3"/>
+          <p:cNvPicPr>
+            <a:picLocks noChangeAspect="1" noChangeArrowheads="1"/>
+          </p:cNvPicPr>
+          <p:nvPr/>
+        </p:nvPicPr>
+        <p:blipFill>
+          <a:blip r:embed="rId2"/>
+          <a:srcRect/>
+          <a:stretch>
+            <a:fillRect/>
+          </a:stretch>
+        </p:blipFill>
+        <p:spPr bwMode="auto">
+          <a:xfrm>
+            <a:off x="4786314" y="1857364"/>
+            <a:ext cx="3648075" cy="1123950"/>
+          </a:xfrm>
+          <a:prstGeom prst="rect">
+            <a:avLst/>
+          </a:prstGeom>
+          <a:noFill/>
+          <a:ln w="9525">
+            <a:noFill/>
+            <a:miter lim="800000"/>
+            <a:headEnd/>
+            <a:tailEnd/>
+          </a:ln>
+          <a:effectLst/>
+        </p:spPr>
+      </p:pic>
+      <p:pic>
+        <p:nvPicPr>
+          <p:cNvPr id="12292" name="Picture 4"/>
+          <p:cNvPicPr>
+            <a:picLocks noChangeAspect="1" noChangeArrowheads="1"/>
+          </p:cNvPicPr>
+          <p:nvPr/>
+        </p:nvPicPr>
+        <p:blipFill>
+          <a:blip r:embed="rId3"/>
+          <a:srcRect/>
+          <a:stretch>
+            <a:fillRect/>
+          </a:stretch>
+        </p:blipFill>
+        <p:spPr bwMode="auto">
+          <a:xfrm>
+            <a:off x="5286380" y="3071810"/>
+            <a:ext cx="3162300" cy="3629025"/>
+          </a:xfrm>
+          <a:prstGeom prst="rect">
+            <a:avLst/>
+          </a:prstGeom>
+          <a:noFill/>
+          <a:ln w="9525">
+            <a:noFill/>
+            <a:miter lim="800000"/>
+            <a:headEnd/>
+            <a:tailEnd/>
+          </a:ln>
+          <a:effectLst/>
+        </p:spPr>
+      </p:pic>
+      <p:sp>
+        <p:nvSpPr>
+          <p:cNvPr id="8" name="Rectangle 7"/>
+          <p:cNvSpPr/>
+          <p:nvPr/>
+        </p:nvSpPr>
+        <p:spPr>
+          <a:xfrm>
+            <a:off x="6215074" y="3714752"/>
+            <a:ext cx="1000132" cy="285752"/>
+          </a:xfrm>
+          <a:prstGeom prst="rect">
+            <a:avLst/>
+          </a:prstGeom>
+          <a:noFill/>
+          <a:ln>
+            <a:solidFill>
+              <a:srgbClr val="FF0000"/>
+            </a:solidFill>
+          </a:ln>
+        </p:spPr>
+        <p:style>
+          <a:lnRef idx="2">
+            <a:schemeClr val="accent1">
+              <a:shade val="50000"/>
+            </a:schemeClr>
+          </a:lnRef>
+          <a:fillRef idx="1">
+            <a:schemeClr val="accent1"/>
+          </a:fillRef>
+          <a:effectRef idx="0">
+            <a:schemeClr val="accent1"/>
+          </a:effectRef>
+          <a:fontRef idx="minor">
+            <a:schemeClr val="lt1"/>
+          </a:fontRef>
+        </p:style>
+        <p:txBody>
+          <a:bodyPr rtlCol="0" anchor="ctr"/>
+          <a:lstStyle/>
+          <a:p>
+            <a:pPr algn="ctr"/>
+            <a:endParaRPr lang="fr-FR"/>
+          </a:p>
+        </p:txBody>
+      </p:sp>
+      <p:sp>
+        <p:nvSpPr>
+          <p:cNvPr id="9" name="Rectangle 8"/>
+          <p:cNvSpPr/>
+          <p:nvPr/>
+        </p:nvSpPr>
+        <p:spPr>
+          <a:xfrm>
+            <a:off x="5572132" y="4429132"/>
+            <a:ext cx="1000132" cy="285752"/>
+          </a:xfrm>
+          <a:prstGeom prst="rect">
+            <a:avLst/>
+          </a:prstGeom>
+          <a:noFill/>
+          <a:ln>
+            <a:solidFill>
+              <a:srgbClr val="FF0000"/>
+            </a:solidFill>
+          </a:ln>
+        </p:spPr>
+        <p:style>
+          <a:lnRef idx="2">
+            <a:schemeClr val="accent1">
+              <a:shade val="50000"/>
+            </a:schemeClr>
+          </a:lnRef>
+          <a:fillRef idx="1">
+            <a:schemeClr val="accent1"/>
+          </a:fillRef>
+          <a:effectRef idx="0">
+            <a:schemeClr val="accent1"/>
+          </a:effectRef>
+          <a:fontRef idx="minor">
+            <a:schemeClr val="lt1"/>
+          </a:fontRef>
+        </p:style>
+        <p:txBody>
+          <a:bodyPr rtlCol="0" anchor="ctr"/>
+          <a:lstStyle/>
+          <a:p>
+            <a:pPr algn="ctr"/>
+            <a:endParaRPr lang="fr-FR"/>
+          </a:p>
+        </p:txBody>
+      </p:sp>
+      <p:sp>
+        <p:nvSpPr>
+          <p:cNvPr id="10" name="Rectangle 9"/>
+          <p:cNvSpPr/>
+          <p:nvPr/>
+        </p:nvSpPr>
+        <p:spPr>
+          <a:xfrm>
+            <a:off x="5500694" y="5643578"/>
+            <a:ext cx="785818" cy="285752"/>
+          </a:xfrm>
+          <a:prstGeom prst="rect">
+            <a:avLst/>
+          </a:prstGeom>
+          <a:noFill/>
+          <a:ln>
+            <a:solidFill>
+              <a:srgbClr val="FF0000"/>
+            </a:solidFill>
+          </a:ln>
+        </p:spPr>
+        <p:style>
+          <a:lnRef idx="2">
+            <a:schemeClr val="accent1">
+              <a:shade val="50000"/>
+            </a:schemeClr>
+          </a:lnRef>
+          <a:fillRef idx="1">
+            <a:schemeClr val="accent1"/>
+          </a:fillRef>
+          <a:effectRef idx="0">
+            <a:schemeClr val="accent1"/>
+          </a:effectRef>
+          <a:fontRef idx="minor">
+            <a:schemeClr val="lt1"/>
+          </a:fontRef>
+        </p:style>
+        <p:txBody>
+          <a:bodyPr rtlCol="0" anchor="ctr"/>
+          <a:lstStyle/>
+          <a:p>
+            <a:pPr algn="ctr"/>
+            <a:endParaRPr lang="fr-FR"/>
+          </a:p>
+        </p:txBody>
+      </p:sp>
+      <p:sp>
+        <p:nvSpPr>
+          <p:cNvPr id="11" name="Rectangle 10"/>
+          <p:cNvSpPr/>
+          <p:nvPr/>
+        </p:nvSpPr>
+        <p:spPr>
+          <a:xfrm>
+            <a:off x="6357950" y="5286388"/>
+            <a:ext cx="1785950" cy="571504"/>
+          </a:xfrm>
+          <a:prstGeom prst="rect">
+            <a:avLst/>
+          </a:prstGeom>
+          <a:noFill/>
+          <a:ln>
+            <a:solidFill>
+              <a:srgbClr val="FF0000"/>
+            </a:solidFill>
+          </a:ln>
+        </p:spPr>
+        <p:style>
+          <a:lnRef idx="2">
+            <a:schemeClr val="accent1">
+              <a:shade val="50000"/>
+            </a:schemeClr>
+          </a:lnRef>
+          <a:fillRef idx="1">
+            <a:schemeClr val="accent1"/>
+          </a:fillRef>
+          <a:effectRef idx="0">
+            <a:schemeClr val="accent1"/>
+          </a:effectRef>
+          <a:fontRef idx="minor">
+            <a:schemeClr val="lt1"/>
+          </a:fontRef>
+        </p:style>
+        <p:txBody>
+          <a:bodyPr rtlCol="0" anchor="t"/>
+          <a:lstStyle/>
+          <a:p>
+            <a:pPr algn="ctr"/>
+            <a:r>
+              <a:rPr lang="fr-FR" sz="1100" b="1" dirty="0" smtClean="0">
+                <a:solidFill>
+                  <a:srgbClr val="FF0000"/>
+                </a:solidFill>
+                <a:latin typeface="Calibri" pitchFamily="34" charset="0"/>
+              </a:rPr>
+              <a:t>Choisir la direction adaptée</a:t>
+            </a:r>
+            <a:endParaRPr lang="fr-FR" sz="1100" b="1" dirty="0">
+              <a:solidFill>
+                <a:srgbClr val="FF0000"/>
+              </a:solidFill>
+              <a:latin typeface="Calibri" pitchFamily="34" charset="0"/>
+            </a:endParaRPr>
+          </a:p>
+        </p:txBody>
+      </p:sp>
+    </p:spTree>
+  </p:cSld>
+  <p:clrMapOvr>
+    <a:masterClrMapping/>
+  </p:clrMapOvr>
+</p:sld>
+</file>
+
+<file path=ppt/slides/slide23.xml><?xml version="1.0" encoding="utf-8"?>
+<p:sld xmlns:a="http://schemas.openxmlformats.org/drawingml/2006/main" xmlns:r="http://schemas.openxmlformats.org/officeDocument/2006/relationships" xmlns:p="http://schemas.openxmlformats.org/presentationml/2006/main">
+  <p:cSld>
+    <p:spTree>
+      <p:nvGrpSpPr>
+        <p:cNvPr id="1" name=""/>
+        <p:cNvGrpSpPr/>
+        <p:nvPr/>
+      </p:nvGrpSpPr>
+      <p:grpSpPr>
+        <a:xfrm>
+          <a:off x="0" y="0"/>
+          <a:ext cx="0" cy="0"/>
+          <a:chOff x="0" y="0"/>
+          <a:chExt cx="0" cy="0"/>
+        </a:xfrm>
+      </p:grpSpPr>
+      <p:sp>
+        <p:nvSpPr>
+          <p:cNvPr id="2" name="Titre 1"/>
+          <p:cNvSpPr>
+            <a:spLocks noGrp="1"/>
+          </p:cNvSpPr>
+          <p:nvPr>
+            <p:ph type="title"/>
+          </p:nvPr>
+        </p:nvSpPr>
+        <p:spPr/>
+        <p:txBody>
+          <a:bodyPr>
+            <a:normAutofit fontScale="90000"/>
+          </a:bodyPr>
+          <a:lstStyle/>
+          <a:p>
+            <a:r>
+              <a:rPr lang="fr-FR" dirty="0" err="1" smtClean="0"/>
+              <a:t>Méca</a:t>
+            </a:r>
+            <a:r>
+              <a:rPr lang="fr-FR" dirty="0" smtClean="0"/>
+              <a:t> 3D</a:t>
+            </a:r>
+            <a:br>
+              <a:rPr lang="fr-FR" dirty="0" smtClean="0"/>
+            </a:br>
+            <a:r>
+              <a:rPr lang="fr-FR" dirty="0" smtClean="0"/>
+              <a:t>Tracé des courbes</a:t>
+            </a:r>
+            <a:endParaRPr lang="fr-FR" dirty="0"/>
+          </a:p>
+        </p:txBody>
+      </p:sp>
+      <p:sp>
+        <p:nvSpPr>
+          <p:cNvPr id="3" name="Espace réservé du contenu 2"/>
+          <p:cNvSpPr>
+            <a:spLocks noGrp="1"/>
+          </p:cNvSpPr>
+          <p:nvPr>
+            <p:ph sz="quarter" idx="1"/>
+          </p:nvPr>
+        </p:nvSpPr>
+        <p:spPr/>
+        <p:txBody>
+          <a:bodyPr/>
+          <a:lstStyle/>
+          <a:p>
+            <a:r>
+              <a:rPr lang="fr-FR" dirty="0" smtClean="0"/>
+              <a:t>Clic droit sur Courbe1</a:t>
+            </a:r>
+          </a:p>
+          <a:p>
+            <a:pPr lvl="1"/>
+            <a:r>
+              <a:rPr lang="fr-FR" dirty="0" smtClean="0"/>
+              <a:t>Afficher</a:t>
+            </a:r>
+            <a:endParaRPr lang="fr-FR" dirty="0"/>
+          </a:p>
+        </p:txBody>
+      </p:sp>
+      <p:sp>
+        <p:nvSpPr>
+          <p:cNvPr id="4" name="Espace réservé du numéro de diapositive 3"/>
+          <p:cNvSpPr>
+            <a:spLocks noGrp="1"/>
+          </p:cNvSpPr>
+          <p:nvPr>
+            <p:ph type="sldNum" sz="quarter" idx="15"/>
+          </p:nvPr>
+        </p:nvSpPr>
+        <p:spPr/>
+        <p:txBody>
+          <a:bodyPr/>
+          <a:lstStyle/>
+          <a:p>
+            <a:fld id="{CF4668DC-857F-487D-BFFA-8C0CA5037977}" type="slidenum">
+              <a:rPr lang="fr-BE" smtClean="0"/>
+              <a:pPr/>
+              <a:t>23</a:t>
+            </a:fld>
+            <a:endParaRPr lang="fr-BE"/>
+          </a:p>
+        </p:txBody>
+      </p:sp>
+      <p:pic>
+        <p:nvPicPr>
+          <p:cNvPr id="13315" name="Picture 3"/>
+          <p:cNvPicPr>
+            <a:picLocks noChangeAspect="1" noChangeArrowheads="1"/>
+          </p:cNvPicPr>
+          <p:nvPr/>
+        </p:nvPicPr>
+        <p:blipFill>
+          <a:blip r:embed="rId2"/>
+          <a:srcRect/>
+          <a:stretch>
+            <a:fillRect/>
+          </a:stretch>
+        </p:blipFill>
+        <p:spPr bwMode="auto">
+          <a:xfrm>
+            <a:off x="2928926" y="2214554"/>
+            <a:ext cx="2609850" cy="1714500"/>
+          </a:xfrm>
+          <a:prstGeom prst="rect">
+            <a:avLst/>
+          </a:prstGeom>
+          <a:noFill/>
+          <a:ln w="9525">
+            <a:noFill/>
+            <a:miter lim="800000"/>
+            <a:headEnd/>
+            <a:tailEnd/>
+          </a:ln>
+          <a:effectLst/>
+        </p:spPr>
+      </p:pic>
+    </p:spTree>
+  </p:cSld>
+  <p:clrMapOvr>
+    <a:masterClrMapping/>
+  </p:clrMapOvr>
+</p:sld>
+</file>
+
+<file path=ppt/slides/slide24.xml><?xml version="1.0" encoding="utf-8"?>
+<p:sld xmlns:a="http://schemas.openxmlformats.org/drawingml/2006/main" xmlns:r="http://schemas.openxmlformats.org/officeDocument/2006/relationships" xmlns:p="http://schemas.openxmlformats.org/presentationml/2006/main">
+  <p:cSld>
+    <p:spTree>
+      <p:nvGrpSpPr>
+        <p:cNvPr id="1" name=""/>
+        <p:cNvGrpSpPr/>
+        <p:nvPr/>
+      </p:nvGrpSpPr>
+      <p:grpSpPr>
+        <a:xfrm>
+          <a:off x="0" y="0"/>
+          <a:ext cx="0" cy="0"/>
+          <a:chOff x="0" y="0"/>
+          <a:chExt cx="0" cy="0"/>
+        </a:xfrm>
+      </p:grpSpPr>
+      <p:sp>
+        <p:nvSpPr>
+          <p:cNvPr id="5" name="Titre 4"/>
+          <p:cNvSpPr>
+            <a:spLocks noGrp="1"/>
+          </p:cNvSpPr>
+          <p:nvPr>
+            <p:ph type="title"/>
+          </p:nvPr>
+        </p:nvSpPr>
+        <p:spPr/>
+        <p:txBody>
+          <a:bodyPr/>
+          <a:lstStyle/>
+          <a:p>
+            <a:r>
+              <a:rPr lang="fr-FR" dirty="0" smtClean="0"/>
+              <a:t>Exploitation de la courbe</a:t>
+            </a:r>
+            <a:endParaRPr lang="fr-FR" dirty="0"/>
+          </a:p>
+        </p:txBody>
+      </p:sp>
+      <p:sp>
+        <p:nvSpPr>
+          <p:cNvPr id="6" name="Espace réservé du texte 5"/>
+          <p:cNvSpPr>
+            <a:spLocks noGrp="1"/>
+          </p:cNvSpPr>
+          <p:nvPr>
+            <p:ph type="body" idx="1"/>
+          </p:nvPr>
+        </p:nvSpPr>
+        <p:spPr/>
+        <p:txBody>
+          <a:bodyPr/>
+          <a:lstStyle/>
+          <a:p>
+            <a:endParaRPr lang="fr-FR"/>
+          </a:p>
+        </p:txBody>
+      </p:sp>
+      <p:sp>
+        <p:nvSpPr>
+          <p:cNvPr id="4" name="Espace réservé du numéro de diapositive 3"/>
+          <p:cNvSpPr>
+            <a:spLocks noGrp="1"/>
+          </p:cNvSpPr>
+          <p:nvPr>
+            <p:ph type="sldNum" sz="quarter" idx="12"/>
+          </p:nvPr>
+        </p:nvSpPr>
+        <p:spPr/>
+        <p:txBody>
+          <a:bodyPr/>
+          <a:lstStyle/>
+          <a:p>
+            <a:fld id="{CF4668DC-857F-487D-BFFA-8C0CA5037977}" type="slidenum">
+              <a:rPr lang="fr-BE" smtClean="0"/>
+              <a:pPr/>
+              <a:t>24</a:t>
+            </a:fld>
+            <a:endParaRPr lang="fr-BE"/>
+          </a:p>
+        </p:txBody>
+      </p:sp>
+    </p:spTree>
+  </p:cSld>
+  <p:clrMapOvr>
+    <a:masterClrMapping/>
+  </p:clrMapOvr>
+</p:sld>
+</file>
+
+<file path=ppt/slides/slide25.xml><?xml version="1.0" encoding="utf-8"?>
+<p:sld xmlns:a="http://schemas.openxmlformats.org/drawingml/2006/main" xmlns:r="http://schemas.openxmlformats.org/officeDocument/2006/relationships" xmlns:p="http://schemas.openxmlformats.org/presentationml/2006/main">
+  <p:cSld>
+    <p:spTree>
+      <p:nvGrpSpPr>
+        <p:cNvPr id="1" name=""/>
+        <p:cNvGrpSpPr/>
+        <p:nvPr/>
+      </p:nvGrpSpPr>
+      <p:grpSpPr>
+        <a:xfrm>
+          <a:off x="0" y="0"/>
+          <a:ext cx="0" cy="0"/>
+          <a:chOff x="0" y="0"/>
+          <a:chExt cx="0" cy="0"/>
+        </a:xfrm>
+      </p:grpSpPr>
+      <p:sp>
+        <p:nvSpPr>
+          <p:cNvPr id="7" name="Titre 6"/>
+          <p:cNvSpPr>
+            <a:spLocks noGrp="1"/>
+          </p:cNvSpPr>
+          <p:nvPr>
+            <p:ph type="title"/>
+          </p:nvPr>
+        </p:nvSpPr>
+        <p:spPr/>
+        <p:txBody>
+          <a:bodyPr/>
+          <a:lstStyle/>
+          <a:p>
+            <a:r>
+              <a:rPr lang="fr-FR" dirty="0" smtClean="0"/>
+              <a:t>Tracer de la courbe</a:t>
+            </a:r>
+            <a:endParaRPr lang="fr-FR" dirty="0"/>
+          </a:p>
+        </p:txBody>
+      </p:sp>
+      <p:sp>
+        <p:nvSpPr>
+          <p:cNvPr id="8" name="Espace réservé du contenu 7"/>
+          <p:cNvSpPr>
+            <a:spLocks noGrp="1"/>
+          </p:cNvSpPr>
+          <p:nvPr>
+            <p:ph sz="quarter" idx="1"/>
+          </p:nvPr>
+        </p:nvSpPr>
+        <p:spPr/>
+        <p:txBody>
+          <a:bodyPr/>
+          <a:lstStyle/>
+          <a:p>
+            <a:r>
+              <a:rPr lang="fr-FR" dirty="0" smtClean="0"/>
+              <a:t>Retracer la courbes pour qu’elle s’affiche sur 0,4 secondes avec 1200 points</a:t>
+            </a:r>
+            <a:endParaRPr lang="fr-FR" dirty="0"/>
+          </a:p>
+        </p:txBody>
+      </p:sp>
+      <p:sp>
+        <p:nvSpPr>
+          <p:cNvPr id="4" name="Espace réservé du numéro de diapositive 3"/>
+          <p:cNvSpPr>
+            <a:spLocks noGrp="1"/>
+          </p:cNvSpPr>
+          <p:nvPr>
+            <p:ph type="sldNum" sz="quarter" idx="15"/>
+          </p:nvPr>
+        </p:nvSpPr>
+        <p:spPr/>
+        <p:txBody>
+          <a:bodyPr/>
+          <a:lstStyle/>
+          <a:p>
+            <a:fld id="{CF4668DC-857F-487D-BFFA-8C0CA5037977}" type="slidenum">
+              <a:rPr lang="fr-BE" smtClean="0"/>
+              <a:pPr/>
+              <a:t>25</a:t>
+            </a:fld>
+            <a:endParaRPr lang="fr-BE"/>
+          </a:p>
+        </p:txBody>
+      </p:sp>
+      <p:pic>
+        <p:nvPicPr>
+          <p:cNvPr id="14338" name="Picture 2"/>
+          <p:cNvPicPr>
+            <a:picLocks noChangeAspect="1" noChangeArrowheads="1"/>
+          </p:cNvPicPr>
+          <p:nvPr/>
+        </p:nvPicPr>
+        <p:blipFill>
+          <a:blip r:embed="rId2"/>
+          <a:srcRect/>
+          <a:stretch>
+            <a:fillRect/>
+          </a:stretch>
+        </p:blipFill>
+        <p:spPr bwMode="auto">
+          <a:xfrm>
+            <a:off x="857224" y="1925506"/>
+            <a:ext cx="6357982" cy="4932494"/>
+          </a:xfrm>
+          <a:prstGeom prst="rect">
+            <a:avLst/>
+          </a:prstGeom>
+          <a:noFill/>
+          <a:ln w="9525">
+            <a:noFill/>
+            <a:miter lim="800000"/>
+            <a:headEnd/>
+            <a:tailEnd/>
+          </a:ln>
+          <a:effectLst/>
+        </p:spPr>
+      </p:pic>
+    </p:spTree>
+  </p:cSld>
+  <p:clrMapOvr>
+    <a:masterClrMapping/>
+  </p:clrMapOvr>
+</p:sld>
+</file>
+
+<file path=ppt/slides/slide26.xml><?xml version="1.0" encoding="utf-8"?>
+<p:sld xmlns:a="http://schemas.openxmlformats.org/drawingml/2006/main" xmlns:r="http://schemas.openxmlformats.org/officeDocument/2006/relationships" xmlns:p="http://schemas.openxmlformats.org/presentationml/2006/main">
+  <p:cSld>
+    <p:spTree>
+      <p:nvGrpSpPr>
+        <p:cNvPr id="1" name=""/>
+        <p:cNvGrpSpPr/>
+        <p:nvPr/>
+      </p:nvGrpSpPr>
+      <p:grpSpPr>
+        <a:xfrm>
+          <a:off x="0" y="0"/>
+          <a:ext cx="0" cy="0"/>
+          <a:chOff x="0" y="0"/>
+          <a:chExt cx="0" cy="0"/>
+        </a:xfrm>
+      </p:grpSpPr>
+      <p:sp>
+        <p:nvSpPr>
+          <p:cNvPr id="2" name="Titre 1"/>
+          <p:cNvSpPr>
+            <a:spLocks noGrp="1"/>
+          </p:cNvSpPr>
+          <p:nvPr>
+            <p:ph type="title"/>
+          </p:nvPr>
+        </p:nvSpPr>
+        <p:spPr/>
+        <p:txBody>
+          <a:bodyPr/>
+          <a:lstStyle/>
+          <a:p>
+            <a:r>
+              <a:rPr lang="fr-FR" dirty="0" smtClean="0"/>
+              <a:t>Exploitation de la courbe</a:t>
+            </a:r>
+            <a:endParaRPr lang="fr-FR" dirty="0"/>
+          </a:p>
+        </p:txBody>
+      </p:sp>
+      <p:sp>
+        <p:nvSpPr>
+          <p:cNvPr id="3" name="Espace réservé du contenu 2"/>
+          <p:cNvSpPr>
+            <a:spLocks noGrp="1"/>
+          </p:cNvSpPr>
+          <p:nvPr>
+            <p:ph sz="quarter" idx="1"/>
+          </p:nvPr>
+        </p:nvSpPr>
+        <p:spPr/>
+        <p:txBody>
+          <a:bodyPr/>
+          <a:lstStyle/>
+          <a:p>
+            <a:r>
+              <a:rPr lang="fr-FR" dirty="0" smtClean="0"/>
+              <a:t>Lors de l’étude d’une pompe, le piston permet d’</a:t>
+            </a:r>
+            <a:r>
+              <a:rPr lang="fr-FR" b="1" dirty="0" smtClean="0"/>
+              <a:t>admettre</a:t>
+            </a:r>
+            <a:r>
+              <a:rPr lang="fr-FR" dirty="0" smtClean="0"/>
+              <a:t> du fluide et d’en </a:t>
+            </a:r>
+            <a:r>
+              <a:rPr lang="fr-FR" b="1" dirty="0" smtClean="0"/>
+              <a:t>refouler.</a:t>
+            </a:r>
+          </a:p>
+          <a:p>
+            <a:r>
+              <a:rPr lang="fr-FR" dirty="0" smtClean="0"/>
+              <a:t>On fait l’approximation que chacune des phases se fait sur une demi période : </a:t>
+            </a:r>
+          </a:p>
+          <a:p>
+            <a:pPr lvl="1"/>
+            <a:r>
+              <a:rPr lang="fr-FR" dirty="0" smtClean="0"/>
+              <a:t>Lorsque la vitesse de translation du piston est positive, on est en phase de refoulement.</a:t>
+            </a:r>
+          </a:p>
+          <a:p>
+            <a:pPr lvl="1"/>
+            <a:r>
+              <a:rPr lang="fr-FR" dirty="0" smtClean="0"/>
+              <a:t>Lorsque la vitesse de translation du piston est négative, on est en phase d’admission.</a:t>
+            </a:r>
+          </a:p>
+          <a:p>
+            <a:pPr lvl="1"/>
+            <a:endParaRPr lang="fr-FR" dirty="0" smtClean="0"/>
+          </a:p>
+          <a:p>
+            <a:r>
+              <a:rPr lang="fr-FR" b="1" dirty="0" smtClean="0"/>
+              <a:t>L’objectif est de calculer le débit théorique de la pompe pour valider le cahier des charges.</a:t>
+            </a:r>
+            <a:endParaRPr lang="fr-FR" b="1" dirty="0"/>
+          </a:p>
+        </p:txBody>
+      </p:sp>
+      <p:sp>
+        <p:nvSpPr>
+          <p:cNvPr id="4" name="Espace réservé du numéro de diapositive 3"/>
+          <p:cNvSpPr>
+            <a:spLocks noGrp="1"/>
+          </p:cNvSpPr>
+          <p:nvPr>
+            <p:ph type="sldNum" sz="quarter" idx="15"/>
+          </p:nvPr>
+        </p:nvSpPr>
+        <p:spPr/>
+        <p:txBody>
+          <a:bodyPr/>
+          <a:lstStyle/>
+          <a:p>
+            <a:fld id="{CF4668DC-857F-487D-BFFA-8C0CA5037977}" type="slidenum">
+              <a:rPr lang="fr-BE" smtClean="0"/>
+              <a:pPr/>
+              <a:t>26</a:t>
+            </a:fld>
+            <a:endParaRPr lang="fr-BE"/>
+          </a:p>
+        </p:txBody>
+      </p:sp>
+    </p:spTree>
+  </p:cSld>
+  <p:clrMapOvr>
+    <a:masterClrMapping/>
+  </p:clrMapOvr>
+</p:sld>
+</file>
+
+<file path=ppt/slides/slide27.xml><?xml version="1.0" encoding="utf-8"?>
+<p:sld xmlns:a="http://schemas.openxmlformats.org/drawingml/2006/main" xmlns:r="http://schemas.openxmlformats.org/officeDocument/2006/relationships" xmlns:p="http://schemas.openxmlformats.org/presentationml/2006/main">
+  <p:cSld>
+    <p:spTree>
+      <p:nvGrpSpPr>
+        <p:cNvPr id="1" name=""/>
+        <p:cNvGrpSpPr/>
+        <p:nvPr/>
+      </p:nvGrpSpPr>
+      <p:grpSpPr>
+        <a:xfrm>
+          <a:off x="0" y="0"/>
+          <a:ext cx="0" cy="0"/>
+          <a:chOff x="0" y="0"/>
+          <a:chExt cx="0" cy="0"/>
+        </a:xfrm>
+      </p:grpSpPr>
+      <p:sp>
+        <p:nvSpPr>
+          <p:cNvPr id="2" name="Titre 1"/>
+          <p:cNvSpPr>
+            <a:spLocks noGrp="1"/>
+          </p:cNvSpPr>
+          <p:nvPr>
+            <p:ph type="title"/>
+          </p:nvPr>
+        </p:nvSpPr>
+        <p:spPr/>
+        <p:txBody>
+          <a:bodyPr/>
+          <a:lstStyle/>
+          <a:p>
+            <a:r>
+              <a:rPr lang="fr-FR" dirty="0" smtClean="0"/>
+              <a:t>Exploitation de la courbe sur Excel</a:t>
+            </a:r>
+            <a:endParaRPr lang="fr-FR" dirty="0"/>
+          </a:p>
+        </p:txBody>
+      </p:sp>
+      <p:sp>
+        <p:nvSpPr>
+          <p:cNvPr id="4" name="Espace réservé du numéro de diapositive 3"/>
+          <p:cNvSpPr>
+            <a:spLocks noGrp="1"/>
+          </p:cNvSpPr>
+          <p:nvPr>
+            <p:ph type="sldNum" sz="quarter" idx="15"/>
+          </p:nvPr>
+        </p:nvSpPr>
+        <p:spPr/>
+        <p:txBody>
+          <a:bodyPr/>
+          <a:lstStyle/>
+          <a:p>
+            <a:fld id="{CF4668DC-857F-487D-BFFA-8C0CA5037977}" type="slidenum">
+              <a:rPr lang="fr-BE" smtClean="0"/>
+              <a:pPr/>
+              <a:t>27</a:t>
+            </a:fld>
+            <a:endParaRPr lang="fr-BE"/>
+          </a:p>
+        </p:txBody>
+      </p:sp>
+      <p:pic>
+        <p:nvPicPr>
+          <p:cNvPr id="15362" name="Picture 2"/>
+          <p:cNvPicPr>
+            <a:picLocks noChangeAspect="1" noChangeArrowheads="1"/>
+          </p:cNvPicPr>
+          <p:nvPr/>
+        </p:nvPicPr>
+        <p:blipFill>
+          <a:blip r:embed="rId2"/>
+          <a:srcRect/>
+          <a:stretch>
+            <a:fillRect/>
+          </a:stretch>
+        </p:blipFill>
+        <p:spPr bwMode="auto">
+          <a:xfrm>
+            <a:off x="6000750" y="571480"/>
+            <a:ext cx="3143250" cy="2952750"/>
+          </a:xfrm>
+          <a:prstGeom prst="rect">
+            <a:avLst/>
+          </a:prstGeom>
+          <a:noFill/>
+          <a:ln w="9525">
+            <a:noFill/>
+            <a:miter lim="800000"/>
+            <a:headEnd/>
+            <a:tailEnd/>
+          </a:ln>
+          <a:effectLst/>
+        </p:spPr>
+      </p:pic>
+      <p:sp>
+        <p:nvSpPr>
+          <p:cNvPr id="7" name="Rectangle 6"/>
+          <p:cNvSpPr/>
+          <p:nvPr/>
+        </p:nvSpPr>
+        <p:spPr>
+          <a:xfrm>
+            <a:off x="7500980" y="3119456"/>
+            <a:ext cx="1285884" cy="285752"/>
+          </a:xfrm>
+          <a:prstGeom prst="rect">
+            <a:avLst/>
+          </a:prstGeom>
+          <a:noFill/>
+          <a:ln>
+            <a:solidFill>
+              <a:srgbClr val="FF0000"/>
+            </a:solidFill>
+          </a:ln>
+        </p:spPr>
+        <p:style>
+          <a:lnRef idx="2">
+            <a:schemeClr val="accent1">
+              <a:shade val="50000"/>
+            </a:schemeClr>
+          </a:lnRef>
+          <a:fillRef idx="1">
+            <a:schemeClr val="accent1"/>
+          </a:fillRef>
+          <a:effectRef idx="0">
+            <a:schemeClr val="accent1"/>
+          </a:effectRef>
+          <a:fontRef idx="minor">
+            <a:schemeClr val="lt1"/>
+          </a:fontRef>
+        </p:style>
+        <p:txBody>
+          <a:bodyPr rtlCol="0" anchor="ctr"/>
+          <a:lstStyle/>
+          <a:p>
+            <a:pPr algn="ctr"/>
+            <a:endParaRPr lang="fr-FR"/>
+          </a:p>
+        </p:txBody>
+      </p:sp>
+      <p:pic>
+        <p:nvPicPr>
+          <p:cNvPr id="15363" name="Picture 3"/>
+          <p:cNvPicPr>
+            <a:picLocks noChangeAspect="1" noChangeArrowheads="1"/>
+          </p:cNvPicPr>
+          <p:nvPr/>
+        </p:nvPicPr>
+        <p:blipFill>
+          <a:blip r:embed="rId3"/>
+          <a:srcRect/>
+          <a:stretch>
+            <a:fillRect/>
+          </a:stretch>
+        </p:blipFill>
+        <p:spPr bwMode="auto">
+          <a:xfrm>
+            <a:off x="4720852" y="3786190"/>
+            <a:ext cx="4423148" cy="3538518"/>
+          </a:xfrm>
+          <a:prstGeom prst="rect">
+            <a:avLst/>
+          </a:prstGeom>
+          <a:noFill/>
+          <a:ln w="9525">
+            <a:noFill/>
+            <a:miter lim="800000"/>
+            <a:headEnd/>
+            <a:tailEnd/>
+          </a:ln>
+          <a:effectLst/>
+        </p:spPr>
+      </p:pic>
+      <p:sp>
+        <p:nvSpPr>
+          <p:cNvPr id="3" name="Espace réservé du contenu 2"/>
+          <p:cNvSpPr>
+            <a:spLocks noGrp="1"/>
+          </p:cNvSpPr>
+          <p:nvPr>
+            <p:ph sz="quarter" idx="1"/>
+          </p:nvPr>
+        </p:nvSpPr>
+        <p:spPr/>
+        <p:txBody>
+          <a:bodyPr/>
+          <a:lstStyle/>
+          <a:p>
+            <a:r>
+              <a:rPr lang="fr-FR" dirty="0" smtClean="0"/>
+              <a:t>Enregistrement des données</a:t>
+            </a:r>
+          </a:p>
+          <a:p>
+            <a:pPr lvl="1"/>
+            <a:r>
+              <a:rPr lang="fr-FR" dirty="0" smtClean="0"/>
+              <a:t>Clic droit sur le tableau de points</a:t>
+            </a:r>
+          </a:p>
+          <a:p>
+            <a:pPr lvl="1"/>
+            <a:r>
+              <a:rPr lang="fr-FR" dirty="0" smtClean="0"/>
+              <a:t>Enregistrer les données </a:t>
+            </a:r>
+          </a:p>
+          <a:p>
+            <a:pPr lvl="1"/>
+            <a:r>
+              <a:rPr lang="fr-FR" dirty="0" smtClean="0"/>
+              <a:t>Enregistrer le fichier .</a:t>
+            </a:r>
+            <a:r>
+              <a:rPr lang="fr-FR" dirty="0" err="1" smtClean="0"/>
+              <a:t>txt</a:t>
+            </a:r>
+            <a:r>
+              <a:rPr lang="fr-FR" dirty="0" smtClean="0"/>
+              <a:t> dans vos documents</a:t>
+            </a:r>
+          </a:p>
+          <a:p>
+            <a:pPr lvl="1"/>
+            <a:endParaRPr lang="fr-FR" dirty="0" smtClean="0"/>
+          </a:p>
+          <a:p>
+            <a:r>
+              <a:rPr lang="fr-FR" dirty="0" smtClean="0"/>
+              <a:t>Ouvrir Excel</a:t>
+            </a:r>
+          </a:p>
+          <a:p>
+            <a:pPr lvl="1"/>
+            <a:r>
+              <a:rPr lang="fr-FR" dirty="0" smtClean="0"/>
+              <a:t>« Fichier » </a:t>
+            </a:r>
+          </a:p>
+          <a:p>
+            <a:pPr lvl="1"/>
+            <a:r>
+              <a:rPr lang="fr-FR" dirty="0" smtClean="0"/>
+              <a:t>Ouvrir	</a:t>
+            </a:r>
+          </a:p>
+          <a:p>
+            <a:pPr lvl="1"/>
+            <a:r>
+              <a:rPr lang="fr-FR" dirty="0" smtClean="0"/>
+              <a:t>Sélectionner Tous les fichiers (*.*)</a:t>
+            </a:r>
+          </a:p>
+          <a:p>
+            <a:pPr lvl="1"/>
+            <a:r>
+              <a:rPr lang="fr-FR" dirty="0" smtClean="0"/>
+              <a:t>Sélectionner votre fichier texte</a:t>
+            </a:r>
+            <a:endParaRPr lang="fr-FR" dirty="0"/>
+          </a:p>
+        </p:txBody>
+      </p:sp>
+    </p:spTree>
+  </p:cSld>
+  <p:clrMapOvr>
+    <a:masterClrMapping/>
+  </p:clrMapOvr>
+</p:sld>
+</file>
+
+<file path=ppt/slides/slide28.xml><?xml version="1.0" encoding="utf-8"?>
+<p:sld xmlns:a="http://schemas.openxmlformats.org/drawingml/2006/main" xmlns:r="http://schemas.openxmlformats.org/officeDocument/2006/relationships" xmlns:p="http://schemas.openxmlformats.org/presentationml/2006/main">
+  <p:cSld>
+    <p:spTree>
+      <p:nvGrpSpPr>
+        <p:cNvPr id="1" name=""/>
+        <p:cNvGrpSpPr/>
+        <p:nvPr/>
+      </p:nvGrpSpPr>
+      <p:grpSpPr>
+        <a:xfrm>
+          <a:off x="0" y="0"/>
+          <a:ext cx="0" cy="0"/>
+          <a:chOff x="0" y="0"/>
+          <a:chExt cx="0" cy="0"/>
+        </a:xfrm>
+      </p:grpSpPr>
+      <p:sp>
+        <p:nvSpPr>
+          <p:cNvPr id="2" name="Titre 1"/>
+          <p:cNvSpPr>
+            <a:spLocks noGrp="1"/>
+          </p:cNvSpPr>
+          <p:nvPr>
+            <p:ph type="title"/>
+          </p:nvPr>
+        </p:nvSpPr>
+        <p:spPr/>
+        <p:txBody>
+          <a:bodyPr/>
+          <a:lstStyle/>
+          <a:p>
+            <a:r>
+              <a:rPr lang="fr-FR" dirty="0" smtClean="0"/>
+              <a:t>Exploitation de la courbe sur Excel</a:t>
+            </a:r>
+            <a:endParaRPr lang="fr-FR" dirty="0"/>
+          </a:p>
+        </p:txBody>
+      </p:sp>
+      <p:sp>
+        <p:nvSpPr>
+          <p:cNvPr id="3" name="Espace réservé du contenu 2"/>
+          <p:cNvSpPr>
+            <a:spLocks noGrp="1"/>
+          </p:cNvSpPr>
+          <p:nvPr>
+            <p:ph sz="quarter" idx="1"/>
+          </p:nvPr>
+        </p:nvSpPr>
+        <p:spPr/>
+        <p:txBody>
+          <a:bodyPr/>
+          <a:lstStyle/>
+          <a:p>
+            <a:r>
+              <a:rPr lang="fr-FR" dirty="0" smtClean="0"/>
+              <a:t>Import du fichier texte</a:t>
+            </a:r>
+          </a:p>
+          <a:p>
+            <a:pPr lvl="1"/>
+            <a:r>
+              <a:rPr lang="fr-FR" dirty="0" smtClean="0"/>
+              <a:t>Choisir un fichier ANSI – Suivant</a:t>
+            </a:r>
+          </a:p>
+          <a:p>
+            <a:pPr lvl="1"/>
+            <a:r>
+              <a:rPr lang="fr-FR" dirty="0" smtClean="0"/>
+              <a:t>Choisir un séparateur Espace – suivant</a:t>
+            </a:r>
+          </a:p>
+          <a:p>
+            <a:pPr lvl="1"/>
+            <a:r>
+              <a:rPr lang="fr-FR" dirty="0" smtClean="0"/>
+              <a:t>Cliquer sur Avancé – Séparateur de décimale : .</a:t>
+            </a:r>
+          </a:p>
+          <a:p>
+            <a:pPr lvl="1"/>
+            <a:r>
+              <a:rPr lang="fr-FR" dirty="0" smtClean="0"/>
+              <a:t>Valider et terminer</a:t>
+            </a:r>
+          </a:p>
+          <a:p>
+            <a:pPr lvl="1"/>
+            <a:endParaRPr lang="fr-FR" dirty="0" smtClean="0"/>
+          </a:p>
+          <a:p>
+            <a:endParaRPr lang="fr-FR" dirty="0"/>
+          </a:p>
+        </p:txBody>
+      </p:sp>
+      <p:sp>
+        <p:nvSpPr>
+          <p:cNvPr id="4" name="Espace réservé du numéro de diapositive 3"/>
+          <p:cNvSpPr>
+            <a:spLocks noGrp="1"/>
+          </p:cNvSpPr>
+          <p:nvPr>
+            <p:ph type="sldNum" sz="quarter" idx="15"/>
+          </p:nvPr>
+        </p:nvSpPr>
+        <p:spPr/>
+        <p:txBody>
+          <a:bodyPr/>
+          <a:lstStyle/>
+          <a:p>
+            <a:fld id="{CF4668DC-857F-487D-BFFA-8C0CA5037977}" type="slidenum">
+              <a:rPr lang="fr-BE" smtClean="0"/>
+              <a:pPr/>
+              <a:t>28</a:t>
+            </a:fld>
+            <a:endParaRPr lang="fr-BE"/>
+          </a:p>
+        </p:txBody>
+      </p:sp>
+      <p:grpSp>
+        <p:nvGrpSpPr>
+          <p:cNvPr id="12" name="Groupe 11"/>
+          <p:cNvGrpSpPr/>
+          <p:nvPr/>
+        </p:nvGrpSpPr>
+        <p:grpSpPr>
+          <a:xfrm>
+            <a:off x="500034" y="3429000"/>
+            <a:ext cx="2643206" cy="1357322"/>
+            <a:chOff x="285720" y="1928802"/>
+            <a:chExt cx="3701509" cy="2214578"/>
+          </a:xfrm>
+        </p:grpSpPr>
+        <p:pic>
+          <p:nvPicPr>
+            <p:cNvPr id="16386" name="Picture 2"/>
+            <p:cNvPicPr>
+              <a:picLocks noChangeAspect="1" noChangeArrowheads="1"/>
+            </p:cNvPicPr>
+            <p:nvPr/>
+          </p:nvPicPr>
+          <p:blipFill>
+            <a:blip r:embed="rId2"/>
+            <a:srcRect/>
+            <a:stretch>
+              <a:fillRect/>
+            </a:stretch>
+          </p:blipFill>
+          <p:spPr bwMode="auto">
+            <a:xfrm>
+              <a:off x="285720" y="1928802"/>
+              <a:ext cx="3701509" cy="2214578"/>
+            </a:xfrm>
+            <a:prstGeom prst="rect">
+              <a:avLst/>
+            </a:prstGeom>
+            <a:noFill/>
+            <a:ln w="9525">
+              <a:noFill/>
+              <a:miter lim="800000"/>
+              <a:headEnd/>
+              <a:tailEnd/>
+            </a:ln>
+            <a:effectLst/>
+          </p:spPr>
+        </p:pic>
+        <p:sp>
+          <p:nvSpPr>
+            <p:cNvPr id="6" name="Rectangle 5"/>
+            <p:cNvSpPr/>
+            <p:nvPr/>
+          </p:nvSpPr>
+          <p:spPr>
+            <a:xfrm>
+              <a:off x="2285984" y="2714620"/>
+              <a:ext cx="1643074" cy="285752"/>
+            </a:xfrm>
+            <a:prstGeom prst="rect">
+              <a:avLst/>
+            </a:prstGeom>
+            <a:noFill/>
+            <a:ln>
+              <a:solidFill>
+                <a:srgbClr val="FF0000"/>
+              </a:solidFill>
+            </a:ln>
+          </p:spPr>
+          <p:style>
+            <a:lnRef idx="2">
+              <a:schemeClr val="accent1">
+                <a:shade val="50000"/>
+              </a:schemeClr>
+            </a:lnRef>
+            <a:fillRef idx="1">
+              <a:schemeClr val="accent1"/>
+            </a:fillRef>
+            <a:effectRef idx="0">
+              <a:schemeClr val="accent1"/>
+            </a:effectRef>
+            <a:fontRef idx="minor">
+              <a:schemeClr val="lt1"/>
+            </a:fontRef>
+          </p:style>
+          <p:txBody>
+            <a:bodyPr rtlCol="0" anchor="ctr"/>
+            <a:lstStyle/>
+            <a:p>
+              <a:pPr algn="ctr"/>
+              <a:endParaRPr lang="fr-FR"/>
+            </a:p>
+          </p:txBody>
+        </p:sp>
+      </p:grpSp>
+      <p:grpSp>
+        <p:nvGrpSpPr>
+          <p:cNvPr id="13" name="Groupe 12"/>
+          <p:cNvGrpSpPr/>
+          <p:nvPr/>
+        </p:nvGrpSpPr>
+        <p:grpSpPr>
+          <a:xfrm>
+            <a:off x="4214810" y="3357562"/>
+            <a:ext cx="2571768" cy="1538665"/>
+            <a:chOff x="5000628" y="1928802"/>
+            <a:chExt cx="3701509" cy="2214578"/>
+          </a:xfrm>
+        </p:grpSpPr>
+        <p:pic>
+          <p:nvPicPr>
+            <p:cNvPr id="16387" name="Picture 3"/>
+            <p:cNvPicPr>
+              <a:picLocks noChangeAspect="1" noChangeArrowheads="1"/>
+            </p:cNvPicPr>
+            <p:nvPr/>
+          </p:nvPicPr>
+          <p:blipFill>
+            <a:blip r:embed="rId3"/>
+            <a:srcRect/>
+            <a:stretch>
+              <a:fillRect/>
+            </a:stretch>
+          </p:blipFill>
+          <p:spPr bwMode="auto">
+            <a:xfrm>
+              <a:off x="5000628" y="1928802"/>
+              <a:ext cx="3701509" cy="2214578"/>
+            </a:xfrm>
+            <a:prstGeom prst="rect">
+              <a:avLst/>
+            </a:prstGeom>
+            <a:noFill/>
+            <a:ln w="9525">
+              <a:noFill/>
+              <a:miter lim="800000"/>
+              <a:headEnd/>
+              <a:tailEnd/>
+            </a:ln>
+            <a:effectLst/>
+          </p:spPr>
+        </p:pic>
+        <p:sp>
+          <p:nvSpPr>
+            <p:cNvPr id="8" name="Rectangle 7"/>
+            <p:cNvSpPr/>
+            <p:nvPr/>
+          </p:nvSpPr>
+          <p:spPr>
+            <a:xfrm>
+              <a:off x="5000628" y="2643182"/>
+              <a:ext cx="571504" cy="285752"/>
+            </a:xfrm>
+            <a:prstGeom prst="rect">
+              <a:avLst/>
+            </a:prstGeom>
+            <a:noFill/>
+            <a:ln>
+              <a:solidFill>
+                <a:srgbClr val="FF0000"/>
+              </a:solidFill>
+            </a:ln>
+          </p:spPr>
+          <p:style>
+            <a:lnRef idx="2">
+              <a:schemeClr val="accent1">
+                <a:shade val="50000"/>
+              </a:schemeClr>
+            </a:lnRef>
+            <a:fillRef idx="1">
+              <a:schemeClr val="accent1"/>
+            </a:fillRef>
+            <a:effectRef idx="0">
+              <a:schemeClr val="accent1"/>
+            </a:effectRef>
+            <a:fontRef idx="minor">
+              <a:schemeClr val="lt1"/>
+            </a:fontRef>
+          </p:style>
+          <p:txBody>
+            <a:bodyPr rtlCol="0" anchor="ctr"/>
+            <a:lstStyle/>
+            <a:p>
+              <a:pPr algn="ctr"/>
+              <a:endParaRPr lang="fr-FR"/>
+            </a:p>
+          </p:txBody>
+        </p:sp>
+      </p:grpSp>
+      <p:pic>
+        <p:nvPicPr>
+          <p:cNvPr id="16388" name="Picture 4"/>
+          <p:cNvPicPr>
+            <a:picLocks noChangeAspect="1" noChangeArrowheads="1"/>
+          </p:cNvPicPr>
+          <p:nvPr/>
+        </p:nvPicPr>
+        <p:blipFill>
+          <a:blip r:embed="rId4"/>
+          <a:srcRect/>
+          <a:stretch>
+            <a:fillRect/>
+          </a:stretch>
+        </p:blipFill>
+        <p:spPr bwMode="auto">
+          <a:xfrm>
+            <a:off x="3857620" y="5021023"/>
+            <a:ext cx="3214710" cy="1836977"/>
+          </a:xfrm>
+          <a:prstGeom prst="rect">
+            <a:avLst/>
+          </a:prstGeom>
+          <a:noFill/>
+          <a:ln w="9525">
+            <a:noFill/>
+            <a:miter lim="800000"/>
+            <a:headEnd/>
+            <a:tailEnd/>
+          </a:ln>
+          <a:effectLst/>
+        </p:spPr>
+      </p:pic>
+      <p:pic>
+        <p:nvPicPr>
+          <p:cNvPr id="16390" name="Picture 6"/>
+          <p:cNvPicPr>
+            <a:picLocks noChangeAspect="1" noChangeArrowheads="1"/>
+          </p:cNvPicPr>
+          <p:nvPr/>
+        </p:nvPicPr>
+        <p:blipFill>
+          <a:blip r:embed="rId5"/>
+          <a:srcRect/>
+          <a:stretch>
+            <a:fillRect/>
+          </a:stretch>
+        </p:blipFill>
+        <p:spPr bwMode="auto">
+          <a:xfrm>
+            <a:off x="357158" y="5072078"/>
+            <a:ext cx="2985041" cy="1785922"/>
+          </a:xfrm>
+          <a:prstGeom prst="rect">
+            <a:avLst/>
+          </a:prstGeom>
+          <a:noFill/>
+          <a:ln w="9525">
+            <a:noFill/>
+            <a:miter lim="800000"/>
+            <a:headEnd/>
+            <a:tailEnd/>
+          </a:ln>
+          <a:effectLst/>
+        </p:spPr>
+      </p:pic>
+      <p:sp>
+        <p:nvSpPr>
+          <p:cNvPr id="14" name="Rectangle 13"/>
+          <p:cNvSpPr/>
+          <p:nvPr/>
+        </p:nvSpPr>
+        <p:spPr>
+          <a:xfrm>
+            <a:off x="2000232" y="5500702"/>
+            <a:ext cx="500066" cy="214314"/>
+          </a:xfrm>
+          <a:prstGeom prst="rect">
+            <a:avLst/>
+          </a:prstGeom>
+          <a:noFill/>
+          <a:ln>
+            <a:solidFill>
+              <a:srgbClr val="FF0000"/>
+            </a:solidFill>
+          </a:ln>
+        </p:spPr>
+        <p:style>
+          <a:lnRef idx="2">
+            <a:schemeClr val="accent1">
+              <a:shade val="50000"/>
+            </a:schemeClr>
+          </a:lnRef>
+          <a:fillRef idx="1">
+            <a:schemeClr val="accent1"/>
+          </a:fillRef>
+          <a:effectRef idx="0">
+            <a:schemeClr val="accent1"/>
+          </a:effectRef>
+          <a:fontRef idx="minor">
+            <a:schemeClr val="lt1"/>
+          </a:fontRef>
+        </p:style>
+        <p:txBody>
+          <a:bodyPr rtlCol="0" anchor="ctr"/>
+          <a:lstStyle/>
+          <a:p>
+            <a:pPr algn="ctr"/>
+            <a:endParaRPr lang="fr-FR"/>
+          </a:p>
+        </p:txBody>
+      </p:sp>
+      <p:sp>
+        <p:nvSpPr>
+          <p:cNvPr id="15" name="Rectangle 14"/>
+          <p:cNvSpPr/>
+          <p:nvPr/>
+        </p:nvSpPr>
+        <p:spPr>
+          <a:xfrm>
+            <a:off x="5143504" y="5500702"/>
+            <a:ext cx="714380" cy="214314"/>
+          </a:xfrm>
+          <a:prstGeom prst="rect">
+            <a:avLst/>
+          </a:prstGeom>
+          <a:noFill/>
+          <a:ln>
+            <a:solidFill>
+              <a:srgbClr val="FF0000"/>
+            </a:solidFill>
+          </a:ln>
+        </p:spPr>
+        <p:style>
+          <a:lnRef idx="2">
+            <a:schemeClr val="accent1">
+              <a:shade val="50000"/>
+            </a:schemeClr>
+          </a:lnRef>
+          <a:fillRef idx="1">
+            <a:schemeClr val="accent1"/>
+          </a:fillRef>
+          <a:effectRef idx="0">
+            <a:schemeClr val="accent1"/>
+          </a:effectRef>
+          <a:fontRef idx="minor">
+            <a:schemeClr val="lt1"/>
+          </a:fontRef>
+        </p:style>
+        <p:txBody>
+          <a:bodyPr rtlCol="0" anchor="ctr"/>
+          <a:lstStyle/>
+          <a:p>
+            <a:pPr algn="ctr"/>
+            <a:endParaRPr lang="fr-FR"/>
+          </a:p>
+        </p:txBody>
+      </p:sp>
+    </p:spTree>
+  </p:cSld>
+  <p:clrMapOvr>
+    <a:masterClrMapping/>
+  </p:clrMapOvr>
+</p:sld>
+</file>
+
+<file path=ppt/slides/slide29.xml><?xml version="1.0" encoding="utf-8"?>
+<p:sld xmlns:a="http://schemas.openxmlformats.org/drawingml/2006/main" xmlns:r="http://schemas.openxmlformats.org/officeDocument/2006/relationships" xmlns:p="http://schemas.openxmlformats.org/presentationml/2006/main">
+  <p:cSld>
+    <p:spTree>
+      <p:nvGrpSpPr>
+        <p:cNvPr id="1" name=""/>
+        <p:cNvGrpSpPr/>
+        <p:nvPr/>
+      </p:nvGrpSpPr>
+      <p:grpSpPr>
+        <a:xfrm>
+          <a:off x="0" y="0"/>
+          <a:ext cx="0" cy="0"/>
+          <a:chOff x="0" y="0"/>
+          <a:chExt cx="0" cy="0"/>
+        </a:xfrm>
+      </p:grpSpPr>
+      <p:sp>
+        <p:nvSpPr>
+          <p:cNvPr id="2" name="Titre 1"/>
+          <p:cNvSpPr>
+            <a:spLocks noGrp="1"/>
+          </p:cNvSpPr>
+          <p:nvPr>
+            <p:ph type="title"/>
+          </p:nvPr>
+        </p:nvSpPr>
+        <p:spPr/>
+        <p:txBody>
+          <a:bodyPr/>
+          <a:lstStyle/>
+          <a:p>
+            <a:r>
+              <a:rPr lang="fr-FR" dirty="0" smtClean="0"/>
+              <a:t>Exploitation de la courbe sur Excel</a:t>
+            </a:r>
+            <a:endParaRPr lang="fr-FR" dirty="0"/>
+          </a:p>
+        </p:txBody>
+      </p:sp>
+      <p:sp>
+        <p:nvSpPr>
+          <p:cNvPr id="3" name="Espace réservé du contenu 2"/>
+          <p:cNvSpPr>
+            <a:spLocks noGrp="1"/>
+          </p:cNvSpPr>
+          <p:nvPr>
+            <p:ph sz="quarter" idx="1"/>
+          </p:nvPr>
+        </p:nvSpPr>
+        <p:spPr/>
+        <p:txBody>
+          <a:bodyPr/>
+          <a:lstStyle/>
+          <a:p>
+            <a:r>
+              <a:rPr lang="fr-FR" dirty="0" smtClean="0"/>
+              <a:t>En utilisant la fonction « Nuage de point », retracer la vitesse du piston en fonction du temps</a:t>
+            </a:r>
+          </a:p>
+          <a:p>
+            <a:endParaRPr lang="fr-FR" dirty="0" smtClean="0"/>
+          </a:p>
+          <a:p>
+            <a:r>
+              <a:rPr lang="fr-FR" dirty="0" smtClean="0"/>
+              <a:t>Montrer que le débit instantané de la pompe noté </a:t>
+            </a:r>
+            <a:r>
+              <a:rPr lang="fr-FR" i="1" dirty="0" smtClean="0"/>
+              <a:t>q(t) </a:t>
+            </a:r>
+            <a:r>
+              <a:rPr lang="fr-FR" dirty="0" smtClean="0"/>
+              <a:t>peut se calculer par : </a:t>
+            </a:r>
+            <a:r>
+              <a:rPr lang="fr-FR" i="1" dirty="0" smtClean="0"/>
+              <a:t>q(t)= S.V(t)</a:t>
+            </a:r>
+          </a:p>
+          <a:p>
+            <a:pPr lvl="1"/>
+            <a:r>
+              <a:rPr lang="fr-FR" dirty="0" smtClean="0"/>
+              <a:t>S étant la section du piston (l’aire de la base du piston) que l’on mesurera avec </a:t>
+            </a:r>
+            <a:r>
+              <a:rPr lang="fr-FR" dirty="0" err="1" smtClean="0"/>
+              <a:t>solidworks</a:t>
+            </a:r>
+            <a:endParaRPr lang="fr-FR" dirty="0" smtClean="0"/>
+          </a:p>
+          <a:p>
+            <a:pPr lvl="1"/>
+            <a:r>
+              <a:rPr lang="fr-FR" dirty="0" smtClean="0"/>
+              <a:t>V(t) est la vitesse instantanée d’un point du piston par rapport à l’ensemble fixe.</a:t>
+            </a:r>
+          </a:p>
+          <a:p>
+            <a:pPr lvl="1"/>
+            <a:endParaRPr lang="fr-FR" dirty="0" smtClean="0"/>
+          </a:p>
+        </p:txBody>
+      </p:sp>
+      <p:sp>
+        <p:nvSpPr>
+          <p:cNvPr id="4" name="Espace réservé du numéro de diapositive 3"/>
+          <p:cNvSpPr>
+            <a:spLocks noGrp="1"/>
+          </p:cNvSpPr>
+          <p:nvPr>
+            <p:ph type="sldNum" sz="quarter" idx="15"/>
+          </p:nvPr>
+        </p:nvSpPr>
+        <p:spPr/>
+        <p:txBody>
+          <a:bodyPr/>
+          <a:lstStyle/>
+          <a:p>
+            <a:fld id="{CF4668DC-857F-487D-BFFA-8C0CA5037977}" type="slidenum">
+              <a:rPr lang="fr-BE" smtClean="0"/>
+              <a:pPr/>
+              <a:t>29</a:t>
+            </a:fld>
+            <a:endParaRPr lang="fr-BE"/>
+          </a:p>
+        </p:txBody>
+      </p:sp>
     </p:spTree>
   </p:cSld>
   <p:clrMapOvr>
@@ -6054,6 +11334,182 @@
 </p:sld>
 </file>
 
+<file path=ppt/slides/slide30.xml><?xml version="1.0" encoding="utf-8"?>
+<p:sld xmlns:a="http://schemas.openxmlformats.org/drawingml/2006/main" xmlns:r="http://schemas.openxmlformats.org/officeDocument/2006/relationships" xmlns:p="http://schemas.openxmlformats.org/presentationml/2006/main">
+  <p:cSld>
+    <p:spTree>
+      <p:nvGrpSpPr>
+        <p:cNvPr id="1" name=""/>
+        <p:cNvGrpSpPr/>
+        <p:nvPr/>
+      </p:nvGrpSpPr>
+      <p:grpSpPr>
+        <a:xfrm>
+          <a:off x="0" y="0"/>
+          <a:ext cx="0" cy="0"/>
+          <a:chOff x="0" y="0"/>
+          <a:chExt cx="0" cy="0"/>
+        </a:xfrm>
+      </p:grpSpPr>
+      <p:sp>
+        <p:nvSpPr>
+          <p:cNvPr id="2" name="Titre 1"/>
+          <p:cNvSpPr>
+            <a:spLocks noGrp="1"/>
+          </p:cNvSpPr>
+          <p:nvPr>
+            <p:ph type="title"/>
+          </p:nvPr>
+        </p:nvSpPr>
+        <p:spPr/>
+        <p:txBody>
+          <a:bodyPr/>
+          <a:lstStyle/>
+          <a:p>
+            <a:r>
+              <a:rPr lang="fr-FR" dirty="0" smtClean="0"/>
+              <a:t>Exploitation de la courbe sur Excel</a:t>
+            </a:r>
+            <a:endParaRPr lang="fr-FR" dirty="0"/>
+          </a:p>
+        </p:txBody>
+      </p:sp>
+      <p:sp>
+        <p:nvSpPr>
+          <p:cNvPr id="3" name="Espace réservé du contenu 2"/>
+          <p:cNvSpPr>
+            <a:spLocks noGrp="1"/>
+          </p:cNvSpPr>
+          <p:nvPr>
+            <p:ph sz="quarter" idx="1"/>
+          </p:nvPr>
+        </p:nvSpPr>
+        <p:spPr/>
+        <p:txBody>
+          <a:bodyPr>
+            <a:normAutofit lnSpcReduction="10000"/>
+          </a:bodyPr>
+          <a:lstStyle/>
+          <a:p>
+            <a:r>
+              <a:rPr lang="fr-FR" dirty="0" smtClean="0"/>
+              <a:t>Tracer la courbe de débit </a:t>
+            </a:r>
+            <a:r>
+              <a:rPr lang="fr-FR" dirty="0" smtClean="0"/>
+              <a:t>instantané.</a:t>
+            </a:r>
+          </a:p>
+          <a:p>
+            <a:pPr lvl="1"/>
+            <a:r>
+              <a:rPr lang="fr-FR" dirty="0" smtClean="0"/>
+              <a:t>Calculer </a:t>
+            </a:r>
+            <a:r>
+              <a:rPr lang="fr-FR" dirty="0" smtClean="0"/>
+              <a:t>le débit instantané </a:t>
+            </a:r>
+            <a:r>
+              <a:rPr lang="fr-FR" dirty="0" smtClean="0"/>
+              <a:t>maximum</a:t>
+            </a:r>
+          </a:p>
+          <a:p>
+            <a:r>
+              <a:rPr lang="fr-FR" dirty="0" smtClean="0"/>
+              <a:t>Retracer la courbe en prenant en compte la phase d’admission uniquement.</a:t>
+            </a:r>
+          </a:p>
+          <a:p>
+            <a:pPr lvl="1"/>
+            <a:r>
+              <a:rPr lang="fr-FR" dirty="0" smtClean="0"/>
+              <a:t>Vous utiliserez la fonction =SI(</a:t>
+            </a:r>
+            <a:r>
+              <a:rPr lang="fr-FR" dirty="0" err="1" smtClean="0"/>
+              <a:t>Condition;si</a:t>
+            </a:r>
+            <a:r>
+              <a:rPr lang="fr-FR" dirty="0" smtClean="0"/>
+              <a:t> </a:t>
+            </a:r>
+            <a:r>
+              <a:rPr lang="fr-FR" dirty="0" err="1" smtClean="0"/>
+              <a:t>vrai;si</a:t>
+            </a:r>
+            <a:r>
+              <a:rPr lang="fr-FR" dirty="0" smtClean="0"/>
+              <a:t> faux)</a:t>
+            </a:r>
+          </a:p>
+          <a:p>
+            <a:r>
+              <a:rPr lang="fr-FR" dirty="0" smtClean="0"/>
+              <a:t>Sachant que la pompe comprend 6 pistons (et qu’ils sont donc décalés de 60°), tracer sur le même graphe les courbes correspondant au refoulement des 6 pistons. </a:t>
+            </a:r>
+          </a:p>
+          <a:p>
+            <a:r>
+              <a:rPr lang="fr-FR" dirty="0" smtClean="0"/>
+              <a:t>Réaliser la courbe correspondant au débit total de la pompe (correspondant donc à la contribution des 6 pistons)</a:t>
+            </a:r>
+          </a:p>
+          <a:p>
+            <a:r>
+              <a:rPr lang="fr-FR" dirty="0" smtClean="0"/>
+              <a:t>Calculer le débit moyen de la pompe dans les conditions de la modélisation.</a:t>
+            </a:r>
+          </a:p>
+          <a:p>
+            <a:r>
+              <a:rPr lang="fr-FR" dirty="0" smtClean="0"/>
+              <a:t>Conclure vis-à-vis du critère </a:t>
+            </a:r>
+            <a:r>
+              <a:rPr lang="fr-FR" smtClean="0"/>
+              <a:t>(page 4).</a:t>
+            </a:r>
+            <a:endParaRPr lang="fr-FR" dirty="0" smtClean="0"/>
+          </a:p>
+          <a:p>
+            <a:endParaRPr lang="fr-FR" dirty="0"/>
+          </a:p>
+        </p:txBody>
+      </p:sp>
+      <p:sp>
+        <p:nvSpPr>
+          <p:cNvPr id="4" name="Espace réservé du numéro de diapositive 3"/>
+          <p:cNvSpPr>
+            <a:spLocks noGrp="1"/>
+          </p:cNvSpPr>
+          <p:nvPr>
+            <p:ph type="sldNum" sz="quarter" idx="15"/>
+          </p:nvPr>
+        </p:nvSpPr>
+        <p:spPr/>
+        <p:txBody>
+          <a:bodyPr/>
+          <a:lstStyle/>
+          <a:p>
+            <a:fld id="{CF4668DC-857F-487D-BFFA-8C0CA5037977}" type="slidenum">
+              <a:rPr lang="fr-BE" smtClean="0"/>
+              <a:pPr/>
+              <a:t>30</a:t>
+            </a:fld>
+            <a:endParaRPr lang="fr-BE"/>
+          </a:p>
+        </p:txBody>
+      </p:sp>
+    </p:spTree>
+  </p:cSld>
+  <p:clrMapOvr>
+    <a:masterClrMapping/>
+  </p:clrMapOvr>
+</p:sld>
+</file>
+
 <file path=ppt/slides/slide4.xml><?xml version="1.0" encoding="utf-8"?>
 <p:sld xmlns:a="http://schemas.openxmlformats.org/drawingml/2006/main" xmlns:r="http://schemas.openxmlformats.org/officeDocument/2006/relationships" xmlns:p="http://schemas.openxmlformats.org/presentationml/2006/main">
   <p:cSld>
@@ -6088,7 +11544,7 @@
           <a:p>
             <a:r>
               <a:rPr lang="fr-FR" dirty="0" smtClean="0"/>
-              <a:t>Assemblage de la pompe</a:t>
+              <a:t>Objectifs</a:t>
             </a:r>
             <a:endParaRPr lang="fr-FR" dirty="0"/>
           </a:p>
@@ -6110,29 +11566,45 @@
           <a:lstStyle/>
           <a:p>
             <a:r>
+              <a:rPr lang="fr-FR" dirty="0" smtClean="0"/>
+              <a:t>Découvrir les fonctions d’assemblage</a:t>
+            </a:r>
+          </a:p>
+          <a:p>
+            <a:r>
+              <a:rPr lang="fr-FR" dirty="0" smtClean="0"/>
+              <a:t>Découvrir les fonctions élémentaires de </a:t>
+            </a:r>
+            <a:r>
+              <a:rPr lang="fr-FR" dirty="0" err="1" smtClean="0"/>
+              <a:t>Méca</a:t>
+            </a:r>
+            <a:r>
+              <a:rPr lang="fr-FR" dirty="0" smtClean="0"/>
+              <a:t> 3D</a:t>
+            </a:r>
+          </a:p>
+          <a:p>
+            <a:r>
+              <a:rPr lang="fr-FR" dirty="0" smtClean="0"/>
+              <a:t>Exploiter les résultats d’une simulation en utilisant Excel.</a:t>
+            </a:r>
+          </a:p>
+          <a:p>
+            <a:r>
+              <a:rPr lang="fr-FR" dirty="0" smtClean="0"/>
+              <a:t>Valider le cahier des charge suivant :</a:t>
+            </a:r>
+          </a:p>
+          <a:p>
+            <a:endParaRPr lang="fr-FR" dirty="0" smtClean="0"/>
+          </a:p>
+          <a:p>
+            <a:pPr lvl="1"/>
+            <a:r>
               <a:rPr lang="fr-FR" b="1" dirty="0" smtClean="0"/>
-              <a:t>Objectif assembler la pompe</a:t>
-            </a:r>
-          </a:p>
-          <a:p>
-            <a:endParaRPr lang="fr-FR" b="1" dirty="0" smtClean="0"/>
-          </a:p>
-          <a:p>
-            <a:r>
-              <a:rPr lang="fr-FR" dirty="0" smtClean="0"/>
-              <a:t>Pour assembler la pompe on dispose de </a:t>
-            </a:r>
-            <a:r>
-              <a:rPr lang="fr-FR" dirty="0" smtClean="0"/>
-              <a:t>3 ensembles</a:t>
-            </a:r>
-            <a:endParaRPr lang="fr-FR" dirty="0" smtClean="0"/>
-          </a:p>
-          <a:p>
-            <a:endParaRPr lang="fr-FR" dirty="0" smtClean="0"/>
-          </a:p>
-          <a:p>
-            <a:endParaRPr lang="fr-FR" dirty="0" smtClean="0"/>
+              <a:t>Le débit de la pompe doit être compris entre 0,2 et 2 L/min.</a:t>
+            </a:r>
           </a:p>
         </p:txBody>
       </p:sp>
@@ -6155,6 +11627,206 @@
               <a:rPr lang="fr-BE" smtClean="0"/>
               <a:pPr/>
               <a:t>4</a:t>
+            </a:fld>
+            <a:endParaRPr lang="fr-BE"/>
+          </a:p>
+        </p:txBody>
+      </p:sp>
+    </p:spTree>
+  </p:cSld>
+  <p:clrMapOvr>
+    <a:masterClrMapping/>
+  </p:clrMapOvr>
+</p:sld>
+</file>
+
+<file path=ppt/slides/slide5.xml><?xml version="1.0" encoding="utf-8"?>
+<p:sld xmlns:a="http://schemas.openxmlformats.org/drawingml/2006/main" xmlns:r="http://schemas.openxmlformats.org/officeDocument/2006/relationships" xmlns:p="http://schemas.openxmlformats.org/presentationml/2006/main">
+  <p:cSld>
+    <p:spTree>
+      <p:nvGrpSpPr>
+        <p:cNvPr id="1" name=""/>
+        <p:cNvGrpSpPr/>
+        <p:nvPr/>
+      </p:nvGrpSpPr>
+      <p:grpSpPr>
+        <a:xfrm>
+          <a:off x="0" y="0"/>
+          <a:ext cx="0" cy="0"/>
+          <a:chOff x="0" y="0"/>
+          <a:chExt cx="0" cy="0"/>
+        </a:xfrm>
+      </p:grpSpPr>
+      <p:sp>
+        <p:nvSpPr>
+          <p:cNvPr id="5" name="Titre 4"/>
+          <p:cNvSpPr>
+            <a:spLocks noGrp="1"/>
+          </p:cNvSpPr>
+          <p:nvPr>
+            <p:ph type="title"/>
+          </p:nvPr>
+        </p:nvSpPr>
+        <p:spPr/>
+        <p:txBody>
+          <a:bodyPr/>
+          <a:lstStyle/>
+          <a:p>
+            <a:r>
+              <a:rPr lang="fr-FR" dirty="0" smtClean="0"/>
+              <a:t>ASSEMBLAGE DE LA POMPE</a:t>
+            </a:r>
+            <a:endParaRPr lang="fr-FR" dirty="0"/>
+          </a:p>
+        </p:txBody>
+      </p:sp>
+      <p:sp>
+        <p:nvSpPr>
+          <p:cNvPr id="6" name="Espace réservé du texte 5"/>
+          <p:cNvSpPr>
+            <a:spLocks noGrp="1"/>
+          </p:cNvSpPr>
+          <p:nvPr>
+            <p:ph type="body" idx="1"/>
+          </p:nvPr>
+        </p:nvSpPr>
+        <p:spPr/>
+        <p:txBody>
+          <a:bodyPr/>
+          <a:lstStyle/>
+          <a:p>
+            <a:endParaRPr lang="fr-FR"/>
+          </a:p>
+        </p:txBody>
+      </p:sp>
+      <p:sp>
+        <p:nvSpPr>
+          <p:cNvPr id="4" name="Espace réservé du numéro de diapositive 3"/>
+          <p:cNvSpPr>
+            <a:spLocks noGrp="1"/>
+          </p:cNvSpPr>
+          <p:nvPr>
+            <p:ph type="sldNum" sz="quarter" idx="12"/>
+          </p:nvPr>
+        </p:nvSpPr>
+        <p:spPr/>
+        <p:txBody>
+          <a:bodyPr/>
+          <a:lstStyle/>
+          <a:p>
+            <a:fld id="{CF4668DC-857F-487D-BFFA-8C0CA5037977}" type="slidenum">
+              <a:rPr lang="fr-BE" smtClean="0"/>
+              <a:pPr/>
+              <a:t>5</a:t>
+            </a:fld>
+            <a:endParaRPr lang="fr-BE"/>
+          </a:p>
+        </p:txBody>
+      </p:sp>
+    </p:spTree>
+  </p:cSld>
+  <p:clrMapOvr>
+    <a:masterClrMapping/>
+  </p:clrMapOvr>
+</p:sld>
+</file>
+
+<file path=ppt/slides/slide6.xml><?xml version="1.0" encoding="utf-8"?>
+<p:sld xmlns:a="http://schemas.openxmlformats.org/drawingml/2006/main" xmlns:r="http://schemas.openxmlformats.org/officeDocument/2006/relationships" xmlns:p="http://schemas.openxmlformats.org/presentationml/2006/main">
+  <p:cSld>
+    <p:spTree>
+      <p:nvGrpSpPr>
+        <p:cNvPr id="1" name=""/>
+        <p:cNvGrpSpPr/>
+        <p:nvPr/>
+      </p:nvGrpSpPr>
+      <p:grpSpPr>
+        <a:xfrm>
+          <a:off x="0" y="0"/>
+          <a:ext cx="0" cy="0"/>
+          <a:chOff x="0" y="0"/>
+          <a:chExt cx="0" cy="0"/>
+        </a:xfrm>
+      </p:grpSpPr>
+      <p:sp>
+        <p:nvSpPr>
+          <p:cNvPr id="2" name="Titre 1"/>
+          <p:cNvSpPr>
+            <a:spLocks noGrp="1"/>
+          </p:cNvSpPr>
+          <p:nvPr>
+            <p:ph type="title"/>
+          </p:nvPr>
+        </p:nvSpPr>
+        <p:spPr/>
+        <p:txBody>
+          <a:bodyPr/>
+          <a:lstStyle/>
+          <a:p>
+            <a:r>
+              <a:rPr lang="fr-FR" dirty="0" smtClean="0"/>
+              <a:t>Assemblage de la pompe</a:t>
+            </a:r>
+            <a:endParaRPr lang="fr-FR" dirty="0"/>
+          </a:p>
+        </p:txBody>
+      </p:sp>
+      <p:sp>
+        <p:nvSpPr>
+          <p:cNvPr id="3" name="Espace réservé du contenu 2"/>
+          <p:cNvSpPr>
+            <a:spLocks noGrp="1"/>
+          </p:cNvSpPr>
+          <p:nvPr>
+            <p:ph sz="quarter" idx="1"/>
+          </p:nvPr>
+        </p:nvSpPr>
+        <p:spPr/>
+        <p:txBody>
+          <a:bodyPr/>
+          <a:lstStyle/>
+          <a:p>
+            <a:r>
+              <a:rPr lang="fr-FR" b="1" dirty="0" smtClean="0"/>
+              <a:t>Objectif assembler la pompe</a:t>
+            </a:r>
+          </a:p>
+          <a:p>
+            <a:endParaRPr lang="fr-FR" b="1" dirty="0" smtClean="0"/>
+          </a:p>
+          <a:p>
+            <a:r>
+              <a:rPr lang="fr-FR" dirty="0" smtClean="0"/>
+              <a:t>Pour assembler la pompe on dispose de 3 ensembles</a:t>
+            </a:r>
+          </a:p>
+          <a:p>
+            <a:endParaRPr lang="fr-FR" dirty="0" smtClean="0"/>
+          </a:p>
+          <a:p>
+            <a:endParaRPr lang="fr-FR" dirty="0" smtClean="0"/>
+          </a:p>
+        </p:txBody>
+      </p:sp>
+      <p:sp>
+        <p:nvSpPr>
+          <p:cNvPr id="4" name="Espace réservé du numéro de diapositive 3"/>
+          <p:cNvSpPr>
+            <a:spLocks noGrp="1"/>
+          </p:cNvSpPr>
+          <p:nvPr>
+            <p:ph type="sldNum" sz="quarter" idx="15"/>
+          </p:nvPr>
+        </p:nvSpPr>
+        <p:spPr/>
+        <p:txBody>
+          <a:bodyPr/>
+          <a:lstStyle/>
+          <a:p>
+            <a:fld id="{CF4668DC-857F-487D-BFFA-8C0CA5037977}" type="slidenum">
+              <a:rPr lang="fr-BE" smtClean="0"/>
+              <a:pPr/>
+              <a:t>6</a:t>
             </a:fld>
             <a:endParaRPr lang="fr-BE"/>
           </a:p>
@@ -6406,7 +12078,7 @@
 </p:sld>
 </file>
 
-<file path=ppt/slides/slide5.xml><?xml version="1.0" encoding="utf-8"?>
+<file path=ppt/slides/slide7.xml><?xml version="1.0" encoding="utf-8"?>
 <p:sld xmlns:a="http://schemas.openxmlformats.org/drawingml/2006/main" xmlns:r="http://schemas.openxmlformats.org/officeDocument/2006/relationships" xmlns:p="http://schemas.openxmlformats.org/presentationml/2006/main">
   <p:cSld>
     <p:spTree>
@@ -6483,11 +12155,7 @@
           <a:p>
             <a:r>
               <a:rPr lang="fr-FR" dirty="0" smtClean="0"/>
-              <a:t>Créer </a:t>
-            </a:r>
-            <a:r>
-              <a:rPr lang="fr-FR" dirty="0" smtClean="0"/>
-              <a:t>un nouvel </a:t>
+              <a:t>Créer un nouvel </a:t>
             </a:r>
             <a:r>
               <a:rPr lang="fr-FR" b="1" dirty="0" smtClean="0"/>
@@ -6497,15 +12165,7 @@
           <a:p>
             <a:r>
               <a:rPr lang="fr-FR" dirty="0" smtClean="0"/>
-              <a:t>Importer le bâti (ensemble qui est fixe dans le mouvement du </a:t>
-            </a:r>
-            <a:r>
-              <a:rPr lang="fr-FR" dirty="0" smtClean="0"/>
-              <a:t>mécanisme</a:t>
-            </a:r>
-            <a:r>
-              <a:rPr lang="fr-FR" dirty="0" smtClean="0"/>
-              <a:t>)</a:t>
+              <a:t>Importer le bâti (ensemble qui est fixe dans le mouvement du mécanisme)</a:t>
             </a:r>
             <a:endParaRPr lang="fr-FR" dirty="0"/>
           </a:p>
@@ -6529,7 +12189,7 @@
             <a:fld id="{CF4668DC-857F-487D-BFFA-8C0CA5037977}" type="slidenum">
               <a:rPr lang="fr-BE" smtClean="0"/>
               <a:pPr/>
-              <a:t>5</a:t>
+              <a:t>7</a:t>
             </a:fld>
             <a:endParaRPr lang="fr-BE"/>
           </a:p>
@@ -6836,9 +12496,6 @@
               </a:rPr>
               <a:t>Sélectionner </a:t>
             </a:r>
-            <a:endParaRPr lang="fr-FR" dirty="0" smtClean="0">
-              <a:latin typeface="Calibri" pitchFamily="34" charset="0"/>
-            </a:endParaRPr>
           </a:p>
           <a:p>
             <a:r>
@@ -6852,502 +12509,6 @@
                 <a:latin typeface="Calibri" pitchFamily="34" charset="0"/>
               </a:rPr>
               <a:t>fixe.SLDASM</a:t>
-            </a:r>
-            <a:endParaRPr lang="fr-FR" dirty="0">
-              <a:latin typeface="Calibri" pitchFamily="34" charset="0"/>
-            </a:endParaRPr>
-          </a:p>
-        </p:txBody>
-      </p:sp>
-    </p:spTree>
-  </p:cSld>
-  <p:clrMapOvr>
-    <a:masterClrMapping/>
-  </p:clrMapOvr>
-</p:sld>
-</file>
-
-<file path=ppt/slides/slide6.xml><?xml version="1.0" encoding="utf-8"?>
-<p:sld xmlns:a="http://schemas.openxmlformats.org/drawingml/2006/main" xmlns:r="http://schemas.openxmlformats.org/officeDocument/2006/relationships" xmlns:p="http://schemas.openxmlformats.org/presentationml/2006/main">
-  <p:cSld>
-    <p:spTree>
-      <p:nvGrpSpPr>
-        <p:cNvPr id="1" name=""/>
-        <p:cNvGrpSpPr/>
-        <p:nvPr/>
-      </p:nvGrpSpPr>
-      <p:grpSpPr>
-        <a:xfrm>
-          <a:off x="0" y="0"/>
-          <a:ext cx="0" cy="0"/>
-          <a:chOff x="0" y="0"/>
-          <a:chExt cx="0" cy="0"/>
-        </a:xfrm>
-      </p:grpSpPr>
-      <p:sp>
-        <p:nvSpPr>
-          <p:cNvPr id="2" name="Titre 1"/>
-          <p:cNvSpPr>
-            <a:spLocks noGrp="1"/>
-          </p:cNvSpPr>
-          <p:nvPr>
-            <p:ph type="title"/>
-          </p:nvPr>
-        </p:nvSpPr>
-        <p:spPr/>
-        <p:txBody>
-          <a:bodyPr>
-            <a:normAutofit fontScale="90000"/>
-          </a:bodyPr>
-          <a:lstStyle/>
-          <a:p>
-            <a:r>
-              <a:rPr lang="fr-FR" dirty="0" smtClean="0"/>
-              <a:t>Assemblage de la pompe</a:t>
-            </a:r>
-            <a:br>
-              <a:rPr lang="fr-FR" dirty="0" smtClean="0"/>
-            </a:br>
-            <a:r>
-              <a:rPr lang="fr-FR" dirty="0" smtClean="0"/>
-              <a:t>Débuter</a:t>
-            </a:r>
-            <a:endParaRPr lang="fr-FR" dirty="0"/>
-          </a:p>
-        </p:txBody>
-      </p:sp>
-      <p:sp>
-        <p:nvSpPr>
-          <p:cNvPr id="3" name="Espace réservé du contenu 2"/>
-          <p:cNvSpPr>
-            <a:spLocks noGrp="1"/>
-          </p:cNvSpPr>
-          <p:nvPr>
-            <p:ph sz="quarter" idx="1"/>
-          </p:nvPr>
-        </p:nvSpPr>
-        <p:spPr/>
-        <p:txBody>
-          <a:bodyPr/>
-          <a:lstStyle/>
-          <a:p>
-            <a:r>
-              <a:rPr lang="fr-FR" dirty="0" smtClean="0"/>
-              <a:t>Importer successivement :</a:t>
-            </a:r>
-          </a:p>
-          <a:p>
-            <a:pPr lvl="1"/>
-            <a:r>
-              <a:rPr lang="fr-FR" sz="2400" dirty="0" smtClean="0"/>
-              <a:t>Barillet+</a:t>
-            </a:r>
-            <a:r>
-              <a:rPr lang="fr-FR" sz="2400" dirty="0" err="1" smtClean="0"/>
-              <a:t>Entraineur.SLDASM</a:t>
-            </a:r>
-            <a:endParaRPr lang="fr-FR" sz="2400" dirty="0" smtClean="0"/>
-          </a:p>
-          <a:p>
-            <a:pPr lvl="1"/>
-            <a:r>
-              <a:rPr lang="fr-FR" sz="2400" dirty="0" err="1" smtClean="0"/>
-              <a:t>Piston.SLDPRT</a:t>
-            </a:r>
-            <a:endParaRPr lang="fr-FR" sz="2400" dirty="0" smtClean="0"/>
-          </a:p>
-          <a:p>
-            <a:pPr lvl="1"/>
-            <a:endParaRPr lang="fr-FR" sz="2400" dirty="0" smtClean="0"/>
-          </a:p>
-          <a:p>
-            <a:pPr lvl="1"/>
-            <a:endParaRPr lang="fr-FR" dirty="0" smtClean="0"/>
-          </a:p>
-          <a:p>
-            <a:pPr lvl="1"/>
-            <a:endParaRPr lang="fr-FR" dirty="0"/>
-          </a:p>
-        </p:txBody>
-      </p:sp>
-      <p:sp>
-        <p:nvSpPr>
-          <p:cNvPr id="4" name="Espace réservé du numéro de diapositive 3"/>
-          <p:cNvSpPr>
-            <a:spLocks noGrp="1"/>
-          </p:cNvSpPr>
-          <p:nvPr>
-            <p:ph type="sldNum" sz="quarter" idx="15"/>
-          </p:nvPr>
-        </p:nvSpPr>
-        <p:spPr/>
-        <p:txBody>
-          <a:bodyPr/>
-          <a:lstStyle/>
-          <a:p>
-            <a:fld id="{CF4668DC-857F-487D-BFFA-8C0CA5037977}" type="slidenum">
-              <a:rPr lang="fr-BE" smtClean="0"/>
-              <a:pPr/>
-              <a:t>6</a:t>
-            </a:fld>
-            <a:endParaRPr lang="fr-BE"/>
-          </a:p>
-        </p:txBody>
-      </p:sp>
-      <p:pic>
-        <p:nvPicPr>
-          <p:cNvPr id="3074" name="Picture 2"/>
-          <p:cNvPicPr>
-            <a:picLocks noChangeAspect="1" noChangeArrowheads="1"/>
-          </p:cNvPicPr>
-          <p:nvPr/>
-        </p:nvPicPr>
-        <p:blipFill>
-          <a:blip r:embed="rId2"/>
-          <a:srcRect/>
-          <a:stretch>
-            <a:fillRect/>
-          </a:stretch>
-        </p:blipFill>
-        <p:spPr bwMode="auto">
-          <a:xfrm>
-            <a:off x="2357422" y="3000371"/>
-            <a:ext cx="3714776" cy="2636293"/>
-          </a:xfrm>
-          <a:prstGeom prst="rect">
-            <a:avLst/>
-          </a:prstGeom>
-          <a:noFill/>
-          <a:ln w="9525">
-            <a:noFill/>
-            <a:miter lim="800000"/>
-            <a:headEnd/>
-            <a:tailEnd/>
-          </a:ln>
-          <a:effectLst/>
-        </p:spPr>
-      </p:pic>
-    </p:spTree>
-  </p:cSld>
-  <p:clrMapOvr>
-    <a:masterClrMapping/>
-  </p:clrMapOvr>
-</p:sld>
-</file>
-
-<file path=ppt/slides/slide7.xml><?xml version="1.0" encoding="utf-8"?>
-<p:sld xmlns:a="http://schemas.openxmlformats.org/drawingml/2006/main" xmlns:r="http://schemas.openxmlformats.org/officeDocument/2006/relationships" xmlns:p="http://schemas.openxmlformats.org/presentationml/2006/main">
-  <p:cSld>
-    <p:spTree>
-      <p:nvGrpSpPr>
-        <p:cNvPr id="1" name=""/>
-        <p:cNvGrpSpPr/>
-        <p:nvPr/>
-      </p:nvGrpSpPr>
-      <p:grpSpPr>
-        <a:xfrm>
-          <a:off x="0" y="0"/>
-          <a:ext cx="0" cy="0"/>
-          <a:chOff x="0" y="0"/>
-          <a:chExt cx="0" cy="0"/>
-        </a:xfrm>
-      </p:grpSpPr>
-      <p:sp>
-        <p:nvSpPr>
-          <p:cNvPr id="2" name="Titre 1"/>
-          <p:cNvSpPr>
-            <a:spLocks noGrp="1"/>
-          </p:cNvSpPr>
-          <p:nvPr>
-            <p:ph type="title"/>
-          </p:nvPr>
-        </p:nvSpPr>
-        <p:spPr/>
-        <p:txBody>
-          <a:bodyPr>
-            <a:normAutofit fontScale="90000"/>
-          </a:bodyPr>
-          <a:lstStyle/>
-          <a:p>
-            <a:r>
-              <a:rPr lang="fr-FR" dirty="0" smtClean="0"/>
-              <a:t>Assemblage de la pompe</a:t>
-            </a:r>
-            <a:br>
-              <a:rPr lang="fr-FR" dirty="0" smtClean="0"/>
-            </a:br>
-            <a:r>
-              <a:rPr lang="fr-FR" dirty="0" smtClean="0"/>
-              <a:t>Ajouter les contraintes</a:t>
-            </a:r>
-            <a:endParaRPr lang="fr-FR" dirty="0"/>
-          </a:p>
-        </p:txBody>
-      </p:sp>
-      <p:sp>
-        <p:nvSpPr>
-          <p:cNvPr id="3" name="Espace réservé du contenu 2"/>
-          <p:cNvSpPr>
-            <a:spLocks noGrp="1"/>
-          </p:cNvSpPr>
-          <p:nvPr>
-            <p:ph sz="quarter" idx="1"/>
-          </p:nvPr>
-        </p:nvSpPr>
-        <p:spPr/>
-        <p:txBody>
-          <a:bodyPr>
-            <a:normAutofit/>
-          </a:bodyPr>
-          <a:lstStyle/>
-          <a:p>
-            <a:r>
-              <a:rPr lang="fr-FR" sz="1800" dirty="0" smtClean="0"/>
-              <a:t>Le but est d’ajouter des contraintes pour mettre en position les pièces les unes par rapport aux autres</a:t>
-            </a:r>
-            <a:endParaRPr lang="fr-FR" sz="1800" dirty="0" smtClean="0"/>
-          </a:p>
-          <a:p>
-            <a:r>
-              <a:rPr lang="fr-FR" sz="1800" dirty="0" smtClean="0"/>
-              <a:t>Le seul mouvement possible entre le barillet et le bâti est une rotation. Ce type de liaison est appelé une liaison </a:t>
-            </a:r>
-            <a:r>
-              <a:rPr lang="fr-FR" sz="1800" b="1" dirty="0" smtClean="0"/>
-              <a:t>pivot</a:t>
-            </a:r>
-            <a:r>
-              <a:rPr lang="fr-FR" sz="1800" dirty="0" smtClean="0"/>
-              <a:t>. </a:t>
-            </a:r>
-            <a:r>
-              <a:rPr lang="fr-FR" sz="1800" dirty="0" smtClean="0"/>
-              <a:t>Géométriquement, il va donc falloir  assurer : </a:t>
-            </a:r>
-          </a:p>
-          <a:p>
-            <a:r>
-              <a:rPr lang="fr-FR" sz="1800" dirty="0" smtClean="0"/>
-              <a:t>une </a:t>
-            </a:r>
-            <a:r>
-              <a:rPr lang="fr-FR" sz="1800" dirty="0" err="1" smtClean="0"/>
-              <a:t>coaxialité</a:t>
-            </a:r>
-            <a:r>
-              <a:rPr lang="fr-FR" sz="1800" dirty="0" smtClean="0"/>
-              <a:t> entre l’axe du bâti et l’axe du barillet;</a:t>
-            </a:r>
-          </a:p>
-          <a:p>
-            <a:r>
-              <a:rPr lang="fr-FR" sz="1800" dirty="0" smtClean="0"/>
-              <a:t>Un contact entre une partie plane du barillet et une parie plane du roulement</a:t>
-            </a:r>
-          </a:p>
-          <a:p>
-            <a:endParaRPr lang="fr-FR" sz="1800" dirty="0"/>
-          </a:p>
-        </p:txBody>
-      </p:sp>
-      <p:sp>
-        <p:nvSpPr>
-          <p:cNvPr id="4" name="Espace réservé du numéro de diapositive 3"/>
-          <p:cNvSpPr>
-            <a:spLocks noGrp="1"/>
-          </p:cNvSpPr>
-          <p:nvPr>
-            <p:ph type="sldNum" sz="quarter" idx="15"/>
-          </p:nvPr>
-        </p:nvSpPr>
-        <p:spPr/>
-        <p:txBody>
-          <a:bodyPr/>
-          <a:lstStyle/>
-          <a:p>
-            <a:fld id="{CF4668DC-857F-487D-BFFA-8C0CA5037977}" type="slidenum">
-              <a:rPr lang="fr-BE" smtClean="0"/>
-              <a:pPr/>
-              <a:t>7</a:t>
-            </a:fld>
-            <a:endParaRPr lang="fr-BE"/>
-          </a:p>
-        </p:txBody>
-      </p:sp>
-      <p:pic>
-        <p:nvPicPr>
-          <p:cNvPr id="4099" name="Picture 3"/>
-          <p:cNvPicPr>
-            <a:picLocks noChangeAspect="1" noChangeArrowheads="1"/>
-          </p:cNvPicPr>
-          <p:nvPr/>
-        </p:nvPicPr>
-        <p:blipFill>
-          <a:blip r:embed="rId2"/>
-          <a:srcRect/>
-          <a:stretch>
-            <a:fillRect/>
-          </a:stretch>
-        </p:blipFill>
-        <p:spPr bwMode="auto">
-          <a:xfrm>
-            <a:off x="2214546" y="3571876"/>
-            <a:ext cx="3188404" cy="3071810"/>
-          </a:xfrm>
-          <a:prstGeom prst="rect">
-            <a:avLst/>
-          </a:prstGeom>
-          <a:noFill/>
-          <a:ln w="9525">
-            <a:noFill/>
-            <a:miter lim="800000"/>
-            <a:headEnd/>
-            <a:tailEnd/>
-          </a:ln>
-          <a:effectLst/>
-        </p:spPr>
-      </p:pic>
-      <p:cxnSp>
-        <p:nvCxnSpPr>
-          <p:cNvPr id="9" name="Connecteur droit avec flèche 8"/>
-          <p:cNvCxnSpPr/>
-          <p:nvPr/>
-        </p:nvCxnSpPr>
-        <p:spPr>
-          <a:xfrm rot="16200000" flipV="1">
-            <a:off x="3036083" y="4607727"/>
-            <a:ext cx="1357322" cy="571504"/>
-          </a:xfrm>
-          <a:prstGeom prst="straightConnector1">
-            <a:avLst/>
-          </a:prstGeom>
-          <a:ln w="28575">
-            <a:solidFill>
-              <a:srgbClr val="FF0000"/>
-            </a:solidFill>
-            <a:headEnd type="stealth" w="med" len="lg"/>
-            <a:tailEnd type="stealth" w="med" len="lg"/>
-          </a:ln>
-        </p:spPr>
-        <p:style>
-          <a:lnRef idx="1">
-            <a:schemeClr val="accent1"/>
-          </a:lnRef>
-          <a:fillRef idx="0">
-            <a:schemeClr val="accent1"/>
-          </a:fillRef>
-          <a:effectRef idx="0">
-            <a:schemeClr val="accent1"/>
-          </a:effectRef>
-          <a:fontRef idx="minor">
-            <a:schemeClr val="tx1"/>
-          </a:fontRef>
-        </p:style>
-      </p:cxnSp>
-      <p:cxnSp>
-        <p:nvCxnSpPr>
-          <p:cNvPr id="12" name="Connecteur droit avec flèche 11"/>
-          <p:cNvCxnSpPr/>
-          <p:nvPr/>
-        </p:nvCxnSpPr>
-        <p:spPr>
-          <a:xfrm rot="16200000" flipV="1">
-            <a:off x="3357554" y="4500570"/>
-            <a:ext cx="1428760" cy="571504"/>
-          </a:xfrm>
-          <a:prstGeom prst="straightConnector1">
-            <a:avLst/>
-          </a:prstGeom>
-          <a:ln w="28575">
-            <a:solidFill>
-              <a:srgbClr val="FF0000"/>
-            </a:solidFill>
-            <a:headEnd type="stealth" w="med" len="lg"/>
-            <a:tailEnd type="stealth" w="med" len="lg"/>
-          </a:ln>
-        </p:spPr>
-        <p:style>
-          <a:lnRef idx="1">
-            <a:schemeClr val="accent1"/>
-          </a:lnRef>
-          <a:fillRef idx="0">
-            <a:schemeClr val="accent1"/>
-          </a:fillRef>
-          <a:effectRef idx="0">
-            <a:schemeClr val="accent1"/>
-          </a:effectRef>
-          <a:fontRef idx="minor">
-            <a:schemeClr val="tx1"/>
-          </a:fontRef>
-        </p:style>
-      </p:cxnSp>
-      <p:sp>
-        <p:nvSpPr>
-          <p:cNvPr id="14" name="ZoneTexte 13"/>
-          <p:cNvSpPr txBox="1"/>
-          <p:nvPr/>
-        </p:nvSpPr>
-        <p:spPr>
-          <a:xfrm>
-            <a:off x="1214414" y="4286256"/>
-            <a:ext cx="3000396" cy="369332"/>
-          </a:xfrm>
-          <a:prstGeom prst="rect">
-            <a:avLst/>
-          </a:prstGeom>
-          <a:noFill/>
-        </p:spPr>
-        <p:txBody>
-          <a:bodyPr wrap="square" rtlCol="0">
-            <a:spAutoFit/>
-          </a:bodyPr>
-          <a:lstStyle/>
-          <a:p>
-            <a:r>
-              <a:rPr lang="fr-FR" dirty="0" err="1" smtClean="0">
-                <a:latin typeface="Calibri" pitchFamily="34" charset="0"/>
-              </a:rPr>
-              <a:t>Coaxialité</a:t>
-            </a:r>
-            <a:r>
-              <a:rPr lang="fr-FR" dirty="0" smtClean="0">
-                <a:latin typeface="Calibri" pitchFamily="34" charset="0"/>
-              </a:rPr>
-              <a:t> des cylindres</a:t>
-            </a:r>
-            <a:endParaRPr lang="fr-FR" dirty="0">
-              <a:latin typeface="Calibri" pitchFamily="34" charset="0"/>
-            </a:endParaRPr>
-          </a:p>
-        </p:txBody>
-      </p:sp>
-      <p:sp>
-        <p:nvSpPr>
-          <p:cNvPr id="15" name="ZoneTexte 14"/>
-          <p:cNvSpPr txBox="1"/>
-          <p:nvPr/>
-        </p:nvSpPr>
-        <p:spPr>
-          <a:xfrm>
-            <a:off x="4071934" y="4214818"/>
-            <a:ext cx="2643206" cy="369332"/>
-          </a:xfrm>
-          <a:prstGeom prst="rect">
-            <a:avLst/>
-          </a:prstGeom>
-          <a:noFill/>
-        </p:spPr>
-        <p:txBody>
-          <a:bodyPr wrap="square" rtlCol="0">
-            <a:spAutoFit/>
-          </a:bodyPr>
-          <a:lstStyle/>
-          <a:p>
-            <a:r>
-              <a:rPr lang="fr-FR" dirty="0" smtClean="0">
-                <a:latin typeface="Calibri" pitchFamily="34" charset="0"/>
-              </a:rPr>
-              <a:t>Contact plan – plan </a:t>
             </a:r>
             <a:endParaRPr lang="fr-FR" dirty="0">
               <a:latin typeface="Calibri" pitchFamily="34" charset="0"/>
@@ -7392,29 +12553,77 @@
         </p:nvSpPr>
         <p:spPr/>
         <p:txBody>
+          <a:bodyPr>
+            <a:normAutofit fontScale="90000"/>
+          </a:bodyPr>
+          <a:lstStyle/>
+          <a:p>
+            <a:r>
+              <a:rPr lang="fr-FR" dirty="0" smtClean="0"/>
+              <a:t>Assemblage de la pompe</a:t>
+            </a:r>
+            <a:br>
+              <a:rPr lang="fr-FR" dirty="0" smtClean="0"/>
+            </a:br>
+            <a:r>
+              <a:rPr lang="fr-FR" dirty="0" smtClean="0"/>
+              <a:t>Débuter</a:t>
+            </a:r>
+            <a:endParaRPr lang="fr-FR" dirty="0"/>
+          </a:p>
+        </p:txBody>
+      </p:sp>
+      <p:sp>
+        <p:nvSpPr>
+          <p:cNvPr id="3" name="Espace réservé du contenu 2"/>
+          <p:cNvSpPr>
+            <a:spLocks noGrp="1"/>
+          </p:cNvSpPr>
+          <p:nvPr>
+            <p:ph sz="quarter" idx="1"/>
+          </p:nvPr>
+        </p:nvSpPr>
+        <p:spPr/>
+        <p:txBody>
           <a:bodyPr/>
           <a:lstStyle/>
           <a:p>
-            <a:endParaRPr lang="fr-FR"/>
-          </a:p>
-        </p:txBody>
-      </p:sp>
-      <p:sp>
-        <p:nvSpPr>
-          <p:cNvPr id="3" name="Espace réservé du contenu 2"/>
-          <p:cNvSpPr>
-            <a:spLocks noGrp="1"/>
-          </p:cNvSpPr>
-          <p:nvPr>
-            <p:ph sz="quarter" idx="1"/>
-          </p:nvPr>
-        </p:nvSpPr>
-        <p:spPr/>
-        <p:txBody>
-          <a:bodyPr/>
-          <a:lstStyle/>
-          <a:p>
-            <a:endParaRPr lang="fr-FR"/>
+            <a:r>
+              <a:rPr lang="fr-FR" dirty="0" smtClean="0"/>
+              <a:t>Importer successivement :</a:t>
+            </a:r>
+          </a:p>
+          <a:p>
+            <a:pPr lvl="1"/>
+            <a:r>
+              <a:rPr lang="fr-FR" sz="2400" dirty="0" smtClean="0"/>
+              <a:t>Barillet+</a:t>
+            </a:r>
+            <a:r>
+              <a:rPr lang="fr-FR" sz="2400" dirty="0" err="1" smtClean="0"/>
+              <a:t>Entraineur.SLDASM</a:t>
+            </a:r>
+            <a:endParaRPr lang="fr-FR" sz="2400" dirty="0" smtClean="0"/>
+          </a:p>
+          <a:p>
+            <a:pPr lvl="1"/>
+            <a:r>
+              <a:rPr lang="fr-FR" sz="2400" dirty="0" err="1" smtClean="0"/>
+              <a:t>Piston.SLDPRT</a:t>
+            </a:r>
+            <a:endParaRPr lang="fr-FR" sz="2400" dirty="0" smtClean="0"/>
+          </a:p>
+          <a:p>
+            <a:pPr lvl="1"/>
+            <a:endParaRPr lang="fr-FR" sz="2400" dirty="0" smtClean="0"/>
+          </a:p>
+          <a:p>
+            <a:pPr lvl="1"/>
+            <a:endParaRPr lang="fr-FR" dirty="0" smtClean="0"/>
+          </a:p>
+          <a:p>
+            <a:pPr lvl="1"/>
+            <a:endParaRPr lang="fr-FR" dirty="0"/>
           </a:p>
         </p:txBody>
       </p:sp>
@@ -7439,6 +12648,362 @@
               <a:t>8</a:t>
             </a:fld>
             <a:endParaRPr lang="fr-BE"/>
+          </a:p>
+        </p:txBody>
+      </p:sp>
+      <p:pic>
+        <p:nvPicPr>
+          <p:cNvPr id="3074" name="Picture 2"/>
+          <p:cNvPicPr>
+            <a:picLocks noChangeAspect="1" noChangeArrowheads="1"/>
+          </p:cNvPicPr>
+          <p:nvPr/>
+        </p:nvPicPr>
+        <p:blipFill>
+          <a:blip r:embed="rId2"/>
+          <a:srcRect/>
+          <a:stretch>
+            <a:fillRect/>
+          </a:stretch>
+        </p:blipFill>
+        <p:spPr bwMode="auto">
+          <a:xfrm>
+            <a:off x="2357422" y="3000371"/>
+            <a:ext cx="3714776" cy="2636293"/>
+          </a:xfrm>
+          <a:prstGeom prst="rect">
+            <a:avLst/>
+          </a:prstGeom>
+          <a:noFill/>
+          <a:ln w="9525">
+            <a:noFill/>
+            <a:miter lim="800000"/>
+            <a:headEnd/>
+            <a:tailEnd/>
+          </a:ln>
+          <a:effectLst/>
+        </p:spPr>
+      </p:pic>
+    </p:spTree>
+  </p:cSld>
+  <p:clrMapOvr>
+    <a:masterClrMapping/>
+  </p:clrMapOvr>
+</p:sld>
+</file>
+
+<file path=ppt/slides/slide9.xml><?xml version="1.0" encoding="utf-8"?>
+<p:sld xmlns:a="http://schemas.openxmlformats.org/drawingml/2006/main" xmlns:r="http://schemas.openxmlformats.org/officeDocument/2006/relationships" xmlns:p="http://schemas.openxmlformats.org/presentationml/2006/main">
+  <p:cSld>
+    <p:spTree>
+      <p:nvGrpSpPr>
+        <p:cNvPr id="1" name=""/>
+        <p:cNvGrpSpPr/>
+        <p:nvPr/>
+      </p:nvGrpSpPr>
+      <p:grpSpPr>
+        <a:xfrm>
+          <a:off x="0" y="0"/>
+          <a:ext cx="0" cy="0"/>
+          <a:chOff x="0" y="0"/>
+          <a:chExt cx="0" cy="0"/>
+        </a:xfrm>
+      </p:grpSpPr>
+      <p:sp>
+        <p:nvSpPr>
+          <p:cNvPr id="2" name="Titre 1"/>
+          <p:cNvSpPr>
+            <a:spLocks noGrp="1"/>
+          </p:cNvSpPr>
+          <p:nvPr>
+            <p:ph type="title"/>
+          </p:nvPr>
+        </p:nvSpPr>
+        <p:spPr/>
+        <p:txBody>
+          <a:bodyPr>
+            <a:normAutofit fontScale="90000"/>
+          </a:bodyPr>
+          <a:lstStyle/>
+          <a:p>
+            <a:r>
+              <a:rPr lang="fr-FR" dirty="0" smtClean="0"/>
+              <a:t>Assemblage de la pompe</a:t>
+            </a:r>
+            <a:br>
+              <a:rPr lang="fr-FR" dirty="0" smtClean="0"/>
+            </a:br>
+            <a:r>
+              <a:rPr lang="fr-FR" dirty="0" smtClean="0"/>
+              <a:t>Ajouter les contraintes</a:t>
+            </a:r>
+            <a:endParaRPr lang="fr-FR" dirty="0"/>
+          </a:p>
+        </p:txBody>
+      </p:sp>
+      <p:sp>
+        <p:nvSpPr>
+          <p:cNvPr id="3" name="Espace réservé du contenu 2"/>
+          <p:cNvSpPr>
+            <a:spLocks noGrp="1"/>
+          </p:cNvSpPr>
+          <p:nvPr>
+            <p:ph sz="quarter" idx="1"/>
+          </p:nvPr>
+        </p:nvSpPr>
+        <p:spPr/>
+        <p:txBody>
+          <a:bodyPr>
+            <a:normAutofit/>
+          </a:bodyPr>
+          <a:lstStyle/>
+          <a:p>
+            <a:r>
+              <a:rPr lang="fr-FR" sz="1800" dirty="0" smtClean="0"/>
+              <a:t>Le but est d’ajouter des contraintes pour mettre en position les pièces les unes par rapport aux autres</a:t>
+            </a:r>
+          </a:p>
+          <a:p>
+            <a:r>
+              <a:rPr lang="fr-FR" sz="1800" dirty="0" smtClean="0"/>
+              <a:t>Le seul mouvement possible entre le barillet et le bâti est une rotation. Ce type de liaison est appelé une liaison </a:t>
+            </a:r>
+            <a:r>
+              <a:rPr lang="fr-FR" sz="1800" b="1" dirty="0" smtClean="0"/>
+              <a:t>pivot</a:t>
+            </a:r>
+            <a:r>
+              <a:rPr lang="fr-FR" sz="1800" dirty="0" smtClean="0"/>
+              <a:t>. Géométriquement, il va donc falloir  assurer : </a:t>
+            </a:r>
+          </a:p>
+          <a:p>
+            <a:r>
+              <a:rPr lang="fr-FR" sz="1800" dirty="0" smtClean="0"/>
+              <a:t>une </a:t>
+            </a:r>
+            <a:r>
+              <a:rPr lang="fr-FR" sz="1800" dirty="0" err="1" smtClean="0"/>
+              <a:t>coaxialité</a:t>
+            </a:r>
+            <a:r>
+              <a:rPr lang="fr-FR" sz="1800" dirty="0" smtClean="0"/>
+              <a:t> entre l’axe du bâti et l’axe du barillet;</a:t>
+            </a:r>
+          </a:p>
+          <a:p>
+            <a:r>
+              <a:rPr lang="fr-FR" sz="1800" dirty="0" smtClean="0"/>
+              <a:t>Un contact entre une partie plane du barillet et une parie plane du roulement</a:t>
+            </a:r>
+          </a:p>
+          <a:p>
+            <a:endParaRPr lang="fr-FR" sz="1800" dirty="0"/>
+          </a:p>
+        </p:txBody>
+      </p:sp>
+      <p:sp>
+        <p:nvSpPr>
+          <p:cNvPr id="4" name="Espace réservé du numéro de diapositive 3"/>
+          <p:cNvSpPr>
+            <a:spLocks noGrp="1"/>
+          </p:cNvSpPr>
+          <p:nvPr>
+            <p:ph type="sldNum" sz="quarter" idx="15"/>
+          </p:nvPr>
+        </p:nvSpPr>
+        <p:spPr/>
+        <p:txBody>
+          <a:bodyPr/>
+          <a:lstStyle/>
+          <a:p>
+            <a:fld id="{CF4668DC-857F-487D-BFFA-8C0CA5037977}" type="slidenum">
+              <a:rPr lang="fr-BE" smtClean="0"/>
+              <a:pPr/>
+              <a:t>9</a:t>
+            </a:fld>
+            <a:endParaRPr lang="fr-BE"/>
+          </a:p>
+        </p:txBody>
+      </p:sp>
+      <p:pic>
+        <p:nvPicPr>
+          <p:cNvPr id="4099" name="Picture 3"/>
+          <p:cNvPicPr>
+            <a:picLocks noChangeAspect="1" noChangeArrowheads="1"/>
+          </p:cNvPicPr>
+          <p:nvPr/>
+        </p:nvPicPr>
+        <p:blipFill>
+          <a:blip r:embed="rId2"/>
+          <a:srcRect/>
+          <a:stretch>
+            <a:fillRect/>
+          </a:stretch>
+        </p:blipFill>
+        <p:spPr bwMode="auto">
+          <a:xfrm>
+            <a:off x="2214546" y="3571876"/>
+            <a:ext cx="3188404" cy="3071810"/>
+          </a:xfrm>
+          <a:prstGeom prst="rect">
+            <a:avLst/>
+          </a:prstGeom>
+          <a:noFill/>
+          <a:ln w="9525">
+            <a:noFill/>
+            <a:miter lim="800000"/>
+            <a:headEnd/>
+            <a:tailEnd/>
+          </a:ln>
+          <a:effectLst/>
+        </p:spPr>
+      </p:pic>
+      <p:cxnSp>
+        <p:nvCxnSpPr>
+          <p:cNvPr id="9" name="Connecteur droit avec flèche 8"/>
+          <p:cNvCxnSpPr/>
+          <p:nvPr/>
+        </p:nvCxnSpPr>
+        <p:spPr>
+          <a:xfrm rot="16200000" flipV="1">
+            <a:off x="3107521" y="4607727"/>
+            <a:ext cx="1785950" cy="428628"/>
+          </a:xfrm>
+          <a:prstGeom prst="straightConnector1">
+            <a:avLst/>
+          </a:prstGeom>
+          <a:ln w="28575">
+            <a:solidFill>
+              <a:srgbClr val="FF0000"/>
+            </a:solidFill>
+            <a:headEnd type="stealth" w="med" len="lg"/>
+            <a:tailEnd type="stealth" w="med" len="lg"/>
+          </a:ln>
+        </p:spPr>
+        <p:style>
+          <a:lnRef idx="1">
+            <a:schemeClr val="accent1"/>
+          </a:lnRef>
+          <a:fillRef idx="0">
+            <a:schemeClr val="accent1"/>
+          </a:fillRef>
+          <a:effectRef idx="0">
+            <a:schemeClr val="accent1"/>
+          </a:effectRef>
+          <a:fontRef idx="minor">
+            <a:schemeClr val="tx1"/>
+          </a:fontRef>
+        </p:style>
+      </p:cxnSp>
+      <p:cxnSp>
+        <p:nvCxnSpPr>
+          <p:cNvPr id="12" name="Connecteur droit avec flèche 11"/>
+          <p:cNvCxnSpPr/>
+          <p:nvPr/>
+        </p:nvCxnSpPr>
+        <p:spPr>
+          <a:xfrm rot="16200000" flipV="1">
+            <a:off x="3464711" y="4822041"/>
+            <a:ext cx="1571636" cy="71438"/>
+          </a:xfrm>
+          <a:prstGeom prst="straightConnector1">
+            <a:avLst/>
+          </a:prstGeom>
+          <a:ln w="28575">
+            <a:solidFill>
+              <a:srgbClr val="FF0000"/>
+            </a:solidFill>
+            <a:headEnd type="stealth" w="med" len="lg"/>
+            <a:tailEnd type="stealth" w="med" len="lg"/>
+          </a:ln>
+        </p:spPr>
+        <p:style>
+          <a:lnRef idx="1">
+            <a:schemeClr val="accent1"/>
+          </a:lnRef>
+          <a:fillRef idx="0">
+            <a:schemeClr val="accent1"/>
+          </a:fillRef>
+          <a:effectRef idx="0">
+            <a:schemeClr val="accent1"/>
+          </a:effectRef>
+          <a:fontRef idx="minor">
+            <a:schemeClr val="tx1"/>
+          </a:fontRef>
+        </p:style>
+      </p:cxnSp>
+      <p:sp>
+        <p:nvSpPr>
+          <p:cNvPr id="14" name="ZoneTexte 13"/>
+          <p:cNvSpPr txBox="1"/>
+          <p:nvPr/>
+        </p:nvSpPr>
+        <p:spPr>
+          <a:xfrm>
+            <a:off x="4286248" y="4286256"/>
+            <a:ext cx="3000396" cy="369332"/>
+          </a:xfrm>
+          <a:prstGeom prst="rect">
+            <a:avLst/>
+          </a:prstGeom>
+          <a:noFill/>
+        </p:spPr>
+        <p:txBody>
+          <a:bodyPr wrap="square" rtlCol="0">
+            <a:spAutoFit/>
+          </a:bodyPr>
+          <a:lstStyle/>
+          <a:p>
+            <a:r>
+              <a:rPr lang="fr-FR" dirty="0" err="1" smtClean="0">
+                <a:latin typeface="Calibri" pitchFamily="34" charset="0"/>
+              </a:rPr>
+              <a:t>Coaxialité</a:t>
+            </a:r>
+            <a:r>
+              <a:rPr lang="fr-FR" dirty="0" smtClean="0">
+                <a:latin typeface="Calibri" pitchFamily="34" charset="0"/>
+              </a:rPr>
+              <a:t> des cylindres</a:t>
+            </a:r>
+            <a:endParaRPr lang="fr-FR" dirty="0">
+              <a:latin typeface="Calibri" pitchFamily="34" charset="0"/>
+            </a:endParaRPr>
+          </a:p>
+        </p:txBody>
+      </p:sp>
+      <p:sp>
+        <p:nvSpPr>
+          <p:cNvPr id="15" name="ZoneTexte 14"/>
+          <p:cNvSpPr txBox="1"/>
+          <p:nvPr/>
+        </p:nvSpPr>
+        <p:spPr>
+          <a:xfrm>
+            <a:off x="1214414" y="4429132"/>
+            <a:ext cx="2643206" cy="369332"/>
+          </a:xfrm>
+          <a:prstGeom prst="rect">
+            <a:avLst/>
+          </a:prstGeom>
+          <a:noFill/>
+        </p:spPr>
+        <p:txBody>
+          <a:bodyPr wrap="square" rtlCol="0">
+            <a:spAutoFit/>
+          </a:bodyPr>
+          <a:lstStyle/>
+          <a:p>
+            <a:r>
+              <a:rPr lang="fr-FR" dirty="0" smtClean="0">
+                <a:latin typeface="Calibri" pitchFamily="34" charset="0"/>
+              </a:rPr>
+              <a:t>Contact plan – plan </a:t>
+            </a:r>
+            <a:endParaRPr lang="fr-FR" dirty="0">
+              <a:latin typeface="Calibri" pitchFamily="34" charset="0"/>
+            </a:endParaRPr>
           </a:p>
         </p:txBody>
       </p:sp>
